--- a/Team_Presentation.pptx
+++ b/Team_Presentation.pptx
@@ -108,6 +108,11 @@
       </a:defRPr>
     </a:lvl9pPr>
   </p:defaultTextStyle>
+  <p:extLst>
+    <p:ext uri="{EFAFB233-063F-42B5-8137-9DF3F51BA10A}">
+      <p15:sldGuideLst xmlns:p15="http://schemas.microsoft.com/office/powerpoint/2012/main"/>
+    </p:ext>
+  </p:extLst>
 </p:presentation>
 </file>
 
@@ -3384,7 +3389,7 @@
           <a:p>
             <a:r>
               <a:rPr lang="en-US" dirty="0"/>
-              <a:t>Erick</a:t>
+              <a:t>Michael</a:t>
             </a:r>
           </a:p>
           <a:p>

--- a/Team_Presentation.pptx
+++ b/Team_Presentation.pptx
@@ -263,7 +263,7 @@
           <a:p>
             <a:fld id="{81EFE764-0BFB-2C4C-A007-F42C03CB572D}" type="datetimeFigureOut">
               <a:rPr lang="en-US" smtClean="0"/>
-              <a:t>7/15/23</a:t>
+              <a:t>7/17/23</a:t>
             </a:fld>
             <a:endParaRPr lang="en-US"/>
           </a:p>
@@ -461,7 +461,7 @@
           <a:p>
             <a:fld id="{81EFE764-0BFB-2C4C-A007-F42C03CB572D}" type="datetimeFigureOut">
               <a:rPr lang="en-US" smtClean="0"/>
-              <a:t>7/15/23</a:t>
+              <a:t>7/17/23</a:t>
             </a:fld>
             <a:endParaRPr lang="en-US"/>
           </a:p>
@@ -669,7 +669,7 @@
           <a:p>
             <a:fld id="{81EFE764-0BFB-2C4C-A007-F42C03CB572D}" type="datetimeFigureOut">
               <a:rPr lang="en-US" smtClean="0"/>
-              <a:t>7/15/23</a:t>
+              <a:t>7/17/23</a:t>
             </a:fld>
             <a:endParaRPr lang="en-US"/>
           </a:p>
@@ -867,7 +867,7 @@
           <a:p>
             <a:fld id="{81EFE764-0BFB-2C4C-A007-F42C03CB572D}" type="datetimeFigureOut">
               <a:rPr lang="en-US" smtClean="0"/>
-              <a:t>7/15/23</a:t>
+              <a:t>7/17/23</a:t>
             </a:fld>
             <a:endParaRPr lang="en-US"/>
           </a:p>
@@ -1142,7 +1142,7 @@
           <a:p>
             <a:fld id="{81EFE764-0BFB-2C4C-A007-F42C03CB572D}" type="datetimeFigureOut">
               <a:rPr lang="en-US" smtClean="0"/>
-              <a:t>7/15/23</a:t>
+              <a:t>7/17/23</a:t>
             </a:fld>
             <a:endParaRPr lang="en-US"/>
           </a:p>
@@ -1407,7 +1407,7 @@
           <a:p>
             <a:fld id="{81EFE764-0BFB-2C4C-A007-F42C03CB572D}" type="datetimeFigureOut">
               <a:rPr lang="en-US" smtClean="0"/>
-              <a:t>7/15/23</a:t>
+              <a:t>7/17/23</a:t>
             </a:fld>
             <a:endParaRPr lang="en-US"/>
           </a:p>
@@ -1819,7 +1819,7 @@
           <a:p>
             <a:fld id="{81EFE764-0BFB-2C4C-A007-F42C03CB572D}" type="datetimeFigureOut">
               <a:rPr lang="en-US" smtClean="0"/>
-              <a:t>7/15/23</a:t>
+              <a:t>7/17/23</a:t>
             </a:fld>
             <a:endParaRPr lang="en-US"/>
           </a:p>
@@ -1960,7 +1960,7 @@
           <a:p>
             <a:fld id="{81EFE764-0BFB-2C4C-A007-F42C03CB572D}" type="datetimeFigureOut">
               <a:rPr lang="en-US" smtClean="0"/>
-              <a:t>7/15/23</a:t>
+              <a:t>7/17/23</a:t>
             </a:fld>
             <a:endParaRPr lang="en-US"/>
           </a:p>
@@ -2073,7 +2073,7 @@
           <a:p>
             <a:fld id="{81EFE764-0BFB-2C4C-A007-F42C03CB572D}" type="datetimeFigureOut">
               <a:rPr lang="en-US" smtClean="0"/>
-              <a:t>7/15/23</a:t>
+              <a:t>7/17/23</a:t>
             </a:fld>
             <a:endParaRPr lang="en-US"/>
           </a:p>
@@ -2384,7 +2384,7 @@
           <a:p>
             <a:fld id="{81EFE764-0BFB-2C4C-A007-F42C03CB572D}" type="datetimeFigureOut">
               <a:rPr lang="en-US" smtClean="0"/>
-              <a:t>7/15/23</a:t>
+              <a:t>7/17/23</a:t>
             </a:fld>
             <a:endParaRPr lang="en-US"/>
           </a:p>
@@ -2672,7 +2672,7 @@
           <a:p>
             <a:fld id="{81EFE764-0BFB-2C4C-A007-F42C03CB572D}" type="datetimeFigureOut">
               <a:rPr lang="en-US" smtClean="0"/>
-              <a:t>7/15/23</a:t>
+              <a:t>7/17/23</a:t>
             </a:fld>
             <a:endParaRPr lang="en-US"/>
           </a:p>
@@ -2913,7 +2913,7 @@
           <a:p>
             <a:fld id="{81EFE764-0BFB-2C4C-A007-F42C03CB572D}" type="datetimeFigureOut">
               <a:rPr lang="en-US" smtClean="0"/>
-              <a:t>7/15/23</a:t>
+              <a:t>7/17/23</a:t>
             </a:fld>
             <a:endParaRPr lang="en-US"/>
           </a:p>
@@ -3577,7 +3577,7 @@
           <a:p>
             <a:r>
               <a:rPr lang="en-US" sz="2000" dirty="0"/>
-              <a:t>Visualizations do…</a:t>
+              <a:t>Visualizations prompt user input to compare two stocks through metrics, OHLC (open high low close) charts, and gauge charts</a:t>
             </a:r>
           </a:p>
           <a:p>
@@ -4989,8 +4989,8 @@
         </p:nvSpPr>
         <p:spPr>
           <a:xfrm>
-            <a:off x="8178230" y="1321356"/>
-            <a:ext cx="1901931" cy="369332"/>
+            <a:off x="359006" y="298174"/>
+            <a:ext cx="1589063" cy="307777"/>
           </a:xfrm>
           <a:prstGeom prst="rect">
             <a:avLst/>
@@ -5000,18 +5000,48 @@
           </a:solidFill>
         </p:spPr>
         <p:txBody>
-          <a:bodyPr wrap="none" rtlCol="0">
+          <a:bodyPr wrap="square" rtlCol="0">
             <a:spAutoFit/>
           </a:bodyPr>
           <a:lstStyle/>
           <a:p>
             <a:r>
-              <a:rPr lang="en-US" dirty="0"/>
+              <a:rPr lang="en-US" sz="1400" dirty="0"/>
               <a:t>Speaker: Montana</a:t>
             </a:r>
           </a:p>
         </p:txBody>
       </p:sp>
+      <p:pic>
+        <p:nvPicPr>
+          <p:cNvPr id="8" name="Picture 7" descr="A screenshot of a graph&#10;&#10;Description automatically generated">
+            <a:extLst>
+              <a:ext uri="{FF2B5EF4-FFF2-40B4-BE49-F238E27FC236}">
+                <a16:creationId xmlns:a16="http://schemas.microsoft.com/office/drawing/2014/main" id="{33F9911E-0EE6-573C-3DB2-8160ECFC86BE}"/>
+              </a:ext>
+            </a:extLst>
+          </p:cNvPr>
+          <p:cNvPicPr>
+            <a:picLocks noChangeAspect="1"/>
+          </p:cNvPicPr>
+          <p:nvPr/>
+        </p:nvPicPr>
+        <p:blipFill>
+          <a:blip r:embed="rId2"/>
+          <a:stretch>
+            <a:fillRect/>
+          </a:stretch>
+        </p:blipFill>
+        <p:spPr>
+          <a:xfrm>
+            <a:off x="5266908" y="241393"/>
+            <a:ext cx="6770975" cy="6375213"/>
+          </a:xfrm>
+          <a:prstGeom prst="rect">
+            <a:avLst/>
+          </a:prstGeom>
+        </p:spPr>
+      </p:pic>
     </p:spTree>
     <p:extLst>
       <p:ext uri="{BB962C8B-B14F-4D97-AF65-F5344CB8AC3E}">

--- a/Team_Presentation.pptx
+++ b/Team_Presentation.pptx
@@ -7,9 +7,9 @@
   <p:sldIdLst>
     <p:sldId id="256" r:id="rId2"/>
     <p:sldId id="257" r:id="rId3"/>
-    <p:sldId id="258" r:id="rId4"/>
-    <p:sldId id="259" r:id="rId5"/>
-    <p:sldId id="260" r:id="rId6"/>
+    <p:sldId id="261" r:id="rId4"/>
+    <p:sldId id="264" r:id="rId5"/>
+    <p:sldId id="263" r:id="rId6"/>
   </p:sldIdLst>
   <p:sldSz cx="12192000" cy="6858000"/>
   <p:notesSz cx="6858000" cy="9144000"/>
@@ -3316,6 +3316,14 @@
 <file path=ppt/slides/slide1.xml><?xml version="1.0" encoding="utf-8"?>
 <p:sld xmlns:a="http://schemas.openxmlformats.org/drawingml/2006/main" xmlns:r="http://schemas.openxmlformats.org/officeDocument/2006/relationships" xmlns:p="http://schemas.openxmlformats.org/presentationml/2006/main">
   <p:cSld>
+    <p:bg>
+      <p:bgPr>
+        <a:solidFill>
+          <a:schemeClr val="bg1"/>
+        </a:solidFill>
+        <a:effectLst/>
+      </p:bgPr>
+    </p:bg>
     <p:spTree>
       <p:nvGrpSpPr>
         <p:cNvPr id="1" name=""/>
@@ -3330,6 +3338,526 @@
           <a:chExt cx="0" cy="0"/>
         </a:xfrm>
       </p:grpSpPr>
+      <p:sp useBgFill="1">
+        <p:nvSpPr>
+          <p:cNvPr id="8" name="Rectangle 7">
+            <a:extLst>
+              <a:ext uri="{FF2B5EF4-FFF2-40B4-BE49-F238E27FC236}">
+                <a16:creationId xmlns:a16="http://schemas.microsoft.com/office/drawing/2014/main" id="{6F5A5072-7B47-4D32-B52A-4EBBF590B8A5}"/>
+              </a:ext>
+              <a:ext uri="{C183D7F6-B498-43B3-948B-1728B52AA6E4}">
+                <adec:decorative xmlns:adec="http://schemas.microsoft.com/office/drawing/2017/decorative" val="1"/>
+              </a:ext>
+            </a:extLst>
+          </p:cNvPr>
+          <p:cNvSpPr>
+            <a:spLocks noGrp="1" noRot="1" noChangeAspect="1" noMove="1" noResize="1" noEditPoints="1" noAdjustHandles="1" noChangeArrowheads="1" noChangeShapeType="1" noTextEdit="1"/>
+          </p:cNvSpPr>
+          <p:nvPr>
+            <p:extLst>
+              <p:ext uri="{386F3935-93C4-4BCD-93E2-E3B085C9AB24}">
+                <p16:designElem xmlns:p16="http://schemas.microsoft.com/office/powerpoint/2015/main" val="1"/>
+              </p:ext>
+            </p:extLst>
+          </p:nvPr>
+        </p:nvSpPr>
+        <p:spPr>
+          <a:xfrm>
+            <a:off x="0" y="0"/>
+            <a:ext cx="12192000" cy="6858000"/>
+          </a:xfrm>
+          <a:prstGeom prst="rect">
+            <a:avLst/>
+          </a:prstGeom>
+          <a:ln w="12700" cap="flat" cmpd="sng" algn="ctr">
+            <a:noFill/>
+            <a:prstDash val="solid"/>
+            <a:miter lim="800000"/>
+          </a:ln>
+          <a:effectLst/>
+          <a:extLst>
+            <a:ext uri="{91240B29-F687-4F45-9708-019B960494DF}">
+              <a14:hiddenLine xmlns:a14="http://schemas.microsoft.com/office/drawing/2010/main" w="12700" cap="flat" cmpd="sng" algn="ctr">
+                <a:solidFill>
+                  <a:schemeClr val="accent1">
+                    <a:shade val="50000"/>
+                  </a:schemeClr>
+                </a:solidFill>
+                <a:prstDash val="solid"/>
+                <a:miter lim="800000"/>
+              </a14:hiddenLine>
+            </a:ext>
+          </a:extLst>
+        </p:spPr>
+        <p:style>
+          <a:lnRef idx="2">
+            <a:schemeClr val="accent1">
+              <a:shade val="50000"/>
+            </a:schemeClr>
+          </a:lnRef>
+          <a:fillRef idx="1">
+            <a:schemeClr val="accent1"/>
+          </a:fillRef>
+          <a:effectRef idx="0">
+            <a:schemeClr val="accent1"/>
+          </a:effectRef>
+          <a:fontRef idx="minor">
+            <a:schemeClr val="lt1"/>
+          </a:fontRef>
+        </p:style>
+        <p:txBody>
+          <a:bodyPr rtlCol="0" anchor="ctr"/>
+          <a:lstStyle/>
+          <a:p>
+            <a:pPr algn="ctr"/>
+            <a:endParaRPr lang="en-US"/>
+          </a:p>
+        </p:txBody>
+      </p:sp>
+      <p:sp>
+        <p:nvSpPr>
+          <p:cNvPr id="10" name="Rectangle 9">
+            <a:extLst>
+              <a:ext uri="{FF2B5EF4-FFF2-40B4-BE49-F238E27FC236}">
+                <a16:creationId xmlns:a16="http://schemas.microsoft.com/office/drawing/2014/main" id="{9715DAF0-AE1B-46C9-8A6B-DB2AA05AB91D}"/>
+              </a:ext>
+              <a:ext uri="{C183D7F6-B498-43B3-948B-1728B52AA6E4}">
+                <adec:decorative xmlns:adec="http://schemas.microsoft.com/office/drawing/2017/decorative" val="1"/>
+              </a:ext>
+            </a:extLst>
+          </p:cNvPr>
+          <p:cNvSpPr>
+            <a:spLocks noGrp="1" noRot="1" noChangeAspect="1" noMove="1" noResize="1" noEditPoints="1" noAdjustHandles="1" noChangeArrowheads="1" noChangeShapeType="1" noTextEdit="1"/>
+          </p:cNvSpPr>
+          <p:nvPr>
+            <p:extLst>
+              <p:ext uri="{386F3935-93C4-4BCD-93E2-E3B085C9AB24}">
+                <p16:designElem xmlns:p16="http://schemas.microsoft.com/office/powerpoint/2015/main" val="1"/>
+              </p:ext>
+            </p:extLst>
+          </p:nvPr>
+        </p:nvSpPr>
+        <p:spPr>
+          <a:xfrm rot="10800000">
+            <a:off x="-2" y="-22693"/>
+            <a:ext cx="12191999" cy="4374129"/>
+          </a:xfrm>
+          <a:prstGeom prst="rect">
+            <a:avLst/>
+          </a:prstGeom>
+          <a:gradFill>
+            <a:gsLst>
+              <a:gs pos="0">
+                <a:schemeClr val="accent1">
+                  <a:lumMod val="75000"/>
+                </a:schemeClr>
+              </a:gs>
+              <a:gs pos="100000">
+                <a:srgbClr val="000000"/>
+              </a:gs>
+            </a:gsLst>
+            <a:lin ang="15000000" scaled="0"/>
+          </a:gradFill>
+          <a:ln>
+            <a:noFill/>
+          </a:ln>
+        </p:spPr>
+        <p:style>
+          <a:lnRef idx="2">
+            <a:schemeClr val="accent1">
+              <a:shade val="50000"/>
+            </a:schemeClr>
+          </a:lnRef>
+          <a:fillRef idx="1">
+            <a:schemeClr val="accent1"/>
+          </a:fillRef>
+          <a:effectRef idx="0">
+            <a:schemeClr val="accent1"/>
+          </a:effectRef>
+          <a:fontRef idx="minor">
+            <a:schemeClr val="lt1"/>
+          </a:fontRef>
+        </p:style>
+        <p:txBody>
+          <a:bodyPr rtlCol="0" anchor="ctr"/>
+          <a:lstStyle/>
+          <a:p>
+            <a:pPr algn="ctr"/>
+            <a:endParaRPr lang="en-US"/>
+          </a:p>
+        </p:txBody>
+      </p:sp>
+      <p:sp>
+        <p:nvSpPr>
+          <p:cNvPr id="12" name="Rectangle 11">
+            <a:extLst>
+              <a:ext uri="{FF2B5EF4-FFF2-40B4-BE49-F238E27FC236}">
+                <a16:creationId xmlns:a16="http://schemas.microsoft.com/office/drawing/2014/main" id="{6016219D-510E-4184-9090-6D5578A87BD1}"/>
+              </a:ext>
+              <a:ext uri="{C183D7F6-B498-43B3-948B-1728B52AA6E4}">
+                <adec:decorative xmlns:adec="http://schemas.microsoft.com/office/drawing/2017/decorative" val="1"/>
+              </a:ext>
+            </a:extLst>
+          </p:cNvPr>
+          <p:cNvSpPr>
+            <a:spLocks noGrp="1" noRot="1" noChangeAspect="1" noMove="1" noResize="1" noEditPoints="1" noAdjustHandles="1" noChangeArrowheads="1" noChangeShapeType="1" noTextEdit="1"/>
+          </p:cNvSpPr>
+          <p:nvPr>
+            <p:extLst>
+              <p:ext uri="{386F3935-93C4-4BCD-93E2-E3B085C9AB24}">
+                <p16:designElem xmlns:p16="http://schemas.microsoft.com/office/powerpoint/2015/main" val="1"/>
+              </p:ext>
+            </p:extLst>
+          </p:nvPr>
+        </p:nvSpPr>
+        <p:spPr>
+          <a:xfrm rot="5400000">
+            <a:off x="3908719" y="-3931841"/>
+            <a:ext cx="4374557" cy="12192000"/>
+          </a:xfrm>
+          <a:prstGeom prst="rect">
+            <a:avLst/>
+          </a:prstGeom>
+          <a:gradFill>
+            <a:gsLst>
+              <a:gs pos="40000">
+                <a:schemeClr val="accent1">
+                  <a:alpha val="0"/>
+                </a:schemeClr>
+              </a:gs>
+              <a:gs pos="100000">
+                <a:schemeClr val="accent1">
+                  <a:lumMod val="75000"/>
+                  <a:alpha val="52000"/>
+                </a:schemeClr>
+              </a:gs>
+            </a:gsLst>
+            <a:lin ang="2400000" scaled="0"/>
+          </a:gradFill>
+          <a:ln>
+            <a:noFill/>
+          </a:ln>
+        </p:spPr>
+        <p:style>
+          <a:lnRef idx="2">
+            <a:schemeClr val="accent1">
+              <a:shade val="50000"/>
+            </a:schemeClr>
+          </a:lnRef>
+          <a:fillRef idx="1">
+            <a:schemeClr val="accent1"/>
+          </a:fillRef>
+          <a:effectRef idx="0">
+            <a:schemeClr val="accent1"/>
+          </a:effectRef>
+          <a:fontRef idx="minor">
+            <a:schemeClr val="lt1"/>
+          </a:fontRef>
+        </p:style>
+        <p:txBody>
+          <a:bodyPr rtlCol="0" anchor="ctr"/>
+          <a:lstStyle/>
+          <a:p>
+            <a:pPr algn="ctr"/>
+            <a:endParaRPr lang="en-US"/>
+          </a:p>
+        </p:txBody>
+      </p:sp>
+      <p:sp>
+        <p:nvSpPr>
+          <p:cNvPr id="14" name="Rectangle 13">
+            <a:extLst>
+              <a:ext uri="{FF2B5EF4-FFF2-40B4-BE49-F238E27FC236}">
+                <a16:creationId xmlns:a16="http://schemas.microsoft.com/office/drawing/2014/main" id="{AFF4A713-7B75-4B21-90D7-5AB19547C728}"/>
+              </a:ext>
+              <a:ext uri="{C183D7F6-B498-43B3-948B-1728B52AA6E4}">
+                <adec:decorative xmlns:adec="http://schemas.microsoft.com/office/drawing/2017/decorative" val="1"/>
+              </a:ext>
+            </a:extLst>
+          </p:cNvPr>
+          <p:cNvSpPr>
+            <a:spLocks noGrp="1" noRot="1" noChangeAspect="1" noMove="1" noResize="1" noEditPoints="1" noAdjustHandles="1" noChangeArrowheads="1" noChangeShapeType="1" noTextEdit="1"/>
+          </p:cNvSpPr>
+          <p:nvPr>
+            <p:extLst>
+              <p:ext uri="{386F3935-93C4-4BCD-93E2-E3B085C9AB24}">
+                <p16:designElem xmlns:p16="http://schemas.microsoft.com/office/powerpoint/2015/main" val="1"/>
+              </p:ext>
+            </p:extLst>
+          </p:nvPr>
+        </p:nvSpPr>
+        <p:spPr>
+          <a:xfrm rot="5400000">
+            <a:off x="4136696" y="-3703868"/>
+            <a:ext cx="4374128" cy="11736479"/>
+          </a:xfrm>
+          <a:prstGeom prst="rect">
+            <a:avLst/>
+          </a:prstGeom>
+          <a:gradFill>
+            <a:gsLst>
+              <a:gs pos="17000">
+                <a:schemeClr val="accent1">
+                  <a:alpha val="0"/>
+                </a:schemeClr>
+              </a:gs>
+              <a:gs pos="100000">
+                <a:srgbClr val="000000">
+                  <a:alpha val="37000"/>
+                </a:srgbClr>
+              </a:gs>
+            </a:gsLst>
+            <a:lin ang="7800000" scaled="0"/>
+          </a:gradFill>
+          <a:ln>
+            <a:noFill/>
+          </a:ln>
+        </p:spPr>
+        <p:style>
+          <a:lnRef idx="2">
+            <a:schemeClr val="accent1">
+              <a:shade val="50000"/>
+            </a:schemeClr>
+          </a:lnRef>
+          <a:fillRef idx="1">
+            <a:schemeClr val="accent1"/>
+          </a:fillRef>
+          <a:effectRef idx="0">
+            <a:schemeClr val="accent1"/>
+          </a:effectRef>
+          <a:fontRef idx="minor">
+            <a:schemeClr val="lt1"/>
+          </a:fontRef>
+        </p:style>
+        <p:txBody>
+          <a:bodyPr rtlCol="0" anchor="ctr"/>
+          <a:lstStyle/>
+          <a:p>
+            <a:pPr algn="ctr"/>
+            <a:endParaRPr lang="en-US"/>
+          </a:p>
+        </p:txBody>
+      </p:sp>
+      <p:sp>
+        <p:nvSpPr>
+          <p:cNvPr id="16" name="Rectangle 15">
+            <a:extLst>
+              <a:ext uri="{FF2B5EF4-FFF2-40B4-BE49-F238E27FC236}">
+                <a16:creationId xmlns:a16="http://schemas.microsoft.com/office/drawing/2014/main" id="{DC631C0B-6DA6-4E57-8231-CE32B3434A7E}"/>
+              </a:ext>
+              <a:ext uri="{C183D7F6-B498-43B3-948B-1728B52AA6E4}">
+                <adec:decorative xmlns:adec="http://schemas.microsoft.com/office/drawing/2017/decorative" val="1"/>
+              </a:ext>
+            </a:extLst>
+          </p:cNvPr>
+          <p:cNvSpPr>
+            <a:spLocks noGrp="1" noRot="1" noChangeAspect="1" noMove="1" noResize="1" noEditPoints="1" noAdjustHandles="1" noChangeArrowheads="1" noChangeShapeType="1" noTextEdit="1"/>
+          </p:cNvSpPr>
+          <p:nvPr>
+            <p:extLst>
+              <p:ext uri="{386F3935-93C4-4BCD-93E2-E3B085C9AB24}">
+                <p16:designElem xmlns:p16="http://schemas.microsoft.com/office/powerpoint/2015/main" val="1"/>
+              </p:ext>
+            </p:extLst>
+          </p:nvPr>
+        </p:nvSpPr>
+        <p:spPr>
+          <a:xfrm>
+            <a:off x="-5" y="-22690"/>
+            <a:ext cx="8542485" cy="4374126"/>
+          </a:xfrm>
+          <a:prstGeom prst="rect">
+            <a:avLst/>
+          </a:prstGeom>
+          <a:gradFill>
+            <a:gsLst>
+              <a:gs pos="0">
+                <a:schemeClr val="accent1">
+                  <a:lumMod val="50000"/>
+                  <a:alpha val="0"/>
+                </a:schemeClr>
+              </a:gs>
+              <a:gs pos="100000">
+                <a:srgbClr val="000000">
+                  <a:alpha val="25000"/>
+                </a:srgbClr>
+              </a:gs>
+            </a:gsLst>
+            <a:lin ang="18600000" scaled="0"/>
+          </a:gradFill>
+          <a:ln>
+            <a:noFill/>
+          </a:ln>
+        </p:spPr>
+        <p:style>
+          <a:lnRef idx="2">
+            <a:schemeClr val="accent1">
+              <a:shade val="50000"/>
+            </a:schemeClr>
+          </a:lnRef>
+          <a:fillRef idx="1">
+            <a:schemeClr val="accent1"/>
+          </a:fillRef>
+          <a:effectRef idx="0">
+            <a:schemeClr val="accent1"/>
+          </a:effectRef>
+          <a:fontRef idx="minor">
+            <a:schemeClr val="lt1"/>
+          </a:fontRef>
+        </p:style>
+        <p:txBody>
+          <a:bodyPr rtlCol="0" anchor="ctr"/>
+          <a:lstStyle/>
+          <a:p>
+            <a:pPr algn="ctr"/>
+            <a:endParaRPr lang="en-US"/>
+          </a:p>
+        </p:txBody>
+      </p:sp>
+      <p:sp>
+        <p:nvSpPr>
+          <p:cNvPr id="18" name="Freeform: Shape 17">
+            <a:extLst>
+              <a:ext uri="{FF2B5EF4-FFF2-40B4-BE49-F238E27FC236}">
+                <a16:creationId xmlns:a16="http://schemas.microsoft.com/office/drawing/2014/main" id="{C29501E6-A978-4A61-9689-9085AF97A53A}"/>
+              </a:ext>
+              <a:ext uri="{C183D7F6-B498-43B3-948B-1728B52AA6E4}">
+                <adec:decorative xmlns:adec="http://schemas.microsoft.com/office/drawing/2017/decorative" val="1"/>
+              </a:ext>
+            </a:extLst>
+          </p:cNvPr>
+          <p:cNvSpPr>
+            <a:spLocks noGrp="1" noRot="1" noChangeAspect="1" noMove="1" noResize="1" noEditPoints="1" noAdjustHandles="1" noChangeArrowheads="1" noChangeShapeType="1" noTextEdit="1"/>
+          </p:cNvSpPr>
+          <p:nvPr>
+            <p:extLst>
+              <p:ext uri="{386F3935-93C4-4BCD-93E2-E3B085C9AB24}">
+                <p16:designElem xmlns:p16="http://schemas.microsoft.com/office/powerpoint/2015/main" val="1"/>
+              </p:ext>
+            </p:extLst>
+          </p:nvPr>
+        </p:nvSpPr>
+        <p:spPr>
+          <a:xfrm rot="12508972">
+            <a:off x="5945431" y="-1032053"/>
+            <a:ext cx="4990147" cy="4439131"/>
+          </a:xfrm>
+          <a:custGeom>
+            <a:avLst/>
+            <a:gdLst>
+              <a:gd name="connsiteX0" fmla="*/ 4990147 w 4990147"/>
+              <a:gd name="connsiteY0" fmla="*/ 2229378 h 4439131"/>
+              <a:gd name="connsiteX1" fmla="*/ 917384 w 4990147"/>
+              <a:gd name="connsiteY1" fmla="*/ 4439131 h 4439131"/>
+              <a:gd name="connsiteX2" fmla="*/ 910814 w 4990147"/>
+              <a:gd name="connsiteY2" fmla="*/ 4434219 h 4439131"/>
+              <a:gd name="connsiteX3" fmla="*/ 0 w 4990147"/>
+              <a:gd name="connsiteY3" fmla="*/ 2502877 h 4439131"/>
+              <a:gd name="connsiteX4" fmla="*/ 2502877 w 4990147"/>
+              <a:gd name="connsiteY4" fmla="*/ 0 h 4439131"/>
+              <a:gd name="connsiteX5" fmla="*/ 4954904 w 4990147"/>
+              <a:gd name="connsiteY5" fmla="*/ 1998460 h 4439131"/>
+            </a:gdLst>
+            <a:ahLst/>
+            <a:cxnLst>
+              <a:cxn ang="0">
+                <a:pos x="connsiteX0" y="connsiteY0"/>
+              </a:cxn>
+              <a:cxn ang="0">
+                <a:pos x="connsiteX1" y="connsiteY1"/>
+              </a:cxn>
+              <a:cxn ang="0">
+                <a:pos x="connsiteX2" y="connsiteY2"/>
+              </a:cxn>
+              <a:cxn ang="0">
+                <a:pos x="connsiteX3" y="connsiteY3"/>
+              </a:cxn>
+              <a:cxn ang="0">
+                <a:pos x="connsiteX4" y="connsiteY4"/>
+              </a:cxn>
+              <a:cxn ang="0">
+                <a:pos x="connsiteX5" y="connsiteY5"/>
+              </a:cxn>
+            </a:cxnLst>
+            <a:rect l="l" t="t" r="r" b="b"/>
+            <a:pathLst>
+              <a:path w="4990147" h="4439131">
+                <a:moveTo>
+                  <a:pt x="4990147" y="2229378"/>
+                </a:moveTo>
+                <a:lnTo>
+                  <a:pt x="917384" y="4439131"/>
+                </a:lnTo>
+                <a:lnTo>
+                  <a:pt x="910814" y="4434219"/>
+                </a:lnTo>
+                <a:cubicBezTo>
+                  <a:pt x="354557" y="3975154"/>
+                  <a:pt x="0" y="3280421"/>
+                  <a:pt x="0" y="2502877"/>
+                </a:cubicBezTo>
+                <a:cubicBezTo>
+                  <a:pt x="0" y="1120576"/>
+                  <a:pt x="1120576" y="0"/>
+                  <a:pt x="2502877" y="0"/>
+                </a:cubicBezTo>
+                <a:cubicBezTo>
+                  <a:pt x="3712390" y="0"/>
+                  <a:pt x="4721520" y="857941"/>
+                  <a:pt x="4954904" y="1998460"/>
+                </a:cubicBezTo>
+                <a:close/>
+              </a:path>
+            </a:pathLst>
+          </a:custGeom>
+          <a:gradFill>
+            <a:gsLst>
+              <a:gs pos="0">
+                <a:schemeClr val="accent1">
+                  <a:alpha val="22000"/>
+                </a:schemeClr>
+              </a:gs>
+              <a:gs pos="87000">
+                <a:schemeClr val="accent1">
+                  <a:lumMod val="60000"/>
+                  <a:lumOff val="40000"/>
+                  <a:alpha val="2000"/>
+                </a:schemeClr>
+              </a:gs>
+            </a:gsLst>
+            <a:lin ang="8400000" scaled="0"/>
+          </a:gradFill>
+          <a:ln>
+            <a:noFill/>
+          </a:ln>
+        </p:spPr>
+        <p:style>
+          <a:lnRef idx="2">
+            <a:schemeClr val="accent1">
+              <a:shade val="50000"/>
+            </a:schemeClr>
+          </a:lnRef>
+          <a:fillRef idx="1">
+            <a:schemeClr val="accent1"/>
+          </a:fillRef>
+          <a:effectRef idx="0">
+            <a:schemeClr val="accent1"/>
+          </a:effectRef>
+          <a:fontRef idx="minor">
+            <a:schemeClr val="lt1"/>
+          </a:fontRef>
+        </p:style>
+        <p:txBody>
+          <a:bodyPr wrap="square" rtlCol="0" anchor="ctr">
+            <a:noAutofit/>
+          </a:bodyPr>
+          <a:lstStyle/>
+          <a:p>
+            <a:pPr algn="ctr"/>
+            <a:endParaRPr lang="en-US" dirty="0"/>
+          </a:p>
+        </p:txBody>
+      </p:sp>
       <p:sp>
         <p:nvSpPr>
           <p:cNvPr id="2" name="Title 1">
@@ -3346,13 +3874,25 @@
             <p:ph type="ctrTitle"/>
           </p:nvPr>
         </p:nvSpPr>
-        <p:spPr/>
-        <p:txBody>
-          <a:bodyPr/>
-          <a:lstStyle/>
-          <a:p>
-            <a:r>
-              <a:rPr lang="en-US" dirty="0"/>
+        <p:spPr>
+          <a:xfrm>
+            <a:off x="1314824" y="735106"/>
+            <a:ext cx="10053763" cy="2928470"/>
+          </a:xfrm>
+        </p:spPr>
+        <p:txBody>
+          <a:bodyPr anchor="b">
+            <a:normAutofit/>
+          </a:bodyPr>
+          <a:lstStyle/>
+          <a:p>
+            <a:pPr algn="l"/>
+            <a:r>
+              <a:rPr lang="en-US" sz="4800" dirty="0">
+                <a:solidFill>
+                  <a:srgbClr val="FFFFFF"/>
+                </a:solidFill>
+              </a:rPr>
               <a:t>Project 3</a:t>
             </a:r>
           </a:p>
@@ -3374,39 +3914,105 @@
             <p:ph type="subTitle" idx="1"/>
           </p:nvPr>
         </p:nvSpPr>
-        <p:spPr/>
-        <p:txBody>
-          <a:bodyPr>
+        <p:spPr>
+          <a:xfrm>
+            <a:off x="1350682" y="4870824"/>
+            <a:ext cx="10005951" cy="1458258"/>
+          </a:xfrm>
+        </p:spPr>
+        <p:txBody>
+          <a:bodyPr anchor="ctr">
             <a:normAutofit fontScale="77500" lnSpcReduction="20000"/>
           </a:bodyPr>
           <a:lstStyle/>
           <a:p>
-            <a:r>
-              <a:rPr lang="en-US" dirty="0"/>
-              <a:t>Team 1:</a:t>
-            </a:r>
-          </a:p>
-          <a:p>
-            <a:r>
-              <a:rPr lang="en-US" dirty="0"/>
+            <a:pPr algn="l"/>
+            <a:r>
+              <a:rPr lang="en-US" sz="2900" b="1" dirty="0"/>
+              <a:t>Team 1</a:t>
+            </a:r>
+          </a:p>
+          <a:p>
+            <a:pPr marL="800100" lvl="1" indent="-342900" algn="l">
+              <a:buClr>
+                <a:schemeClr val="accent1">
+                  <a:lumMod val="50000"/>
+                </a:schemeClr>
+              </a:buClr>
+              <a:buFont typeface="Wingdings" pitchFamily="2" charset="2"/>
+              <a:buChar char="q"/>
+            </a:pPr>
+            <a:r>
+              <a:rPr lang="en-US" sz="2400" dirty="0">
+                <a:solidFill>
+                  <a:schemeClr val="accent1">
+                    <a:lumMod val="50000"/>
+                  </a:schemeClr>
+                </a:solidFill>
+              </a:rPr>
               <a:t>Michael</a:t>
             </a:r>
           </a:p>
           <a:p>
-            <a:r>
-              <a:rPr lang="en-US" dirty="0"/>
+            <a:pPr marL="800100" lvl="1" indent="-342900" algn="l">
+              <a:buClr>
+                <a:schemeClr val="accent1">
+                  <a:lumMod val="50000"/>
+                </a:schemeClr>
+              </a:buClr>
+              <a:buFont typeface="Wingdings" pitchFamily="2" charset="2"/>
+              <a:buChar char="q"/>
+            </a:pPr>
+            <a:r>
+              <a:rPr lang="en-US" sz="2400" dirty="0">
+                <a:solidFill>
+                  <a:schemeClr val="accent1">
+                    <a:lumMod val="50000"/>
+                  </a:schemeClr>
+                </a:solidFill>
+              </a:rPr>
               <a:t>Montana</a:t>
             </a:r>
           </a:p>
           <a:p>
-            <a:r>
-              <a:rPr lang="en-US" dirty="0"/>
+            <a:pPr marL="800100" lvl="1" indent="-342900" algn="l">
+              <a:buClr>
+                <a:schemeClr val="accent1">
+                  <a:lumMod val="50000"/>
+                </a:schemeClr>
+              </a:buClr>
+              <a:buFont typeface="Wingdings" pitchFamily="2" charset="2"/>
+              <a:buChar char="q"/>
+            </a:pPr>
+            <a:r>
+              <a:rPr lang="en-US" sz="2400" dirty="0">
+                <a:solidFill>
+                  <a:schemeClr val="accent1">
+                    <a:lumMod val="50000"/>
+                  </a:schemeClr>
+                </a:solidFill>
+              </a:rPr>
               <a:t>Robert</a:t>
             </a:r>
           </a:p>
           <a:p>
-            <a:r>
-              <a:rPr lang="en-US" dirty="0"/>
+            <a:pPr marL="800100" lvl="1" indent="-342900" algn="l">
+              <a:buClr>
+                <a:schemeClr val="accent1">
+                  <a:lumMod val="50000"/>
+                </a:schemeClr>
+              </a:buClr>
+              <a:buFont typeface="Wingdings" pitchFamily="2" charset="2"/>
+              <a:buChar char="q"/>
+            </a:pPr>
+            <a:r>
+              <a:rPr lang="en-US" sz="2400" dirty="0">
+                <a:solidFill>
+                  <a:schemeClr val="accent1">
+                    <a:lumMod val="50000"/>
+                  </a:schemeClr>
+                </a:solidFill>
+              </a:rPr>
               <a:t>Galen</a:t>
             </a:r>
           </a:p>
@@ -3428,6 +4034,14 @@
 <file path=ppt/slides/slide2.xml><?xml version="1.0" encoding="utf-8"?>
 <p:sld xmlns:a="http://schemas.openxmlformats.org/drawingml/2006/main" xmlns:r="http://schemas.openxmlformats.org/officeDocument/2006/relationships" xmlns:p="http://schemas.openxmlformats.org/presentationml/2006/main">
   <p:cSld>
+    <p:bg>
+      <p:bgPr>
+        <a:solidFill>
+          <a:schemeClr val="bg1"/>
+        </a:solidFill>
+        <a:effectLst/>
+      </p:bgPr>
+    </p:bg>
     <p:spTree>
       <p:nvGrpSpPr>
         <p:cNvPr id="1" name=""/>
@@ -3442,183 +4056,778 @@
           <a:chExt cx="0" cy="0"/>
         </a:xfrm>
       </p:grpSpPr>
-      <p:sp>
-        <p:nvSpPr>
-          <p:cNvPr id="2" name="Title 1">
-            <a:extLst>
-              <a:ext uri="{FF2B5EF4-FFF2-40B4-BE49-F238E27FC236}">
-                <a16:creationId xmlns:a16="http://schemas.microsoft.com/office/drawing/2014/main" id="{1B33EFAB-174D-49F4-E60F-24AE706874A6}"/>
-              </a:ext>
-            </a:extLst>
-          </p:cNvPr>
-          <p:cNvSpPr>
-            <a:spLocks noGrp="1"/>
-          </p:cNvSpPr>
-          <p:nvPr>
-            <p:ph type="title"/>
-          </p:nvPr>
-        </p:nvSpPr>
-        <p:spPr/>
-        <p:txBody>
-          <a:bodyPr/>
-          <a:lstStyle/>
-          <a:p>
-            <a:r>
-              <a:rPr lang="en-US" dirty="0"/>
-              <a:t>Objective &amp; Methods</a:t>
-            </a:r>
-          </a:p>
-        </p:txBody>
-      </p:sp>
-      <p:sp>
-        <p:nvSpPr>
-          <p:cNvPr id="3" name="Subtitle 2">
-            <a:extLst>
-              <a:ext uri="{FF2B5EF4-FFF2-40B4-BE49-F238E27FC236}">
-                <a16:creationId xmlns:a16="http://schemas.microsoft.com/office/drawing/2014/main" id="{34AB84BC-FFC7-8563-382A-72B33BDFB636}"/>
-              </a:ext>
-            </a:extLst>
-          </p:cNvPr>
-          <p:cNvSpPr>
-            <a:spLocks noGrp="1"/>
-          </p:cNvSpPr>
-          <p:nvPr>
-            <p:ph idx="1"/>
-          </p:nvPr>
-        </p:nvSpPr>
-        <p:spPr/>
-        <p:txBody>
-          <a:bodyPr>
-            <a:normAutofit/>
-          </a:bodyPr>
-          <a:lstStyle/>
-          <a:p>
-            <a:pPr marL="0" indent="0">
-              <a:buNone/>
-            </a:pPr>
-            <a:r>
-              <a:rPr lang="en-US" sz="2000" dirty="0"/>
-              <a:t>What:</a:t>
-            </a:r>
-          </a:p>
-          <a:p>
-            <a:r>
-              <a:rPr lang="en-US" sz="2000" dirty="0"/>
-              <a:t>Compare stock price data from top 100 companies</a:t>
-            </a:r>
-          </a:p>
-          <a:p>
-            <a:r>
-              <a:rPr lang="en-US" sz="2000" dirty="0"/>
-              <a:t>Metrics:</a:t>
-            </a:r>
-          </a:p>
-          <a:p>
-            <a:pPr lvl="1"/>
-            <a:r>
-              <a:rPr lang="en-US" sz="1600" dirty="0"/>
-              <a:t>X</a:t>
-            </a:r>
-          </a:p>
-          <a:p>
-            <a:pPr lvl="1"/>
-            <a:r>
-              <a:rPr lang="en-US" sz="1600" dirty="0"/>
-              <a:t>Y</a:t>
-            </a:r>
-          </a:p>
-          <a:p>
-            <a:pPr lvl="1"/>
-            <a:r>
-              <a:rPr lang="en-US" sz="1600" dirty="0"/>
-              <a:t>z</a:t>
-            </a:r>
-          </a:p>
-          <a:p>
-            <a:endParaRPr lang="en-US" sz="2000" dirty="0"/>
-          </a:p>
-          <a:p>
-            <a:pPr marL="0" indent="0">
-              <a:buNone/>
-            </a:pPr>
-            <a:r>
-              <a:rPr lang="en-US" sz="2000" dirty="0"/>
-              <a:t>How:</a:t>
-            </a:r>
-          </a:p>
-          <a:p>
-            <a:r>
-              <a:rPr lang="en-US" sz="2000" dirty="0"/>
-              <a:t>Use </a:t>
-            </a:r>
-            <a:r>
-              <a:rPr lang="en-US" sz="2000" dirty="0" err="1"/>
-              <a:t>yFinance</a:t>
-            </a:r>
-            <a:r>
-              <a:rPr lang="en-US" sz="2000" dirty="0"/>
-              <a:t> to get data from Yahoo Finance API; store in MySQL </a:t>
-            </a:r>
-            <a:r>
-              <a:rPr lang="en-US" sz="2000" dirty="0" err="1"/>
-              <a:t>db</a:t>
-            </a:r>
-            <a:r>
-              <a:rPr lang="en-US" sz="2000" dirty="0"/>
-              <a:t> on AWS; access via API</a:t>
-            </a:r>
-          </a:p>
-          <a:p>
-            <a:r>
-              <a:rPr lang="en-US" sz="2000" dirty="0"/>
-              <a:t>Flask app does…</a:t>
-            </a:r>
-          </a:p>
-          <a:p>
-            <a:r>
-              <a:rPr lang="en-US" sz="2000" dirty="0"/>
-              <a:t>Visualizations prompt user input to compare two stocks through metrics, OHLC (open high low close) charts, and gauge charts</a:t>
-            </a:r>
-          </a:p>
-          <a:p>
-            <a:endParaRPr lang="en-US" sz="2000" dirty="0"/>
-          </a:p>
-        </p:txBody>
-      </p:sp>
-      <p:sp>
-        <p:nvSpPr>
-          <p:cNvPr id="4" name="TextBox 3">
-            <a:extLst>
-              <a:ext uri="{FF2B5EF4-FFF2-40B4-BE49-F238E27FC236}">
-                <a16:creationId xmlns:a16="http://schemas.microsoft.com/office/drawing/2014/main" id="{6D2E25ED-6072-92AA-F879-D77EF4199F63}"/>
-              </a:ext>
-            </a:extLst>
-          </p:cNvPr>
-          <p:cNvSpPr txBox="1"/>
-          <p:nvPr/>
+      <p:sp useBgFill="1">
+        <p:nvSpPr>
+          <p:cNvPr id="8" name="Rectangle 7">
+            <a:extLst>
+              <a:ext uri="{FF2B5EF4-FFF2-40B4-BE49-F238E27FC236}">
+                <a16:creationId xmlns:a16="http://schemas.microsoft.com/office/drawing/2014/main" id="{09588DA8-065E-4F6F-8EFD-43104AB2E0CF}"/>
+              </a:ext>
+              <a:ext uri="{C183D7F6-B498-43B3-948B-1728B52AA6E4}">
+                <adec:decorative xmlns:adec="http://schemas.microsoft.com/office/drawing/2017/decorative" val="1"/>
+              </a:ext>
+            </a:extLst>
+          </p:cNvPr>
+          <p:cNvSpPr>
+            <a:spLocks noGrp="1" noRot="1" noChangeAspect="1" noMove="1" noResize="1" noEditPoints="1" noAdjustHandles="1" noChangeArrowheads="1" noChangeShapeType="1" noTextEdit="1"/>
+          </p:cNvSpPr>
+          <p:nvPr>
+            <p:extLst>
+              <p:ext uri="{386F3935-93C4-4BCD-93E2-E3B085C9AB24}">
+                <p16:designElem xmlns:p16="http://schemas.microsoft.com/office/powerpoint/2015/main" val="1"/>
+              </p:ext>
+            </p:extLst>
+          </p:nvPr>
         </p:nvSpPr>
         <p:spPr>
           <a:xfrm>
-            <a:off x="8178230" y="1321356"/>
-            <a:ext cx="1153457" cy="369332"/>
+            <a:off x="0" y="0"/>
+            <a:ext cx="12192000" cy="6858000"/>
           </a:xfrm>
           <a:prstGeom prst="rect">
             <a:avLst/>
           </a:prstGeom>
-          <a:solidFill>
-            <a:srgbClr val="FFFF00"/>
-          </a:solidFill>
+          <a:ln w="12700" cap="flat" cmpd="sng" algn="ctr">
+            <a:noFill/>
+            <a:prstDash val="solid"/>
+            <a:miter lim="800000"/>
+          </a:ln>
+          <a:effectLst/>
+          <a:extLst>
+            <a:ext uri="{91240B29-F687-4F45-9708-019B960494DF}">
+              <a14:hiddenLine xmlns:a14="http://schemas.microsoft.com/office/drawing/2010/main" w="12700" cap="flat" cmpd="sng" algn="ctr">
+                <a:solidFill>
+                  <a:schemeClr val="accent1">
+                    <a:shade val="50000"/>
+                  </a:schemeClr>
+                </a:solidFill>
+                <a:prstDash val="solid"/>
+                <a:miter lim="800000"/>
+              </a14:hiddenLine>
+            </a:ext>
+          </a:extLst>
         </p:spPr>
-        <p:txBody>
-          <a:bodyPr wrap="none" rtlCol="0">
-            <a:spAutoFit/>
+        <p:style>
+          <a:lnRef idx="2">
+            <a:schemeClr val="accent1">
+              <a:shade val="50000"/>
+            </a:schemeClr>
+          </a:lnRef>
+          <a:fillRef idx="1">
+            <a:schemeClr val="accent1"/>
+          </a:fillRef>
+          <a:effectRef idx="0">
+            <a:schemeClr val="accent1"/>
+          </a:effectRef>
+          <a:fontRef idx="minor">
+            <a:schemeClr val="lt1"/>
+          </a:fontRef>
+        </p:style>
+        <p:txBody>
+          <a:bodyPr rtlCol="0" anchor="ctr"/>
+          <a:lstStyle/>
+          <a:p>
+            <a:pPr algn="ctr"/>
+            <a:endParaRPr lang="en-US"/>
+          </a:p>
+        </p:txBody>
+      </p:sp>
+      <p:sp useBgFill="1">
+        <p:nvSpPr>
+          <p:cNvPr id="10" name="Rectangle 9">
+            <a:extLst>
+              <a:ext uri="{FF2B5EF4-FFF2-40B4-BE49-F238E27FC236}">
+                <a16:creationId xmlns:a16="http://schemas.microsoft.com/office/drawing/2014/main" id="{C4285719-470E-454C-AF62-8323075F1F5B}"/>
+              </a:ext>
+              <a:ext uri="{C183D7F6-B498-43B3-948B-1728B52AA6E4}">
+                <adec:decorative xmlns:adec="http://schemas.microsoft.com/office/drawing/2017/decorative" val="1"/>
+              </a:ext>
+            </a:extLst>
+          </p:cNvPr>
+          <p:cNvSpPr>
+            <a:spLocks noGrp="1" noRot="1" noChangeAspect="1" noMove="1" noResize="1" noEditPoints="1" noAdjustHandles="1" noChangeArrowheads="1" noChangeShapeType="1" noTextEdit="1"/>
+          </p:cNvSpPr>
+          <p:nvPr>
+            <p:extLst>
+              <p:ext uri="{386F3935-93C4-4BCD-93E2-E3B085C9AB24}">
+                <p16:designElem xmlns:p16="http://schemas.microsoft.com/office/powerpoint/2015/main" val="1"/>
+              </p:ext>
+            </p:extLst>
+          </p:nvPr>
+        </p:nvSpPr>
+        <p:spPr>
+          <a:xfrm>
+            <a:off x="0" y="0"/>
+            <a:ext cx="12188952" cy="6858000"/>
+          </a:xfrm>
+          <a:prstGeom prst="rect">
+            <a:avLst/>
+          </a:prstGeom>
+          <a:ln w="12700" cap="flat" cmpd="sng" algn="ctr">
+            <a:noFill/>
+            <a:prstDash val="solid"/>
+            <a:miter lim="800000"/>
+          </a:ln>
+          <a:effectLst/>
+          <a:extLst>
+            <a:ext uri="{91240B29-F687-4F45-9708-019B960494DF}">
+              <a14:hiddenLine xmlns:a14="http://schemas.microsoft.com/office/drawing/2010/main" w="12700" cap="flat" cmpd="sng" algn="ctr">
+                <a:solidFill>
+                  <a:schemeClr val="accent1">
+                    <a:shade val="50000"/>
+                  </a:schemeClr>
+                </a:solidFill>
+                <a:prstDash val="solid"/>
+                <a:miter lim="800000"/>
+              </a14:hiddenLine>
+            </a:ext>
+          </a:extLst>
+        </p:spPr>
+        <p:style>
+          <a:lnRef idx="2">
+            <a:schemeClr val="accent1">
+              <a:shade val="50000"/>
+            </a:schemeClr>
+          </a:lnRef>
+          <a:fillRef idx="1">
+            <a:schemeClr val="accent1"/>
+          </a:fillRef>
+          <a:effectRef idx="0">
+            <a:schemeClr val="accent1"/>
+          </a:effectRef>
+          <a:fontRef idx="minor">
+            <a:schemeClr val="lt1"/>
+          </a:fontRef>
+        </p:style>
+        <p:txBody>
+          <a:bodyPr rtlCol="0" anchor="ctr"/>
+          <a:lstStyle/>
+          <a:p>
+            <a:pPr algn="ctr"/>
+            <a:endParaRPr lang="en-US"/>
+          </a:p>
+        </p:txBody>
+      </p:sp>
+      <p:sp>
+        <p:nvSpPr>
+          <p:cNvPr id="12" name="Rectangle 11">
+            <a:extLst>
+              <a:ext uri="{FF2B5EF4-FFF2-40B4-BE49-F238E27FC236}">
+                <a16:creationId xmlns:a16="http://schemas.microsoft.com/office/drawing/2014/main" id="{CD9FE4EF-C4D8-49A0-B2FF-81D8DB7D8A24}"/>
+              </a:ext>
+              <a:ext uri="{C183D7F6-B498-43B3-948B-1728B52AA6E4}">
+                <adec:decorative xmlns:adec="http://schemas.microsoft.com/office/drawing/2017/decorative" val="1"/>
+              </a:ext>
+            </a:extLst>
+          </p:cNvPr>
+          <p:cNvSpPr>
+            <a:spLocks noGrp="1" noRot="1" noChangeAspect="1" noMove="1" noResize="1" noEditPoints="1" noAdjustHandles="1" noChangeArrowheads="1" noChangeShapeType="1" noTextEdit="1"/>
+          </p:cNvSpPr>
+          <p:nvPr>
+            <p:extLst>
+              <p:ext uri="{386F3935-93C4-4BCD-93E2-E3B085C9AB24}">
+                <p16:designElem xmlns:p16="http://schemas.microsoft.com/office/powerpoint/2015/main" val="1"/>
+              </p:ext>
+            </p:extLst>
+          </p:nvPr>
+        </p:nvSpPr>
+        <p:spPr>
+          <a:xfrm rot="5400000" flipH="1">
+            <a:off x="-1410084" y="1410082"/>
+            <a:ext cx="6858000" cy="4037836"/>
+          </a:xfrm>
+          <a:prstGeom prst="rect">
+            <a:avLst/>
+          </a:prstGeom>
+          <a:gradFill>
+            <a:gsLst>
+              <a:gs pos="8000">
+                <a:srgbClr val="000000"/>
+              </a:gs>
+              <a:gs pos="100000">
+                <a:schemeClr val="accent1">
+                  <a:lumMod val="75000"/>
+                </a:schemeClr>
+              </a:gs>
+            </a:gsLst>
+            <a:lin ang="3000000" scaled="0"/>
+          </a:gradFill>
+          <a:ln>
+            <a:noFill/>
+          </a:ln>
+        </p:spPr>
+        <p:style>
+          <a:lnRef idx="2">
+            <a:schemeClr val="accent1">
+              <a:shade val="50000"/>
+            </a:schemeClr>
+          </a:lnRef>
+          <a:fillRef idx="1">
+            <a:schemeClr val="accent1"/>
+          </a:fillRef>
+          <a:effectRef idx="0">
+            <a:schemeClr val="accent1"/>
+          </a:effectRef>
+          <a:fontRef idx="minor">
+            <a:schemeClr val="lt1"/>
+          </a:fontRef>
+        </p:style>
+        <p:txBody>
+          <a:bodyPr rtlCol="0" anchor="ctr"/>
+          <a:lstStyle/>
+          <a:p>
+            <a:pPr algn="ctr"/>
+            <a:endParaRPr lang="en-US"/>
+          </a:p>
+        </p:txBody>
+      </p:sp>
+      <p:sp>
+        <p:nvSpPr>
+          <p:cNvPr id="14" name="Rectangle 13">
+            <a:extLst>
+              <a:ext uri="{FF2B5EF4-FFF2-40B4-BE49-F238E27FC236}">
+                <a16:creationId xmlns:a16="http://schemas.microsoft.com/office/drawing/2014/main" id="{4300840D-0A0B-4512-BACA-B439D5B9C57C}"/>
+              </a:ext>
+              <a:ext uri="{C183D7F6-B498-43B3-948B-1728B52AA6E4}">
+                <adec:decorative xmlns:adec="http://schemas.microsoft.com/office/drawing/2017/decorative" val="1"/>
+              </a:ext>
+            </a:extLst>
+          </p:cNvPr>
+          <p:cNvSpPr>
+            <a:spLocks noGrp="1" noRot="1" noChangeAspect="1" noMove="1" noResize="1" noEditPoints="1" noAdjustHandles="1" noChangeArrowheads="1" noChangeShapeType="1" noTextEdit="1"/>
+          </p:cNvSpPr>
+          <p:nvPr>
+            <p:extLst>
+              <p:ext uri="{386F3935-93C4-4BCD-93E2-E3B085C9AB24}">
+                <p16:designElem xmlns:p16="http://schemas.microsoft.com/office/powerpoint/2015/main" val="1"/>
+              </p:ext>
+            </p:extLst>
+          </p:nvPr>
+        </p:nvSpPr>
+        <p:spPr>
+          <a:xfrm rot="5400000" flipH="1">
+            <a:off x="-1410085" y="1420219"/>
+            <a:ext cx="6857999" cy="4037839"/>
+          </a:xfrm>
+          <a:prstGeom prst="rect">
+            <a:avLst/>
+          </a:prstGeom>
+          <a:gradFill>
+            <a:gsLst>
+              <a:gs pos="0">
+                <a:srgbClr val="000000">
+                  <a:alpha val="0"/>
+                </a:srgbClr>
+              </a:gs>
+              <a:gs pos="99000">
+                <a:schemeClr val="accent1">
+                  <a:alpha val="46000"/>
+                </a:schemeClr>
+              </a:gs>
+            </a:gsLst>
+            <a:lin ang="1800000" scaled="0"/>
+          </a:gradFill>
+          <a:ln>
+            <a:noFill/>
+          </a:ln>
+        </p:spPr>
+        <p:style>
+          <a:lnRef idx="2">
+            <a:schemeClr val="accent1">
+              <a:shade val="50000"/>
+            </a:schemeClr>
+          </a:lnRef>
+          <a:fillRef idx="1">
+            <a:schemeClr val="accent1"/>
+          </a:fillRef>
+          <a:effectRef idx="0">
+            <a:schemeClr val="accent1"/>
+          </a:effectRef>
+          <a:fontRef idx="minor">
+            <a:schemeClr val="lt1"/>
+          </a:fontRef>
+        </p:style>
+        <p:txBody>
+          <a:bodyPr rtlCol="0" anchor="ctr"/>
+          <a:lstStyle/>
+          <a:p>
+            <a:pPr algn="ctr"/>
+            <a:endParaRPr lang="en-US"/>
+          </a:p>
+        </p:txBody>
+      </p:sp>
+      <p:sp>
+        <p:nvSpPr>
+          <p:cNvPr id="16" name="Rectangle 15">
+            <a:extLst>
+              <a:ext uri="{FF2B5EF4-FFF2-40B4-BE49-F238E27FC236}">
+                <a16:creationId xmlns:a16="http://schemas.microsoft.com/office/drawing/2014/main" id="{D2B78728-A580-49A7-84F9-6EF6F583ADE0}"/>
+              </a:ext>
+              <a:ext uri="{C183D7F6-B498-43B3-948B-1728B52AA6E4}">
+                <adec:decorative xmlns:adec="http://schemas.microsoft.com/office/drawing/2017/decorative" val="1"/>
+              </a:ext>
+            </a:extLst>
+          </p:cNvPr>
+          <p:cNvSpPr>
+            <a:spLocks noGrp="1" noRot="1" noChangeAspect="1" noMove="1" noResize="1" noEditPoints="1" noAdjustHandles="1" noChangeArrowheads="1" noChangeShapeType="1" noTextEdit="1"/>
+          </p:cNvSpPr>
+          <p:nvPr>
+            <p:extLst>
+              <p:ext uri="{386F3935-93C4-4BCD-93E2-E3B085C9AB24}">
+                <p16:designElem xmlns:p16="http://schemas.microsoft.com/office/powerpoint/2015/main" val="1"/>
+              </p:ext>
+            </p:extLst>
+          </p:nvPr>
+        </p:nvSpPr>
+        <p:spPr>
+          <a:xfrm rot="5400000" flipH="1">
+            <a:off x="767923" y="3588085"/>
+            <a:ext cx="2501979" cy="4037841"/>
+          </a:xfrm>
+          <a:prstGeom prst="rect">
+            <a:avLst/>
+          </a:prstGeom>
+          <a:gradFill>
+            <a:gsLst>
+              <a:gs pos="2000">
+                <a:schemeClr val="accent1">
+                  <a:alpha val="29000"/>
+                </a:schemeClr>
+              </a:gs>
+              <a:gs pos="100000">
+                <a:srgbClr val="000000">
+                  <a:alpha val="30000"/>
+                </a:srgbClr>
+              </a:gs>
+            </a:gsLst>
+            <a:lin ang="7800000" scaled="0"/>
+          </a:gradFill>
+          <a:ln>
+            <a:noFill/>
+          </a:ln>
+        </p:spPr>
+        <p:style>
+          <a:lnRef idx="2">
+            <a:schemeClr val="accent1">
+              <a:shade val="50000"/>
+            </a:schemeClr>
+          </a:lnRef>
+          <a:fillRef idx="1">
+            <a:schemeClr val="accent1"/>
+          </a:fillRef>
+          <a:effectRef idx="0">
+            <a:schemeClr val="accent1"/>
+          </a:effectRef>
+          <a:fontRef idx="minor">
+            <a:schemeClr val="lt1"/>
+          </a:fontRef>
+        </p:style>
+        <p:txBody>
+          <a:bodyPr rtlCol="0" anchor="ctr"/>
+          <a:lstStyle/>
+          <a:p>
+            <a:pPr algn="ctr"/>
+            <a:endParaRPr lang="en-US" dirty="0"/>
+          </a:p>
+        </p:txBody>
+      </p:sp>
+      <p:sp>
+        <p:nvSpPr>
+          <p:cNvPr id="18" name="Freeform: Shape 17">
+            <a:extLst>
+              <a:ext uri="{FF2B5EF4-FFF2-40B4-BE49-F238E27FC236}">
+                <a16:creationId xmlns:a16="http://schemas.microsoft.com/office/drawing/2014/main" id="{38FAA1A1-D861-433F-88FA-1E9D6FD31D11}"/>
+              </a:ext>
+              <a:ext uri="{C183D7F6-B498-43B3-948B-1728B52AA6E4}">
+                <adec:decorative xmlns:adec="http://schemas.microsoft.com/office/drawing/2017/decorative" val="1"/>
+              </a:ext>
+            </a:extLst>
+          </p:cNvPr>
+          <p:cNvSpPr>
+            <a:spLocks noGrp="1" noRot="1" noChangeAspect="1" noMove="1" noResize="1" noEditPoints="1" noAdjustHandles="1" noChangeArrowheads="1" noChangeShapeType="1" noTextEdit="1"/>
+          </p:cNvSpPr>
+          <p:nvPr>
+            <p:extLst>
+              <p:ext uri="{386F3935-93C4-4BCD-93E2-E3B085C9AB24}">
+                <p16:designElem xmlns:p16="http://schemas.microsoft.com/office/powerpoint/2015/main" val="1"/>
+              </p:ext>
+            </p:extLst>
+          </p:nvPr>
+        </p:nvSpPr>
+        <p:spPr>
+          <a:xfrm rot="20635413">
+            <a:off x="-501737" y="969718"/>
+            <a:ext cx="3900357" cy="4178958"/>
+          </a:xfrm>
+          <a:custGeom>
+            <a:avLst/>
+            <a:gdLst>
+              <a:gd name="connsiteX0" fmla="*/ 2432225 w 3900357"/>
+              <a:gd name="connsiteY0" fmla="*/ 93939 h 4178958"/>
+              <a:gd name="connsiteX1" fmla="*/ 3900357 w 3900357"/>
+              <a:gd name="connsiteY1" fmla="*/ 2089479 h 4178958"/>
+              <a:gd name="connsiteX2" fmla="*/ 1810878 w 3900357"/>
+              <a:gd name="connsiteY2" fmla="*/ 4178958 h 4178958"/>
+              <a:gd name="connsiteX3" fmla="*/ 78249 w 3900357"/>
+              <a:gd name="connsiteY3" fmla="*/ 3257727 h 4178958"/>
+              <a:gd name="connsiteX4" fmla="*/ 0 w 3900357"/>
+              <a:gd name="connsiteY4" fmla="*/ 3128923 h 4178958"/>
+              <a:gd name="connsiteX5" fmla="*/ 831324 w 3900357"/>
+              <a:gd name="connsiteY5" fmla="*/ 244281 h 4178958"/>
+              <a:gd name="connsiteX6" fmla="*/ 997559 w 3900357"/>
+              <a:gd name="connsiteY6" fmla="*/ 164202 h 4178958"/>
+              <a:gd name="connsiteX7" fmla="*/ 1810878 w 3900357"/>
+              <a:gd name="connsiteY7" fmla="*/ 0 h 4178958"/>
+              <a:gd name="connsiteX8" fmla="*/ 2432225 w 3900357"/>
+              <a:gd name="connsiteY8" fmla="*/ 93939 h 4178958"/>
+            </a:gdLst>
+            <a:ahLst/>
+            <a:cxnLst>
+              <a:cxn ang="0">
+                <a:pos x="connsiteX0" y="connsiteY0"/>
+              </a:cxn>
+              <a:cxn ang="0">
+                <a:pos x="connsiteX1" y="connsiteY1"/>
+              </a:cxn>
+              <a:cxn ang="0">
+                <a:pos x="connsiteX2" y="connsiteY2"/>
+              </a:cxn>
+              <a:cxn ang="0">
+                <a:pos x="connsiteX3" y="connsiteY3"/>
+              </a:cxn>
+              <a:cxn ang="0">
+                <a:pos x="connsiteX4" y="connsiteY4"/>
+              </a:cxn>
+              <a:cxn ang="0">
+                <a:pos x="connsiteX5" y="connsiteY5"/>
+              </a:cxn>
+              <a:cxn ang="0">
+                <a:pos x="connsiteX6" y="connsiteY6"/>
+              </a:cxn>
+              <a:cxn ang="0">
+                <a:pos x="connsiteX7" y="connsiteY7"/>
+              </a:cxn>
+              <a:cxn ang="0">
+                <a:pos x="connsiteX8" y="connsiteY8"/>
+              </a:cxn>
+            </a:cxnLst>
+            <a:rect l="l" t="t" r="r" b="b"/>
+            <a:pathLst>
+              <a:path w="3900357" h="4178958">
+                <a:moveTo>
+                  <a:pt x="2432225" y="93939"/>
+                </a:moveTo>
+                <a:cubicBezTo>
+                  <a:pt x="3282786" y="358491"/>
+                  <a:pt x="3900357" y="1151865"/>
+                  <a:pt x="3900357" y="2089479"/>
+                </a:cubicBezTo>
+                <a:cubicBezTo>
+                  <a:pt x="3900357" y="3243466"/>
+                  <a:pt x="2964865" y="4178958"/>
+                  <a:pt x="1810878" y="4178958"/>
+                </a:cubicBezTo>
+                <a:cubicBezTo>
+                  <a:pt x="1089636" y="4178958"/>
+                  <a:pt x="453744" y="3813531"/>
+                  <a:pt x="78249" y="3257727"/>
+                </a:cubicBezTo>
+                <a:lnTo>
+                  <a:pt x="0" y="3128923"/>
+                </a:lnTo>
+                <a:lnTo>
+                  <a:pt x="831324" y="244281"/>
+                </a:lnTo>
+                <a:lnTo>
+                  <a:pt x="997559" y="164202"/>
+                </a:lnTo>
+                <a:cubicBezTo>
+                  <a:pt x="1247540" y="58468"/>
+                  <a:pt x="1522381" y="0"/>
+                  <a:pt x="1810878" y="0"/>
+                </a:cubicBezTo>
+                <a:cubicBezTo>
+                  <a:pt x="2027251" y="0"/>
+                  <a:pt x="2235942" y="32888"/>
+                  <a:pt x="2432225" y="93939"/>
+                </a:cubicBezTo>
+                <a:close/>
+              </a:path>
+            </a:pathLst>
+          </a:custGeom>
+          <a:gradFill>
+            <a:gsLst>
+              <a:gs pos="29000">
+                <a:srgbClr val="000000">
+                  <a:alpha val="0"/>
+                </a:srgbClr>
+              </a:gs>
+              <a:gs pos="100000">
+                <a:schemeClr val="accent1">
+                  <a:alpha val="43000"/>
+                </a:schemeClr>
+              </a:gs>
+            </a:gsLst>
+            <a:lin ang="1800000" scaled="0"/>
+          </a:gradFill>
+          <a:ln>
+            <a:noFill/>
+          </a:ln>
+        </p:spPr>
+        <p:style>
+          <a:lnRef idx="2">
+            <a:schemeClr val="accent1">
+              <a:shade val="50000"/>
+            </a:schemeClr>
+          </a:lnRef>
+          <a:fillRef idx="1">
+            <a:schemeClr val="accent1"/>
+          </a:fillRef>
+          <a:effectRef idx="0">
+            <a:schemeClr val="accent1"/>
+          </a:effectRef>
+          <a:fontRef idx="minor">
+            <a:schemeClr val="lt1"/>
+          </a:fontRef>
+        </p:style>
+        <p:txBody>
+          <a:bodyPr wrap="square" rtlCol="0" anchor="ctr">
+            <a:noAutofit/>
           </a:bodyPr>
           <a:lstStyle/>
           <a:p>
-            <a:r>
-              <a:rPr lang="en-US" dirty="0"/>
-              <a:t>Speaker: ?</a:t>
-            </a:r>
+            <a:pPr algn="ctr"/>
+            <a:endParaRPr lang="en-US" dirty="0"/>
+          </a:p>
+        </p:txBody>
+      </p:sp>
+      <p:sp>
+        <p:nvSpPr>
+          <p:cNvPr id="20" name="Rectangle 19">
+            <a:extLst>
+              <a:ext uri="{FF2B5EF4-FFF2-40B4-BE49-F238E27FC236}">
+                <a16:creationId xmlns:a16="http://schemas.microsoft.com/office/drawing/2014/main" id="{8D71EDA1-87BF-4D5D-AB79-F346FD19278A}"/>
+              </a:ext>
+              <a:ext uri="{C183D7F6-B498-43B3-948B-1728B52AA6E4}">
+                <adec:decorative xmlns:adec="http://schemas.microsoft.com/office/drawing/2017/decorative" val="1"/>
+              </a:ext>
+            </a:extLst>
+          </p:cNvPr>
+          <p:cNvSpPr>
+            <a:spLocks noGrp="1" noRot="1" noChangeAspect="1" noMove="1" noResize="1" noEditPoints="1" noAdjustHandles="1" noChangeArrowheads="1" noChangeShapeType="1" noTextEdit="1"/>
+          </p:cNvSpPr>
+          <p:nvPr>
+            <p:extLst>
+              <p:ext uri="{386F3935-93C4-4BCD-93E2-E3B085C9AB24}">
+                <p16:designElem xmlns:p16="http://schemas.microsoft.com/office/powerpoint/2015/main" val="1"/>
+              </p:ext>
+            </p:extLst>
+          </p:nvPr>
+        </p:nvSpPr>
+        <p:spPr>
+          <a:xfrm rot="5400000" flipH="1">
+            <a:off x="-1410093" y="1399943"/>
+            <a:ext cx="6858003" cy="4037835"/>
+          </a:xfrm>
+          <a:prstGeom prst="rect">
+            <a:avLst/>
+          </a:prstGeom>
+          <a:gradFill>
+            <a:gsLst>
+              <a:gs pos="0">
+                <a:srgbClr val="000000">
+                  <a:alpha val="0"/>
+                </a:srgbClr>
+              </a:gs>
+              <a:gs pos="99000">
+                <a:schemeClr val="accent1">
+                  <a:lumMod val="60000"/>
+                  <a:lumOff val="40000"/>
+                  <a:alpha val="11000"/>
+                </a:schemeClr>
+              </a:gs>
+            </a:gsLst>
+            <a:lin ang="7200000" scaled="0"/>
+          </a:gradFill>
+          <a:ln>
+            <a:noFill/>
+          </a:ln>
+        </p:spPr>
+        <p:style>
+          <a:lnRef idx="2">
+            <a:schemeClr val="accent1">
+              <a:shade val="50000"/>
+            </a:schemeClr>
+          </a:lnRef>
+          <a:fillRef idx="1">
+            <a:schemeClr val="accent1"/>
+          </a:fillRef>
+          <a:effectRef idx="0">
+            <a:schemeClr val="accent1"/>
+          </a:effectRef>
+          <a:fontRef idx="minor">
+            <a:schemeClr val="lt1"/>
+          </a:fontRef>
+        </p:style>
+        <p:txBody>
+          <a:bodyPr rtlCol="0" anchor="ctr"/>
+          <a:lstStyle/>
+          <a:p>
+            <a:pPr algn="ctr"/>
+            <a:endParaRPr lang="en-US"/>
+          </a:p>
+        </p:txBody>
+      </p:sp>
+      <p:sp>
+        <p:nvSpPr>
+          <p:cNvPr id="2" name="Title 1">
+            <a:extLst>
+              <a:ext uri="{FF2B5EF4-FFF2-40B4-BE49-F238E27FC236}">
+                <a16:creationId xmlns:a16="http://schemas.microsoft.com/office/drawing/2014/main" id="{1B33EFAB-174D-49F4-E60F-24AE706874A6}"/>
+              </a:ext>
+            </a:extLst>
+          </p:cNvPr>
+          <p:cNvSpPr>
+            <a:spLocks noGrp="1"/>
+          </p:cNvSpPr>
+          <p:nvPr>
+            <p:ph type="title"/>
+          </p:nvPr>
+        </p:nvSpPr>
+        <p:spPr>
+          <a:xfrm>
+            <a:off x="466722" y="586855"/>
+            <a:ext cx="3201366" cy="3387497"/>
+          </a:xfrm>
+        </p:spPr>
+        <p:txBody>
+          <a:bodyPr anchor="b">
+            <a:normAutofit/>
+          </a:bodyPr>
+          <a:lstStyle/>
+          <a:p>
+            <a:pPr algn="r"/>
+            <a:r>
+              <a:rPr lang="en-US" sz="4000">
+                <a:solidFill>
+                  <a:srgbClr val="FFFFFF"/>
+                </a:solidFill>
+              </a:rPr>
+              <a:t>Objective &amp; Methods</a:t>
+            </a:r>
+          </a:p>
+        </p:txBody>
+      </p:sp>
+      <p:sp>
+        <p:nvSpPr>
+          <p:cNvPr id="3" name="Subtitle 2">
+            <a:extLst>
+              <a:ext uri="{FF2B5EF4-FFF2-40B4-BE49-F238E27FC236}">
+                <a16:creationId xmlns:a16="http://schemas.microsoft.com/office/drawing/2014/main" id="{34AB84BC-FFC7-8563-382A-72B33BDFB636}"/>
+              </a:ext>
+            </a:extLst>
+          </p:cNvPr>
+          <p:cNvSpPr>
+            <a:spLocks noGrp="1"/>
+          </p:cNvSpPr>
+          <p:nvPr>
+            <p:ph idx="1"/>
+          </p:nvPr>
+        </p:nvSpPr>
+        <p:spPr>
+          <a:xfrm>
+            <a:off x="4810259" y="649480"/>
+            <a:ext cx="6555347" cy="5546047"/>
+          </a:xfrm>
+        </p:spPr>
+        <p:txBody>
+          <a:bodyPr anchor="ctr">
+            <a:normAutofit/>
+          </a:bodyPr>
+          <a:lstStyle/>
+          <a:p>
+            <a:pPr marL="0" indent="0">
+              <a:buNone/>
+            </a:pPr>
+            <a:r>
+              <a:rPr lang="en-US" sz="2000" dirty="0"/>
+              <a:t>What:</a:t>
+            </a:r>
+          </a:p>
+          <a:p>
+            <a:r>
+              <a:rPr lang="en-US" sz="2000" dirty="0"/>
+              <a:t>Compare stock price data from top 100 companies</a:t>
+            </a:r>
+          </a:p>
+          <a:p>
+            <a:r>
+              <a:rPr lang="en-US" sz="2000" dirty="0"/>
+              <a:t>Metrics:</a:t>
+            </a:r>
+          </a:p>
+          <a:p>
+            <a:pPr lvl="1"/>
+            <a:r>
+              <a:rPr lang="en-US" sz="2000"/>
+              <a:t>High and lows</a:t>
+            </a:r>
+          </a:p>
+          <a:p>
+            <a:pPr lvl="1"/>
+            <a:r>
+              <a:rPr lang="en-US" sz="2000"/>
+              <a:t>Comparison to 52-week data</a:t>
+            </a:r>
+          </a:p>
+          <a:p>
+            <a:endParaRPr lang="en-US" sz="2000" dirty="0"/>
+          </a:p>
+          <a:p>
+            <a:pPr marL="0" indent="0">
+              <a:buNone/>
+            </a:pPr>
+            <a:r>
+              <a:rPr lang="en-US" sz="2000" dirty="0"/>
+              <a:t>How:</a:t>
+            </a:r>
+          </a:p>
+          <a:p>
+            <a:r>
+              <a:rPr lang="en-US" sz="2000" dirty="0"/>
+              <a:t>Use </a:t>
+            </a:r>
+            <a:r>
+              <a:rPr lang="en-US" sz="2000"/>
+              <a:t>yFinance</a:t>
+            </a:r>
+            <a:r>
+              <a:rPr lang="en-US" sz="2000" dirty="0"/>
+              <a:t> to get data from Yahoo Finance API; store in MySQL </a:t>
+            </a:r>
+            <a:r>
+              <a:rPr lang="en-US" sz="2000"/>
+              <a:t>db</a:t>
+            </a:r>
+            <a:r>
+              <a:rPr lang="en-US" sz="2000" dirty="0"/>
+              <a:t> on AWS; access via API</a:t>
+            </a:r>
+          </a:p>
+          <a:p>
+            <a:r>
+              <a:rPr lang="en-US" sz="2000" dirty="0"/>
+              <a:t>Flask app for the webpage, containerized into a Docker image</a:t>
+            </a:r>
+          </a:p>
+          <a:p>
+            <a:r>
+              <a:rPr lang="en-US" sz="2000" dirty="0"/>
+              <a:t>Visualizations prompt user input to compare two stocks through metrics, OHLC (open high low close) charts, and gauge charts</a:t>
+            </a:r>
+          </a:p>
+          <a:p>
+            <a:endParaRPr lang="en-US" sz="2000" dirty="0"/>
           </a:p>
         </p:txBody>
       </p:sp>
@@ -3638,6 +4847,14 @@
 <file path=ppt/slides/slide3.xml><?xml version="1.0" encoding="utf-8"?>
 <p:sld xmlns:a="http://schemas.openxmlformats.org/drawingml/2006/main" xmlns:r="http://schemas.openxmlformats.org/officeDocument/2006/relationships" xmlns:p="http://schemas.openxmlformats.org/presentationml/2006/main">
   <p:cSld>
+    <p:bg>
+      <p:bgPr>
+        <a:solidFill>
+          <a:schemeClr val="bg1"/>
+        </a:solidFill>
+        <a:effectLst/>
+      </p:bgPr>
+    </p:bg>
     <p:spTree>
       <p:nvGrpSpPr>
         <p:cNvPr id="1" name=""/>
@@ -3652,12 +4869,681 @@
           <a:chExt cx="0" cy="0"/>
         </a:xfrm>
       </p:grpSpPr>
-      <p:sp>
-        <p:nvSpPr>
-          <p:cNvPr id="13" name="Rectangle 12">
-            <a:extLst>
-              <a:ext uri="{FF2B5EF4-FFF2-40B4-BE49-F238E27FC236}">
-                <a16:creationId xmlns:a16="http://schemas.microsoft.com/office/drawing/2014/main" id="{26DC4882-4CB8-0141-8367-4722F0121076}"/>
+      <p:sp useBgFill="1">
+        <p:nvSpPr>
+          <p:cNvPr id="8" name="Rectangle 7">
+            <a:extLst>
+              <a:ext uri="{FF2B5EF4-FFF2-40B4-BE49-F238E27FC236}">
+                <a16:creationId xmlns:a16="http://schemas.microsoft.com/office/drawing/2014/main" id="{09588DA8-065E-4F6F-8EFD-43104AB2E0CF}"/>
+              </a:ext>
+              <a:ext uri="{C183D7F6-B498-43B3-948B-1728B52AA6E4}">
+                <adec:decorative xmlns:adec="http://schemas.microsoft.com/office/drawing/2017/decorative" val="1"/>
+              </a:ext>
+            </a:extLst>
+          </p:cNvPr>
+          <p:cNvSpPr>
+            <a:spLocks noGrp="1" noRot="1" noChangeAspect="1" noMove="1" noResize="1" noEditPoints="1" noAdjustHandles="1" noChangeArrowheads="1" noChangeShapeType="1" noTextEdit="1"/>
+          </p:cNvSpPr>
+          <p:nvPr>
+            <p:extLst>
+              <p:ext uri="{386F3935-93C4-4BCD-93E2-E3B085C9AB24}">
+                <p16:designElem xmlns:p16="http://schemas.microsoft.com/office/powerpoint/2015/main" val="1"/>
+              </p:ext>
+            </p:extLst>
+          </p:nvPr>
+        </p:nvSpPr>
+        <p:spPr>
+          <a:xfrm>
+            <a:off x="0" y="0"/>
+            <a:ext cx="12192000" cy="6858000"/>
+          </a:xfrm>
+          <a:prstGeom prst="rect">
+            <a:avLst/>
+          </a:prstGeom>
+          <a:ln w="12700" cap="flat" cmpd="sng" algn="ctr">
+            <a:noFill/>
+            <a:prstDash val="solid"/>
+            <a:miter lim="800000"/>
+          </a:ln>
+          <a:effectLst/>
+          <a:extLst>
+            <a:ext uri="{91240B29-F687-4F45-9708-019B960494DF}">
+              <a14:hiddenLine xmlns:a14="http://schemas.microsoft.com/office/drawing/2010/main" w="12700" cap="flat" cmpd="sng" algn="ctr">
+                <a:solidFill>
+                  <a:schemeClr val="accent1">
+                    <a:shade val="50000"/>
+                  </a:schemeClr>
+                </a:solidFill>
+                <a:prstDash val="solid"/>
+                <a:miter lim="800000"/>
+              </a14:hiddenLine>
+            </a:ext>
+          </a:extLst>
+        </p:spPr>
+        <p:style>
+          <a:lnRef idx="2">
+            <a:schemeClr val="accent1">
+              <a:shade val="50000"/>
+            </a:schemeClr>
+          </a:lnRef>
+          <a:fillRef idx="1">
+            <a:schemeClr val="accent1"/>
+          </a:fillRef>
+          <a:effectRef idx="0">
+            <a:schemeClr val="accent1"/>
+          </a:effectRef>
+          <a:fontRef idx="minor">
+            <a:schemeClr val="lt1"/>
+          </a:fontRef>
+        </p:style>
+        <p:txBody>
+          <a:bodyPr rtlCol="0" anchor="ctr"/>
+          <a:lstStyle/>
+          <a:p>
+            <a:pPr algn="ctr"/>
+            <a:endParaRPr lang="en-US"/>
+          </a:p>
+        </p:txBody>
+      </p:sp>
+      <p:sp useBgFill="1">
+        <p:nvSpPr>
+          <p:cNvPr id="10" name="Rectangle 9">
+            <a:extLst>
+              <a:ext uri="{FF2B5EF4-FFF2-40B4-BE49-F238E27FC236}">
+                <a16:creationId xmlns:a16="http://schemas.microsoft.com/office/drawing/2014/main" id="{C4285719-470E-454C-AF62-8323075F1F5B}"/>
+              </a:ext>
+              <a:ext uri="{C183D7F6-B498-43B3-948B-1728B52AA6E4}">
+                <adec:decorative xmlns:adec="http://schemas.microsoft.com/office/drawing/2017/decorative" val="1"/>
+              </a:ext>
+            </a:extLst>
+          </p:cNvPr>
+          <p:cNvSpPr>
+            <a:spLocks noGrp="1" noRot="1" noChangeAspect="1" noMove="1" noResize="1" noEditPoints="1" noAdjustHandles="1" noChangeArrowheads="1" noChangeShapeType="1" noTextEdit="1"/>
+          </p:cNvSpPr>
+          <p:nvPr>
+            <p:extLst>
+              <p:ext uri="{386F3935-93C4-4BCD-93E2-E3B085C9AB24}">
+                <p16:designElem xmlns:p16="http://schemas.microsoft.com/office/powerpoint/2015/main" val="1"/>
+              </p:ext>
+            </p:extLst>
+          </p:nvPr>
+        </p:nvSpPr>
+        <p:spPr>
+          <a:xfrm>
+            <a:off x="0" y="0"/>
+            <a:ext cx="12188952" cy="6858000"/>
+          </a:xfrm>
+          <a:prstGeom prst="rect">
+            <a:avLst/>
+          </a:prstGeom>
+          <a:ln w="12700" cap="flat" cmpd="sng" algn="ctr">
+            <a:noFill/>
+            <a:prstDash val="solid"/>
+            <a:miter lim="800000"/>
+          </a:ln>
+          <a:effectLst/>
+          <a:extLst>
+            <a:ext uri="{91240B29-F687-4F45-9708-019B960494DF}">
+              <a14:hiddenLine xmlns:a14="http://schemas.microsoft.com/office/drawing/2010/main" w="12700" cap="flat" cmpd="sng" algn="ctr">
+                <a:solidFill>
+                  <a:schemeClr val="accent1">
+                    <a:shade val="50000"/>
+                  </a:schemeClr>
+                </a:solidFill>
+                <a:prstDash val="solid"/>
+                <a:miter lim="800000"/>
+              </a14:hiddenLine>
+            </a:ext>
+          </a:extLst>
+        </p:spPr>
+        <p:style>
+          <a:lnRef idx="2">
+            <a:schemeClr val="accent1">
+              <a:shade val="50000"/>
+            </a:schemeClr>
+          </a:lnRef>
+          <a:fillRef idx="1">
+            <a:schemeClr val="accent1"/>
+          </a:fillRef>
+          <a:effectRef idx="0">
+            <a:schemeClr val="accent1"/>
+          </a:effectRef>
+          <a:fontRef idx="minor">
+            <a:schemeClr val="lt1"/>
+          </a:fontRef>
+        </p:style>
+        <p:txBody>
+          <a:bodyPr rtlCol="0" anchor="ctr"/>
+          <a:lstStyle/>
+          <a:p>
+            <a:pPr algn="ctr"/>
+            <a:endParaRPr lang="en-US"/>
+          </a:p>
+        </p:txBody>
+      </p:sp>
+      <p:sp>
+        <p:nvSpPr>
+          <p:cNvPr id="12" name="Rectangle 11">
+            <a:extLst>
+              <a:ext uri="{FF2B5EF4-FFF2-40B4-BE49-F238E27FC236}">
+                <a16:creationId xmlns:a16="http://schemas.microsoft.com/office/drawing/2014/main" id="{CD9FE4EF-C4D8-49A0-B2FF-81D8DB7D8A24}"/>
+              </a:ext>
+              <a:ext uri="{C183D7F6-B498-43B3-948B-1728B52AA6E4}">
+                <adec:decorative xmlns:adec="http://schemas.microsoft.com/office/drawing/2017/decorative" val="1"/>
+              </a:ext>
+            </a:extLst>
+          </p:cNvPr>
+          <p:cNvSpPr>
+            <a:spLocks noGrp="1" noRot="1" noChangeAspect="1" noMove="1" noResize="1" noEditPoints="1" noAdjustHandles="1" noChangeArrowheads="1" noChangeShapeType="1" noTextEdit="1"/>
+          </p:cNvSpPr>
+          <p:nvPr>
+            <p:extLst>
+              <p:ext uri="{386F3935-93C4-4BCD-93E2-E3B085C9AB24}">
+                <p16:designElem xmlns:p16="http://schemas.microsoft.com/office/powerpoint/2015/main" val="1"/>
+              </p:ext>
+            </p:extLst>
+          </p:nvPr>
+        </p:nvSpPr>
+        <p:spPr>
+          <a:xfrm rot="5400000" flipH="1">
+            <a:off x="-1410084" y="1410082"/>
+            <a:ext cx="6858000" cy="4037836"/>
+          </a:xfrm>
+          <a:prstGeom prst="rect">
+            <a:avLst/>
+          </a:prstGeom>
+          <a:gradFill>
+            <a:gsLst>
+              <a:gs pos="8000">
+                <a:srgbClr val="000000"/>
+              </a:gs>
+              <a:gs pos="100000">
+                <a:schemeClr val="accent1">
+                  <a:lumMod val="75000"/>
+                </a:schemeClr>
+              </a:gs>
+            </a:gsLst>
+            <a:lin ang="3000000" scaled="0"/>
+          </a:gradFill>
+          <a:ln>
+            <a:noFill/>
+          </a:ln>
+        </p:spPr>
+        <p:style>
+          <a:lnRef idx="2">
+            <a:schemeClr val="accent1">
+              <a:shade val="50000"/>
+            </a:schemeClr>
+          </a:lnRef>
+          <a:fillRef idx="1">
+            <a:schemeClr val="accent1"/>
+          </a:fillRef>
+          <a:effectRef idx="0">
+            <a:schemeClr val="accent1"/>
+          </a:effectRef>
+          <a:fontRef idx="minor">
+            <a:schemeClr val="lt1"/>
+          </a:fontRef>
+        </p:style>
+        <p:txBody>
+          <a:bodyPr rtlCol="0" anchor="ctr"/>
+          <a:lstStyle/>
+          <a:p>
+            <a:pPr algn="ctr"/>
+            <a:endParaRPr lang="en-US"/>
+          </a:p>
+        </p:txBody>
+      </p:sp>
+      <p:sp>
+        <p:nvSpPr>
+          <p:cNvPr id="14" name="Rectangle 13">
+            <a:extLst>
+              <a:ext uri="{FF2B5EF4-FFF2-40B4-BE49-F238E27FC236}">
+                <a16:creationId xmlns:a16="http://schemas.microsoft.com/office/drawing/2014/main" id="{4300840D-0A0B-4512-BACA-B439D5B9C57C}"/>
+              </a:ext>
+              <a:ext uri="{C183D7F6-B498-43B3-948B-1728B52AA6E4}">
+                <adec:decorative xmlns:adec="http://schemas.microsoft.com/office/drawing/2017/decorative" val="1"/>
+              </a:ext>
+            </a:extLst>
+          </p:cNvPr>
+          <p:cNvSpPr>
+            <a:spLocks noGrp="1" noRot="1" noChangeAspect="1" noMove="1" noResize="1" noEditPoints="1" noAdjustHandles="1" noChangeArrowheads="1" noChangeShapeType="1" noTextEdit="1"/>
+          </p:cNvSpPr>
+          <p:nvPr>
+            <p:extLst>
+              <p:ext uri="{386F3935-93C4-4BCD-93E2-E3B085C9AB24}">
+                <p16:designElem xmlns:p16="http://schemas.microsoft.com/office/powerpoint/2015/main" val="1"/>
+              </p:ext>
+            </p:extLst>
+          </p:nvPr>
+        </p:nvSpPr>
+        <p:spPr>
+          <a:xfrm rot="5400000" flipH="1">
+            <a:off x="-1410085" y="1420219"/>
+            <a:ext cx="6857999" cy="4037839"/>
+          </a:xfrm>
+          <a:prstGeom prst="rect">
+            <a:avLst/>
+          </a:prstGeom>
+          <a:gradFill>
+            <a:gsLst>
+              <a:gs pos="0">
+                <a:srgbClr val="000000">
+                  <a:alpha val="0"/>
+                </a:srgbClr>
+              </a:gs>
+              <a:gs pos="99000">
+                <a:schemeClr val="accent1">
+                  <a:alpha val="46000"/>
+                </a:schemeClr>
+              </a:gs>
+            </a:gsLst>
+            <a:lin ang="1800000" scaled="0"/>
+          </a:gradFill>
+          <a:ln>
+            <a:noFill/>
+          </a:ln>
+        </p:spPr>
+        <p:style>
+          <a:lnRef idx="2">
+            <a:schemeClr val="accent1">
+              <a:shade val="50000"/>
+            </a:schemeClr>
+          </a:lnRef>
+          <a:fillRef idx="1">
+            <a:schemeClr val="accent1"/>
+          </a:fillRef>
+          <a:effectRef idx="0">
+            <a:schemeClr val="accent1"/>
+          </a:effectRef>
+          <a:fontRef idx="minor">
+            <a:schemeClr val="lt1"/>
+          </a:fontRef>
+        </p:style>
+        <p:txBody>
+          <a:bodyPr rtlCol="0" anchor="ctr"/>
+          <a:lstStyle/>
+          <a:p>
+            <a:pPr algn="ctr"/>
+            <a:endParaRPr lang="en-US"/>
+          </a:p>
+        </p:txBody>
+      </p:sp>
+      <p:sp>
+        <p:nvSpPr>
+          <p:cNvPr id="16" name="Rectangle 15">
+            <a:extLst>
+              <a:ext uri="{FF2B5EF4-FFF2-40B4-BE49-F238E27FC236}">
+                <a16:creationId xmlns:a16="http://schemas.microsoft.com/office/drawing/2014/main" id="{D2B78728-A580-49A7-84F9-6EF6F583ADE0}"/>
+              </a:ext>
+              <a:ext uri="{C183D7F6-B498-43B3-948B-1728B52AA6E4}">
+                <adec:decorative xmlns:adec="http://schemas.microsoft.com/office/drawing/2017/decorative" val="1"/>
+              </a:ext>
+            </a:extLst>
+          </p:cNvPr>
+          <p:cNvSpPr>
+            <a:spLocks noGrp="1" noRot="1" noChangeAspect="1" noMove="1" noResize="1" noEditPoints="1" noAdjustHandles="1" noChangeArrowheads="1" noChangeShapeType="1" noTextEdit="1"/>
+          </p:cNvSpPr>
+          <p:nvPr>
+            <p:extLst>
+              <p:ext uri="{386F3935-93C4-4BCD-93E2-E3B085C9AB24}">
+                <p16:designElem xmlns:p16="http://schemas.microsoft.com/office/powerpoint/2015/main" val="1"/>
+              </p:ext>
+            </p:extLst>
+          </p:nvPr>
+        </p:nvSpPr>
+        <p:spPr>
+          <a:xfrm rot="5400000" flipH="1">
+            <a:off x="767923" y="3588085"/>
+            <a:ext cx="2501979" cy="4037841"/>
+          </a:xfrm>
+          <a:prstGeom prst="rect">
+            <a:avLst/>
+          </a:prstGeom>
+          <a:gradFill>
+            <a:gsLst>
+              <a:gs pos="2000">
+                <a:schemeClr val="accent1">
+                  <a:alpha val="29000"/>
+                </a:schemeClr>
+              </a:gs>
+              <a:gs pos="100000">
+                <a:srgbClr val="000000">
+                  <a:alpha val="30000"/>
+                </a:srgbClr>
+              </a:gs>
+            </a:gsLst>
+            <a:lin ang="7800000" scaled="0"/>
+          </a:gradFill>
+          <a:ln>
+            <a:noFill/>
+          </a:ln>
+        </p:spPr>
+        <p:style>
+          <a:lnRef idx="2">
+            <a:schemeClr val="accent1">
+              <a:shade val="50000"/>
+            </a:schemeClr>
+          </a:lnRef>
+          <a:fillRef idx="1">
+            <a:schemeClr val="accent1"/>
+          </a:fillRef>
+          <a:effectRef idx="0">
+            <a:schemeClr val="accent1"/>
+          </a:effectRef>
+          <a:fontRef idx="minor">
+            <a:schemeClr val="lt1"/>
+          </a:fontRef>
+        </p:style>
+        <p:txBody>
+          <a:bodyPr rtlCol="0" anchor="ctr"/>
+          <a:lstStyle/>
+          <a:p>
+            <a:pPr algn="ctr"/>
+            <a:endParaRPr lang="en-US" dirty="0"/>
+          </a:p>
+        </p:txBody>
+      </p:sp>
+      <p:sp>
+        <p:nvSpPr>
+          <p:cNvPr id="18" name="Freeform: Shape 17">
+            <a:extLst>
+              <a:ext uri="{FF2B5EF4-FFF2-40B4-BE49-F238E27FC236}">
+                <a16:creationId xmlns:a16="http://schemas.microsoft.com/office/drawing/2014/main" id="{38FAA1A1-D861-433F-88FA-1E9D6FD31D11}"/>
+              </a:ext>
+              <a:ext uri="{C183D7F6-B498-43B3-948B-1728B52AA6E4}">
+                <adec:decorative xmlns:adec="http://schemas.microsoft.com/office/drawing/2017/decorative" val="1"/>
+              </a:ext>
+            </a:extLst>
+          </p:cNvPr>
+          <p:cNvSpPr>
+            <a:spLocks noGrp="1" noRot="1" noChangeAspect="1" noMove="1" noResize="1" noEditPoints="1" noAdjustHandles="1" noChangeArrowheads="1" noChangeShapeType="1" noTextEdit="1"/>
+          </p:cNvSpPr>
+          <p:nvPr>
+            <p:extLst>
+              <p:ext uri="{386F3935-93C4-4BCD-93E2-E3B085C9AB24}">
+                <p16:designElem xmlns:p16="http://schemas.microsoft.com/office/powerpoint/2015/main" val="1"/>
+              </p:ext>
+            </p:extLst>
+          </p:nvPr>
+        </p:nvSpPr>
+        <p:spPr>
+          <a:xfrm rot="20635413">
+            <a:off x="-501737" y="969718"/>
+            <a:ext cx="3900357" cy="4178958"/>
+          </a:xfrm>
+          <a:custGeom>
+            <a:avLst/>
+            <a:gdLst>
+              <a:gd name="connsiteX0" fmla="*/ 2432225 w 3900357"/>
+              <a:gd name="connsiteY0" fmla="*/ 93939 h 4178958"/>
+              <a:gd name="connsiteX1" fmla="*/ 3900357 w 3900357"/>
+              <a:gd name="connsiteY1" fmla="*/ 2089479 h 4178958"/>
+              <a:gd name="connsiteX2" fmla="*/ 1810878 w 3900357"/>
+              <a:gd name="connsiteY2" fmla="*/ 4178958 h 4178958"/>
+              <a:gd name="connsiteX3" fmla="*/ 78249 w 3900357"/>
+              <a:gd name="connsiteY3" fmla="*/ 3257727 h 4178958"/>
+              <a:gd name="connsiteX4" fmla="*/ 0 w 3900357"/>
+              <a:gd name="connsiteY4" fmla="*/ 3128923 h 4178958"/>
+              <a:gd name="connsiteX5" fmla="*/ 831324 w 3900357"/>
+              <a:gd name="connsiteY5" fmla="*/ 244281 h 4178958"/>
+              <a:gd name="connsiteX6" fmla="*/ 997559 w 3900357"/>
+              <a:gd name="connsiteY6" fmla="*/ 164202 h 4178958"/>
+              <a:gd name="connsiteX7" fmla="*/ 1810878 w 3900357"/>
+              <a:gd name="connsiteY7" fmla="*/ 0 h 4178958"/>
+              <a:gd name="connsiteX8" fmla="*/ 2432225 w 3900357"/>
+              <a:gd name="connsiteY8" fmla="*/ 93939 h 4178958"/>
+            </a:gdLst>
+            <a:ahLst/>
+            <a:cxnLst>
+              <a:cxn ang="0">
+                <a:pos x="connsiteX0" y="connsiteY0"/>
+              </a:cxn>
+              <a:cxn ang="0">
+                <a:pos x="connsiteX1" y="connsiteY1"/>
+              </a:cxn>
+              <a:cxn ang="0">
+                <a:pos x="connsiteX2" y="connsiteY2"/>
+              </a:cxn>
+              <a:cxn ang="0">
+                <a:pos x="connsiteX3" y="connsiteY3"/>
+              </a:cxn>
+              <a:cxn ang="0">
+                <a:pos x="connsiteX4" y="connsiteY4"/>
+              </a:cxn>
+              <a:cxn ang="0">
+                <a:pos x="connsiteX5" y="connsiteY5"/>
+              </a:cxn>
+              <a:cxn ang="0">
+                <a:pos x="connsiteX6" y="connsiteY6"/>
+              </a:cxn>
+              <a:cxn ang="0">
+                <a:pos x="connsiteX7" y="connsiteY7"/>
+              </a:cxn>
+              <a:cxn ang="0">
+                <a:pos x="connsiteX8" y="connsiteY8"/>
+              </a:cxn>
+            </a:cxnLst>
+            <a:rect l="l" t="t" r="r" b="b"/>
+            <a:pathLst>
+              <a:path w="3900357" h="4178958">
+                <a:moveTo>
+                  <a:pt x="2432225" y="93939"/>
+                </a:moveTo>
+                <a:cubicBezTo>
+                  <a:pt x="3282786" y="358491"/>
+                  <a:pt x="3900357" y="1151865"/>
+                  <a:pt x="3900357" y="2089479"/>
+                </a:cubicBezTo>
+                <a:cubicBezTo>
+                  <a:pt x="3900357" y="3243466"/>
+                  <a:pt x="2964865" y="4178958"/>
+                  <a:pt x="1810878" y="4178958"/>
+                </a:cubicBezTo>
+                <a:cubicBezTo>
+                  <a:pt x="1089636" y="4178958"/>
+                  <a:pt x="453744" y="3813531"/>
+                  <a:pt x="78249" y="3257727"/>
+                </a:cubicBezTo>
+                <a:lnTo>
+                  <a:pt x="0" y="3128923"/>
+                </a:lnTo>
+                <a:lnTo>
+                  <a:pt x="831324" y="244281"/>
+                </a:lnTo>
+                <a:lnTo>
+                  <a:pt x="997559" y="164202"/>
+                </a:lnTo>
+                <a:cubicBezTo>
+                  <a:pt x="1247540" y="58468"/>
+                  <a:pt x="1522381" y="0"/>
+                  <a:pt x="1810878" y="0"/>
+                </a:cubicBezTo>
+                <a:cubicBezTo>
+                  <a:pt x="2027251" y="0"/>
+                  <a:pt x="2235942" y="32888"/>
+                  <a:pt x="2432225" y="93939"/>
+                </a:cubicBezTo>
+                <a:close/>
+              </a:path>
+            </a:pathLst>
+          </a:custGeom>
+          <a:gradFill>
+            <a:gsLst>
+              <a:gs pos="29000">
+                <a:srgbClr val="000000">
+                  <a:alpha val="0"/>
+                </a:srgbClr>
+              </a:gs>
+              <a:gs pos="100000">
+                <a:schemeClr val="accent1">
+                  <a:alpha val="43000"/>
+                </a:schemeClr>
+              </a:gs>
+            </a:gsLst>
+            <a:lin ang="1800000" scaled="0"/>
+          </a:gradFill>
+          <a:ln>
+            <a:noFill/>
+          </a:ln>
+        </p:spPr>
+        <p:style>
+          <a:lnRef idx="2">
+            <a:schemeClr val="accent1">
+              <a:shade val="50000"/>
+            </a:schemeClr>
+          </a:lnRef>
+          <a:fillRef idx="1">
+            <a:schemeClr val="accent1"/>
+          </a:fillRef>
+          <a:effectRef idx="0">
+            <a:schemeClr val="accent1"/>
+          </a:effectRef>
+          <a:fontRef idx="minor">
+            <a:schemeClr val="lt1"/>
+          </a:fontRef>
+        </p:style>
+        <p:txBody>
+          <a:bodyPr wrap="square" rtlCol="0" anchor="ctr">
+            <a:noAutofit/>
+          </a:bodyPr>
+          <a:lstStyle/>
+          <a:p>
+            <a:pPr algn="ctr"/>
+            <a:endParaRPr lang="en-US" dirty="0"/>
+          </a:p>
+        </p:txBody>
+      </p:sp>
+      <p:sp>
+        <p:nvSpPr>
+          <p:cNvPr id="20" name="Rectangle 19">
+            <a:extLst>
+              <a:ext uri="{FF2B5EF4-FFF2-40B4-BE49-F238E27FC236}">
+                <a16:creationId xmlns:a16="http://schemas.microsoft.com/office/drawing/2014/main" id="{8D71EDA1-87BF-4D5D-AB79-F346FD19278A}"/>
+              </a:ext>
+              <a:ext uri="{C183D7F6-B498-43B3-948B-1728B52AA6E4}">
+                <adec:decorative xmlns:adec="http://schemas.microsoft.com/office/drawing/2017/decorative" val="1"/>
+              </a:ext>
+            </a:extLst>
+          </p:cNvPr>
+          <p:cNvSpPr>
+            <a:spLocks noGrp="1" noRot="1" noChangeAspect="1" noMove="1" noResize="1" noEditPoints="1" noAdjustHandles="1" noChangeArrowheads="1" noChangeShapeType="1" noTextEdit="1"/>
+          </p:cNvSpPr>
+          <p:nvPr>
+            <p:extLst>
+              <p:ext uri="{386F3935-93C4-4BCD-93E2-E3B085C9AB24}">
+                <p16:designElem xmlns:p16="http://schemas.microsoft.com/office/powerpoint/2015/main" val="1"/>
+              </p:ext>
+            </p:extLst>
+          </p:nvPr>
+        </p:nvSpPr>
+        <p:spPr>
+          <a:xfrm rot="5400000" flipH="1">
+            <a:off x="-1410093" y="1399943"/>
+            <a:ext cx="6858003" cy="4037835"/>
+          </a:xfrm>
+          <a:prstGeom prst="rect">
+            <a:avLst/>
+          </a:prstGeom>
+          <a:gradFill>
+            <a:gsLst>
+              <a:gs pos="0">
+                <a:srgbClr val="000000">
+                  <a:alpha val="0"/>
+                </a:srgbClr>
+              </a:gs>
+              <a:gs pos="99000">
+                <a:schemeClr val="accent1">
+                  <a:lumMod val="60000"/>
+                  <a:lumOff val="40000"/>
+                  <a:alpha val="11000"/>
+                </a:schemeClr>
+              </a:gs>
+            </a:gsLst>
+            <a:lin ang="7200000" scaled="0"/>
+          </a:gradFill>
+          <a:ln>
+            <a:noFill/>
+          </a:ln>
+        </p:spPr>
+        <p:style>
+          <a:lnRef idx="2">
+            <a:schemeClr val="accent1">
+              <a:shade val="50000"/>
+            </a:schemeClr>
+          </a:lnRef>
+          <a:fillRef idx="1">
+            <a:schemeClr val="accent1"/>
+          </a:fillRef>
+          <a:effectRef idx="0">
+            <a:schemeClr val="accent1"/>
+          </a:effectRef>
+          <a:fontRef idx="minor">
+            <a:schemeClr val="lt1"/>
+          </a:fontRef>
+        </p:style>
+        <p:txBody>
+          <a:bodyPr rtlCol="0" anchor="ctr"/>
+          <a:lstStyle/>
+          <a:p>
+            <a:pPr algn="ctr"/>
+            <a:endParaRPr lang="en-US"/>
+          </a:p>
+        </p:txBody>
+      </p:sp>
+      <p:sp>
+        <p:nvSpPr>
+          <p:cNvPr id="2" name="Title 1">
+            <a:extLst>
+              <a:ext uri="{FF2B5EF4-FFF2-40B4-BE49-F238E27FC236}">
+                <a16:creationId xmlns:a16="http://schemas.microsoft.com/office/drawing/2014/main" id="{1B33EFAB-174D-49F4-E60F-24AE706874A6}"/>
+              </a:ext>
+            </a:extLst>
+          </p:cNvPr>
+          <p:cNvSpPr>
+            <a:spLocks noGrp="1"/>
+          </p:cNvSpPr>
+          <p:nvPr>
+            <p:ph type="title"/>
+          </p:nvPr>
+        </p:nvSpPr>
+        <p:spPr>
+          <a:xfrm>
+            <a:off x="466722" y="586855"/>
+            <a:ext cx="3201366" cy="3387497"/>
+          </a:xfrm>
+        </p:spPr>
+        <p:txBody>
+          <a:bodyPr anchor="b">
+            <a:normAutofit/>
+          </a:bodyPr>
+          <a:lstStyle/>
+          <a:p>
+            <a:pPr algn="r"/>
+            <a:r>
+              <a:rPr lang="en-US" sz="4000" dirty="0">
+                <a:solidFill>
+                  <a:srgbClr val="FFFFFF"/>
+                </a:solidFill>
+              </a:rPr>
+              <a:t>Design</a:t>
+            </a:r>
+            <a:endParaRPr lang="en-US" sz="4000" dirty="0">
+              <a:solidFill>
+                <a:schemeClr val="bg2">
+                  <a:lumMod val="75000"/>
+                </a:schemeClr>
+              </a:solidFill>
+            </a:endParaRPr>
+          </a:p>
+        </p:txBody>
+      </p:sp>
+      <p:sp>
+        <p:nvSpPr>
+          <p:cNvPr id="7" name="Rectangle 6">
+            <a:extLst>
+              <a:ext uri="{FF2B5EF4-FFF2-40B4-BE49-F238E27FC236}">
+                <a16:creationId xmlns:a16="http://schemas.microsoft.com/office/drawing/2014/main" id="{8C4060D7-446A-87DC-135C-72297758B582}"/>
               </a:ext>
             </a:extLst>
           </p:cNvPr>
@@ -3666,8 +5552,8 @@
         </p:nvSpPr>
         <p:spPr>
           <a:xfrm>
-            <a:off x="4217971" y="1941930"/>
-            <a:ext cx="5612764" cy="4088997"/>
+            <a:off x="5429036" y="2288161"/>
+            <a:ext cx="4251868" cy="4088997"/>
           </a:xfrm>
           <a:prstGeom prst="rect">
             <a:avLst/>
@@ -3710,150 +5596,10 @@
       </p:sp>
       <p:sp>
         <p:nvSpPr>
-          <p:cNvPr id="2" name="Title 1">
-            <a:extLst>
-              <a:ext uri="{FF2B5EF4-FFF2-40B4-BE49-F238E27FC236}">
-                <a16:creationId xmlns:a16="http://schemas.microsoft.com/office/drawing/2014/main" id="{1B33EFAB-174D-49F4-E60F-24AE706874A6}"/>
-              </a:ext>
-            </a:extLst>
-          </p:cNvPr>
-          <p:cNvSpPr>
-            <a:spLocks noGrp="1"/>
-          </p:cNvSpPr>
-          <p:nvPr>
-            <p:ph type="title"/>
-          </p:nvPr>
-        </p:nvSpPr>
-        <p:spPr/>
-        <p:txBody>
-          <a:bodyPr/>
-          <a:lstStyle/>
-          <a:p>
-            <a:r>
-              <a:rPr lang="en-US" dirty="0"/>
-              <a:t>Design</a:t>
-            </a:r>
-          </a:p>
-        </p:txBody>
-      </p:sp>
-      <p:sp>
-        <p:nvSpPr>
-          <p:cNvPr id="3" name="Subtitle 2">
-            <a:extLst>
-              <a:ext uri="{FF2B5EF4-FFF2-40B4-BE49-F238E27FC236}">
-                <a16:creationId xmlns:a16="http://schemas.microsoft.com/office/drawing/2014/main" id="{34AB84BC-FFC7-8563-382A-72B33BDFB636}"/>
-              </a:ext>
-            </a:extLst>
-          </p:cNvPr>
-          <p:cNvSpPr>
-            <a:spLocks noGrp="1"/>
-          </p:cNvSpPr>
-          <p:nvPr>
-            <p:ph idx="1"/>
-          </p:nvPr>
-        </p:nvSpPr>
-        <p:spPr/>
-        <p:txBody>
-          <a:bodyPr>
-            <a:normAutofit/>
-          </a:bodyPr>
-          <a:lstStyle/>
-          <a:p>
-            <a:r>
-              <a:rPr lang="en-US" sz="2000" dirty="0"/>
-              <a:t>Tech Used:</a:t>
-            </a:r>
-          </a:p>
-          <a:p>
-            <a:pPr lvl="1"/>
-            <a:r>
-              <a:rPr lang="en-US" sz="1800" dirty="0"/>
-              <a:t>Python</a:t>
-            </a:r>
-          </a:p>
-          <a:p>
-            <a:pPr lvl="1"/>
-            <a:r>
-              <a:rPr lang="en-US" sz="1800" dirty="0"/>
-              <a:t>JavaScript</a:t>
-            </a:r>
-          </a:p>
-          <a:p>
-            <a:pPr lvl="1"/>
-            <a:r>
-              <a:rPr lang="en-US" sz="1800" dirty="0"/>
-              <a:t>HTML</a:t>
-            </a:r>
-          </a:p>
-          <a:p>
-            <a:pPr lvl="1"/>
-            <a:r>
-              <a:rPr lang="en-US" sz="1800" dirty="0"/>
-              <a:t>MySQL</a:t>
-            </a:r>
-          </a:p>
-          <a:p>
-            <a:pPr lvl="1"/>
-            <a:r>
-              <a:rPr lang="en-US" sz="1800" dirty="0"/>
-              <a:t>Flask</a:t>
-            </a:r>
-          </a:p>
-          <a:p>
-            <a:pPr lvl="1"/>
-            <a:r>
-              <a:rPr lang="en-US" sz="1800" dirty="0"/>
-              <a:t>Docker</a:t>
-            </a:r>
-          </a:p>
-          <a:p>
-            <a:pPr lvl="1"/>
-            <a:endParaRPr lang="en-US" sz="1800" dirty="0"/>
-          </a:p>
-          <a:p>
-            <a:r>
-              <a:rPr lang="en-US" sz="2000" dirty="0"/>
-              <a:t>Services &amp; Tools:</a:t>
-            </a:r>
-          </a:p>
-          <a:p>
-            <a:pPr lvl="1"/>
-            <a:r>
-              <a:rPr lang="en-US" sz="1800" dirty="0" err="1"/>
-              <a:t>Github</a:t>
-            </a:r>
-            <a:endParaRPr lang="en-US" sz="1800" dirty="0"/>
-          </a:p>
-          <a:p>
-            <a:pPr lvl="1"/>
-            <a:r>
-              <a:rPr lang="en-US" sz="1800" dirty="0"/>
-              <a:t>AWS</a:t>
-            </a:r>
-          </a:p>
-          <a:p>
-            <a:pPr lvl="1"/>
-            <a:r>
-              <a:rPr lang="en-US" sz="1800" dirty="0"/>
-              <a:t>MySQL Workbench</a:t>
-            </a:r>
-          </a:p>
-          <a:p>
-            <a:pPr lvl="1"/>
-            <a:endParaRPr lang="en-US" sz="1800" dirty="0"/>
-          </a:p>
-          <a:p>
-            <a:pPr lvl="1"/>
-            <a:endParaRPr lang="en-US" sz="1800" dirty="0"/>
-          </a:p>
-        </p:txBody>
-      </p:sp>
-      <p:sp>
-        <p:nvSpPr>
-          <p:cNvPr id="4" name="Rectangle 3">
-            <a:extLst>
-              <a:ext uri="{FF2B5EF4-FFF2-40B4-BE49-F238E27FC236}">
-                <a16:creationId xmlns:a16="http://schemas.microsoft.com/office/drawing/2014/main" id="{3D66AC8B-3520-FD0A-4F49-90D3882B4ECC}"/>
+          <p:cNvPr id="9" name="Rectangle 8">
+            <a:extLst>
+              <a:ext uri="{FF2B5EF4-FFF2-40B4-BE49-F238E27FC236}">
+                <a16:creationId xmlns:a16="http://schemas.microsoft.com/office/drawing/2014/main" id="{F9576008-5260-D9CD-2F1D-75DC03ABE2DD}"/>
               </a:ext>
             </a:extLst>
           </p:cNvPr>
@@ -3862,8 +5608,8 @@
         </p:nvSpPr>
         <p:spPr>
           <a:xfrm>
-            <a:off x="4161033" y="1690688"/>
-            <a:ext cx="7541232" cy="4638193"/>
+            <a:off x="4905054" y="2036919"/>
+            <a:ext cx="6647380" cy="4638193"/>
           </a:xfrm>
           <a:prstGeom prst="rect">
             <a:avLst/>
@@ -3898,10 +5644,10 @@
       </p:sp>
       <p:sp>
         <p:nvSpPr>
-          <p:cNvPr id="5" name="Rectangle 4">
-            <a:extLst>
-              <a:ext uri="{FF2B5EF4-FFF2-40B4-BE49-F238E27FC236}">
-                <a16:creationId xmlns:a16="http://schemas.microsoft.com/office/drawing/2014/main" id="{0410A129-9C50-08B6-64D7-4FD8581C8C07}"/>
+          <p:cNvPr id="11" name="Rectangle 10">
+            <a:extLst>
+              <a:ext uri="{FF2B5EF4-FFF2-40B4-BE49-F238E27FC236}">
+                <a16:creationId xmlns:a16="http://schemas.microsoft.com/office/drawing/2014/main" id="{FF654D52-3848-646C-B69D-EE18CF9CB20E}"/>
               </a:ext>
             </a:extLst>
           </p:cNvPr>
@@ -3910,7 +5656,7 @@
         </p:nvSpPr>
         <p:spPr>
           <a:xfrm>
-            <a:off x="9977063" y="3029055"/>
+            <a:off x="9827232" y="3375286"/>
             <a:ext cx="1376737" cy="3001873"/>
           </a:xfrm>
           <a:prstGeom prst="rect">
@@ -3957,10 +5703,10 @@
       </p:sp>
       <p:sp>
         <p:nvSpPr>
-          <p:cNvPr id="6" name="Rectangle 5">
-            <a:extLst>
-              <a:ext uri="{FF2B5EF4-FFF2-40B4-BE49-F238E27FC236}">
-                <a16:creationId xmlns:a16="http://schemas.microsoft.com/office/drawing/2014/main" id="{C502542B-599A-38CC-E16E-8A890EAD20CF}"/>
+          <p:cNvPr id="13" name="Rectangle 12">
+            <a:extLst>
+              <a:ext uri="{FF2B5EF4-FFF2-40B4-BE49-F238E27FC236}">
+                <a16:creationId xmlns:a16="http://schemas.microsoft.com/office/drawing/2014/main" id="{3799EB9E-0251-70CB-7B7D-206C9B4823CA}"/>
               </a:ext>
             </a:extLst>
           </p:cNvPr>
@@ -3969,7 +5715,7 @@
         </p:nvSpPr>
         <p:spPr>
           <a:xfrm>
-            <a:off x="10110193" y="3482939"/>
+            <a:off x="9960362" y="3829170"/>
             <a:ext cx="1097280" cy="548640"/>
           </a:xfrm>
           <a:prstGeom prst="rect">
@@ -4040,10 +5786,10 @@
       </p:sp>
       <p:sp>
         <p:nvSpPr>
-          <p:cNvPr id="7" name="Rectangle 6">
-            <a:extLst>
-              <a:ext uri="{FF2B5EF4-FFF2-40B4-BE49-F238E27FC236}">
-                <a16:creationId xmlns:a16="http://schemas.microsoft.com/office/drawing/2014/main" id="{9ABD5C77-C6BB-277B-EA98-4C10C1729FD1}"/>
+          <p:cNvPr id="15" name="Rectangle 14">
+            <a:extLst>
+              <a:ext uri="{FF2B5EF4-FFF2-40B4-BE49-F238E27FC236}">
+                <a16:creationId xmlns:a16="http://schemas.microsoft.com/office/drawing/2014/main" id="{A645AD7F-8B37-16B3-A8BC-CDB8B4B9FFE8}"/>
               </a:ext>
             </a:extLst>
           </p:cNvPr>
@@ -4052,7 +5798,7 @@
         </p:nvSpPr>
         <p:spPr>
           <a:xfrm>
-            <a:off x="10110192" y="4359105"/>
+            <a:off x="9960361" y="4705336"/>
             <a:ext cx="1097280" cy="548640"/>
           </a:xfrm>
           <a:prstGeom prst="rect">
@@ -4110,10 +5856,10 @@
       </p:sp>
       <p:sp>
         <p:nvSpPr>
-          <p:cNvPr id="8" name="Rectangle 7">
-            <a:extLst>
-              <a:ext uri="{FF2B5EF4-FFF2-40B4-BE49-F238E27FC236}">
-                <a16:creationId xmlns:a16="http://schemas.microsoft.com/office/drawing/2014/main" id="{930B3C8F-3D79-E7D8-F92F-45D3857B1E6C}"/>
+          <p:cNvPr id="17" name="Rectangle 16">
+            <a:extLst>
+              <a:ext uri="{FF2B5EF4-FFF2-40B4-BE49-F238E27FC236}">
+                <a16:creationId xmlns:a16="http://schemas.microsoft.com/office/drawing/2014/main" id="{ECB274EC-85AA-C321-C084-D087F61D024B}"/>
               </a:ext>
             </a:extLst>
           </p:cNvPr>
@@ -4122,7 +5868,7 @@
         </p:nvSpPr>
         <p:spPr>
           <a:xfrm>
-            <a:off x="10110192" y="5235271"/>
+            <a:off x="9960361" y="5581502"/>
             <a:ext cx="1097280" cy="548640"/>
           </a:xfrm>
           <a:prstGeom prst="rect">
@@ -4180,10 +5926,10 @@
       </p:sp>
       <p:sp>
         <p:nvSpPr>
-          <p:cNvPr id="9" name="Rectangle 8">
-            <a:extLst>
-              <a:ext uri="{FF2B5EF4-FFF2-40B4-BE49-F238E27FC236}">
-                <a16:creationId xmlns:a16="http://schemas.microsoft.com/office/drawing/2014/main" id="{7409FE23-AC2C-2B75-906A-85CFC777319A}"/>
+          <p:cNvPr id="19" name="Rectangle 18">
+            <a:extLst>
+              <a:ext uri="{FF2B5EF4-FFF2-40B4-BE49-F238E27FC236}">
+                <a16:creationId xmlns:a16="http://schemas.microsoft.com/office/drawing/2014/main" id="{2E5CD04A-B3B5-2C2A-692C-726ED194DA45}"/>
               </a:ext>
             </a:extLst>
           </p:cNvPr>
@@ -4192,7 +5938,7 @@
         </p:nvSpPr>
         <p:spPr>
           <a:xfrm>
-            <a:off x="9977063" y="1941930"/>
+            <a:off x="9827232" y="2288161"/>
             <a:ext cx="1376737" cy="923362"/>
           </a:xfrm>
           <a:prstGeom prst="rect">
@@ -4239,10 +5985,10 @@
       </p:sp>
       <p:sp>
         <p:nvSpPr>
-          <p:cNvPr id="10" name="Rectangle 9">
-            <a:extLst>
-              <a:ext uri="{FF2B5EF4-FFF2-40B4-BE49-F238E27FC236}">
-                <a16:creationId xmlns:a16="http://schemas.microsoft.com/office/drawing/2014/main" id="{3FF4D8AA-CF38-A7C2-0AF0-8DE81D33CC36}"/>
+          <p:cNvPr id="21" name="Rectangle 20">
+            <a:extLst>
+              <a:ext uri="{FF2B5EF4-FFF2-40B4-BE49-F238E27FC236}">
+                <a16:creationId xmlns:a16="http://schemas.microsoft.com/office/drawing/2014/main" id="{97D5E31D-6E96-B3C9-D93E-4E48A1F89A6C}"/>
               </a:ext>
             </a:extLst>
           </p:cNvPr>
@@ -4251,7 +5997,7 @@
         </p:nvSpPr>
         <p:spPr>
           <a:xfrm>
-            <a:off x="10103435" y="2253405"/>
+            <a:off x="9953604" y="2599636"/>
             <a:ext cx="1097280" cy="548640"/>
           </a:xfrm>
           <a:prstGeom prst="rect">
@@ -4298,10 +6044,10 @@
       </p:sp>
       <p:sp>
         <p:nvSpPr>
-          <p:cNvPr id="11" name="Rectangle 10">
-            <a:extLst>
-              <a:ext uri="{FF2B5EF4-FFF2-40B4-BE49-F238E27FC236}">
-                <a16:creationId xmlns:a16="http://schemas.microsoft.com/office/drawing/2014/main" id="{9E0BA107-1F77-1565-AA2F-093AAE492ED2}"/>
+          <p:cNvPr id="22" name="Rectangle 21">
+            <a:extLst>
+              <a:ext uri="{FF2B5EF4-FFF2-40B4-BE49-F238E27FC236}">
+                <a16:creationId xmlns:a16="http://schemas.microsoft.com/office/drawing/2014/main" id="{107D351A-CD66-467A-7774-C4C8D8242373}"/>
               </a:ext>
             </a:extLst>
           </p:cNvPr>
@@ -4310,8 +6056,8 @@
         </p:nvSpPr>
         <p:spPr>
           <a:xfrm>
-            <a:off x="4356243" y="2253405"/>
-            <a:ext cx="1900719" cy="3664512"/>
+            <a:off x="5960715" y="2873956"/>
+            <a:ext cx="1553972" cy="3256186"/>
           </a:xfrm>
           <a:prstGeom prst="rect">
             <a:avLst/>
@@ -4347,17 +6093,17 @@
                   <a:schemeClr val="tx1"/>
                 </a:solidFill>
               </a:rPr>
-              <a:t>GitHub Pages</a:t>
-            </a:r>
-          </a:p>
-        </p:txBody>
-      </p:sp>
-      <p:sp>
-        <p:nvSpPr>
-          <p:cNvPr id="12" name="Rectangle 11">
-            <a:extLst>
-              <a:ext uri="{FF2B5EF4-FFF2-40B4-BE49-F238E27FC236}">
-                <a16:creationId xmlns:a16="http://schemas.microsoft.com/office/drawing/2014/main" id="{3BCA1572-2B84-ECE2-8CEA-4FCD71887FDF}"/>
+              <a:t>Docker Container</a:t>
+            </a:r>
+          </a:p>
+        </p:txBody>
+      </p:sp>
+      <p:sp>
+        <p:nvSpPr>
+          <p:cNvPr id="23" name="Rectangle 22">
+            <a:extLst>
+              <a:ext uri="{FF2B5EF4-FFF2-40B4-BE49-F238E27FC236}">
+                <a16:creationId xmlns:a16="http://schemas.microsoft.com/office/drawing/2014/main" id="{B519D0B4-6725-0525-7CB5-1FEE1A270BAE}"/>
               </a:ext>
             </a:extLst>
           </p:cNvPr>
@@ -4366,63 +6112,7 @@
         </p:nvSpPr>
         <p:spPr>
           <a:xfrm>
-            <a:off x="6351143" y="2253404"/>
-            <a:ext cx="3403828" cy="3664512"/>
-          </a:xfrm>
-          <a:prstGeom prst="rect">
-            <a:avLst/>
-          </a:prstGeom>
-          <a:solidFill>
-            <a:schemeClr val="bg2"/>
-          </a:solidFill>
-        </p:spPr>
-        <p:style>
-          <a:lnRef idx="2">
-            <a:schemeClr val="accent1">
-              <a:shade val="15000"/>
-            </a:schemeClr>
-          </a:lnRef>
-          <a:fillRef idx="1">
-            <a:schemeClr val="accent1"/>
-          </a:fillRef>
-          <a:effectRef idx="0">
-            <a:schemeClr val="accent1"/>
-          </a:effectRef>
-          <a:fontRef idx="minor">
-            <a:schemeClr val="lt1"/>
-          </a:fontRef>
-        </p:style>
-        <p:txBody>
-          <a:bodyPr rtlCol="0" anchor="t"/>
-          <a:lstStyle/>
-          <a:p>
-            <a:pPr algn="ctr"/>
-            <a:r>
-              <a:rPr lang="en-US" sz="1600" dirty="0">
-                <a:solidFill>
-                  <a:schemeClr val="tx1"/>
-                </a:solidFill>
-              </a:rPr>
-              <a:t>GitHub Files</a:t>
-            </a:r>
-          </a:p>
-        </p:txBody>
-      </p:sp>
-      <p:sp>
-        <p:nvSpPr>
-          <p:cNvPr id="14" name="Rectangle 13">
-            <a:extLst>
-              <a:ext uri="{FF2B5EF4-FFF2-40B4-BE49-F238E27FC236}">
-                <a16:creationId xmlns:a16="http://schemas.microsoft.com/office/drawing/2014/main" id="{7404338D-9F8E-C37A-29DF-04CA0086BAEF}"/>
-              </a:ext>
-            </a:extLst>
-          </p:cNvPr>
-          <p:cNvSpPr/>
-          <p:nvPr/>
-        </p:nvSpPr>
-        <p:spPr>
-          <a:xfrm>
-            <a:off x="8359048" y="2729835"/>
+            <a:off x="8209217" y="3076066"/>
             <a:ext cx="1097280" cy="287124"/>
           </a:xfrm>
           <a:prstGeom prst="rect">
@@ -4484,10 +6174,10 @@
       </p:sp>
       <p:sp>
         <p:nvSpPr>
-          <p:cNvPr id="15" name="Rectangle 14">
-            <a:extLst>
-              <a:ext uri="{FF2B5EF4-FFF2-40B4-BE49-F238E27FC236}">
-                <a16:creationId xmlns:a16="http://schemas.microsoft.com/office/drawing/2014/main" id="{D8A510B1-35C1-D777-D335-B3B31519222A}"/>
+          <p:cNvPr id="24" name="Rectangle 23">
+            <a:extLst>
+              <a:ext uri="{FF2B5EF4-FFF2-40B4-BE49-F238E27FC236}">
+                <a16:creationId xmlns:a16="http://schemas.microsoft.com/office/drawing/2014/main" id="{F7FDC0BE-6624-1584-D6DB-9C8013B3F156}"/>
               </a:ext>
             </a:extLst>
           </p:cNvPr>
@@ -4496,7 +6186,7 @@
         </p:nvSpPr>
         <p:spPr>
           <a:xfrm>
-            <a:off x="8359048" y="3245618"/>
+            <a:off x="8209217" y="3591849"/>
             <a:ext cx="1097280" cy="287124"/>
           </a:xfrm>
           <a:prstGeom prst="rect">
@@ -4542,21 +6232,21 @@
       </p:sp>
       <p:cxnSp>
         <p:nvCxnSpPr>
-          <p:cNvPr id="18" name="Straight Arrow Connector 17">
-            <a:extLst>
-              <a:ext uri="{FF2B5EF4-FFF2-40B4-BE49-F238E27FC236}">
-                <a16:creationId xmlns:a16="http://schemas.microsoft.com/office/drawing/2014/main" id="{75FE0AD7-09BA-7D6B-E17F-78C51C1E2131}"/>
+          <p:cNvPr id="25" name="Straight Arrow Connector 24">
+            <a:extLst>
+              <a:ext uri="{FF2B5EF4-FFF2-40B4-BE49-F238E27FC236}">
+                <a16:creationId xmlns:a16="http://schemas.microsoft.com/office/drawing/2014/main" id="{D745A02E-9B4D-6A2D-D1F8-4D9165E9DCA7}"/>
               </a:ext>
             </a:extLst>
           </p:cNvPr>
           <p:cNvCxnSpPr>
-            <a:endCxn id="10" idx="1"/>
+            <a:endCxn id="21" idx="1"/>
           </p:cNvCxnSpPr>
           <p:nvPr/>
         </p:nvCxnSpPr>
         <p:spPr>
           <a:xfrm flipV="1">
-            <a:off x="9491609" y="2527725"/>
+            <a:off x="9341778" y="2873956"/>
             <a:ext cx="611826" cy="274320"/>
           </a:xfrm>
           <a:prstGeom prst="straightConnector1">
@@ -4583,22 +6273,22 @@
       </p:cxnSp>
       <p:cxnSp>
         <p:nvCxnSpPr>
-          <p:cNvPr id="19" name="Straight Arrow Connector 18">
-            <a:extLst>
-              <a:ext uri="{FF2B5EF4-FFF2-40B4-BE49-F238E27FC236}">
-                <a16:creationId xmlns:a16="http://schemas.microsoft.com/office/drawing/2014/main" id="{42B0F593-4DE6-66B9-4548-A0BE5BBBDED6}"/>
+          <p:cNvPr id="26" name="Straight Arrow Connector 25">
+            <a:extLst>
+              <a:ext uri="{FF2B5EF4-FFF2-40B4-BE49-F238E27FC236}">
+                <a16:creationId xmlns:a16="http://schemas.microsoft.com/office/drawing/2014/main" id="{850AD800-2C9F-FA3E-2DFB-E34C9E8EB45F}"/>
               </a:ext>
             </a:extLst>
           </p:cNvPr>
           <p:cNvCxnSpPr>
             <a:cxnSpLocks/>
-            <a:endCxn id="15" idx="0"/>
+            <a:endCxn id="24" idx="0"/>
           </p:cNvCxnSpPr>
           <p:nvPr/>
         </p:nvCxnSpPr>
         <p:spPr>
           <a:xfrm>
-            <a:off x="8907688" y="3038663"/>
+            <a:off x="8757857" y="3384894"/>
             <a:ext cx="0" cy="206955"/>
           </a:xfrm>
           <a:prstGeom prst="straightConnector1">
@@ -4628,7 +6318,7 @@
           <p:cNvPr id="27" name="Straight Arrow Connector 26">
             <a:extLst>
               <a:ext uri="{FF2B5EF4-FFF2-40B4-BE49-F238E27FC236}">
-                <a16:creationId xmlns:a16="http://schemas.microsoft.com/office/drawing/2014/main" id="{C3056452-AACB-1A85-F45B-81A6EC1D3C98}"/>
+                <a16:creationId xmlns:a16="http://schemas.microsoft.com/office/drawing/2014/main" id="{08F43DC4-2E5C-B15D-C244-43D3A5901A0C}"/>
               </a:ext>
             </a:extLst>
           </p:cNvPr>
@@ -4639,7 +6329,7 @@
         </p:nvCxnSpPr>
         <p:spPr>
           <a:xfrm>
-            <a:off x="9469300" y="3517467"/>
+            <a:off x="9319469" y="3863698"/>
             <a:ext cx="634135" cy="314574"/>
           </a:xfrm>
           <a:prstGeom prst="straightConnector1">
@@ -4666,22 +6356,22 @@
       </p:cxnSp>
       <p:cxnSp>
         <p:nvCxnSpPr>
-          <p:cNvPr id="30" name="Straight Arrow Connector 29">
-            <a:extLst>
-              <a:ext uri="{FF2B5EF4-FFF2-40B4-BE49-F238E27FC236}">
-                <a16:creationId xmlns:a16="http://schemas.microsoft.com/office/drawing/2014/main" id="{4661FD1E-49C6-50A9-49D1-F42E96E0B2B2}"/>
+          <p:cNvPr id="28" name="Straight Arrow Connector 27">
+            <a:extLst>
+              <a:ext uri="{FF2B5EF4-FFF2-40B4-BE49-F238E27FC236}">
+                <a16:creationId xmlns:a16="http://schemas.microsoft.com/office/drawing/2014/main" id="{2FAD0537-DC04-727E-A297-9C1CDFCE2E28}"/>
               </a:ext>
             </a:extLst>
           </p:cNvPr>
           <p:cNvCxnSpPr>
             <a:cxnSpLocks/>
-            <a:endCxn id="7" idx="0"/>
+            <a:endCxn id="15" idx="0"/>
           </p:cNvCxnSpPr>
           <p:nvPr/>
         </p:nvCxnSpPr>
         <p:spPr>
           <a:xfrm>
-            <a:off x="10652075" y="4079791"/>
+            <a:off x="10502244" y="4426022"/>
             <a:ext cx="6757" cy="279314"/>
           </a:xfrm>
           <a:prstGeom prst="straightConnector1">
@@ -4708,10 +6398,10 @@
       </p:cxnSp>
       <p:cxnSp>
         <p:nvCxnSpPr>
-          <p:cNvPr id="33" name="Straight Arrow Connector 32">
-            <a:extLst>
-              <a:ext uri="{FF2B5EF4-FFF2-40B4-BE49-F238E27FC236}">
-                <a16:creationId xmlns:a16="http://schemas.microsoft.com/office/drawing/2014/main" id="{54C56A0D-4026-63E8-2FDC-F06B405A683A}"/>
+          <p:cNvPr id="29" name="Straight Arrow Connector 28">
+            <a:extLst>
+              <a:ext uri="{FF2B5EF4-FFF2-40B4-BE49-F238E27FC236}">
+                <a16:creationId xmlns:a16="http://schemas.microsoft.com/office/drawing/2014/main" id="{D6FFBAD5-797B-408C-005B-312A996153AE}"/>
               </a:ext>
             </a:extLst>
           </p:cNvPr>
@@ -4722,7 +6412,7 @@
         </p:nvCxnSpPr>
         <p:spPr>
           <a:xfrm>
-            <a:off x="10659253" y="4927598"/>
+            <a:off x="10509422" y="5273829"/>
             <a:ext cx="6757" cy="279314"/>
           </a:xfrm>
           <a:prstGeom prst="straightConnector1">
@@ -4747,54 +6437,70 @@
           </a:fontRef>
         </p:style>
       </p:cxnSp>
-      <p:cxnSp>
-        <p:nvCxnSpPr>
-          <p:cNvPr id="34" name="Straight Arrow Connector 33">
-            <a:extLst>
-              <a:ext uri="{FF2B5EF4-FFF2-40B4-BE49-F238E27FC236}">
-                <a16:creationId xmlns:a16="http://schemas.microsoft.com/office/drawing/2014/main" id="{09700578-2143-72FB-BB7F-0C98EEF4AB04}"/>
-              </a:ext>
-            </a:extLst>
-          </p:cNvPr>
-          <p:cNvCxnSpPr>
-            <a:cxnSpLocks/>
-            <a:stCxn id="8" idx="1"/>
-          </p:cNvCxnSpPr>
+      <p:sp>
+        <p:nvSpPr>
+          <p:cNvPr id="30" name="Rectangle 29">
+            <a:extLst>
+              <a:ext uri="{FF2B5EF4-FFF2-40B4-BE49-F238E27FC236}">
+                <a16:creationId xmlns:a16="http://schemas.microsoft.com/office/drawing/2014/main" id="{53837830-52B3-7811-AAB4-9E4C5EC0D731}"/>
+              </a:ext>
+            </a:extLst>
+          </p:cNvPr>
+          <p:cNvSpPr/>
           <p:nvPr/>
-        </p:nvCxnSpPr>
+        </p:nvSpPr>
         <p:spPr>
-          <a:xfrm flipH="1">
-            <a:off x="5800270" y="5509591"/>
-            <a:ext cx="4309922" cy="0"/>
+          <a:xfrm>
+            <a:off x="6089826" y="4779624"/>
+            <a:ext cx="1295751" cy="1267723"/>
           </a:xfrm>
-          <a:prstGeom prst="straightConnector1">
+          <a:prstGeom prst="rect">
             <a:avLst/>
           </a:prstGeom>
-          <a:ln>
-            <a:tailEnd type="triangle"/>
-          </a:ln>
+          <a:solidFill>
+            <a:schemeClr val="bg2">
+              <a:lumMod val="90000"/>
+            </a:schemeClr>
+          </a:solidFill>
         </p:spPr>
         <p:style>
-          <a:lnRef idx="1">
-            <a:schemeClr val="accent1"/>
+          <a:lnRef idx="2">
+            <a:schemeClr val="accent1">
+              <a:shade val="15000"/>
+            </a:schemeClr>
           </a:lnRef>
-          <a:fillRef idx="0">
+          <a:fillRef idx="1">
             <a:schemeClr val="accent1"/>
           </a:fillRef>
           <a:effectRef idx="0">
             <a:schemeClr val="accent1"/>
           </a:effectRef>
           <a:fontRef idx="minor">
-            <a:schemeClr val="tx1"/>
+            <a:schemeClr val="lt1"/>
           </a:fontRef>
         </p:style>
-      </p:cxnSp>
-      <p:sp>
-        <p:nvSpPr>
-          <p:cNvPr id="37" name="Rectangle 36">
-            <a:extLst>
-              <a:ext uri="{FF2B5EF4-FFF2-40B4-BE49-F238E27FC236}">
-                <a16:creationId xmlns:a16="http://schemas.microsoft.com/office/drawing/2014/main" id="{F7E28577-BFF9-4E4F-CFD6-BF22C786C657}"/>
+        <p:txBody>
+          <a:bodyPr rtlCol="0" anchor="ctr"/>
+          <a:lstStyle/>
+          <a:p>
+            <a:pPr algn="ctr"/>
+            <a:r>
+              <a:rPr lang="en-US" sz="1100" dirty="0">
+                <a:solidFill>
+                  <a:sysClr val="windowText" lastClr="000000"/>
+                </a:solidFill>
+              </a:rPr>
+              <a:t>HTML Website</a:t>
+            </a:r>
+          </a:p>
+        </p:txBody>
+      </p:sp>
+      <p:sp>
+        <p:nvSpPr>
+          <p:cNvPr id="31" name="Rectangle 30">
+            <a:extLst>
+              <a:ext uri="{FF2B5EF4-FFF2-40B4-BE49-F238E27FC236}">
+                <a16:creationId xmlns:a16="http://schemas.microsoft.com/office/drawing/2014/main" id="{4ADFAC2F-955F-053E-CAEB-825C7764A53E}"/>
               </a:ext>
             </a:extLst>
           </p:cNvPr>
@@ -4803,7 +6509,7 @@
         </p:nvSpPr>
         <p:spPr>
           <a:xfrm>
-            <a:off x="4702990" y="5366029"/>
+            <a:off x="6189061" y="5712260"/>
             <a:ext cx="1097280" cy="287124"/>
           </a:xfrm>
           <a:prstGeom prst="rect">
@@ -4837,62 +6543,824 @@
           <a:p>
             <a:pPr algn="ctr"/>
             <a:r>
-              <a:rPr lang="en-US" sz="1100" dirty="0" err="1">
+              <a:rPr lang="en-US" sz="1100" dirty="0">
                 <a:solidFill>
                   <a:sysClr val="windowText" lastClr="000000"/>
                 </a:solidFill>
               </a:rPr>
-              <a:t>xyz</a:t>
-            </a:r>
-            <a:endParaRPr lang="en-US" sz="1100" dirty="0">
-              <a:solidFill>
-                <a:sysClr val="windowText" lastClr="000000"/>
-              </a:solidFill>
-            </a:endParaRPr>
-          </a:p>
-        </p:txBody>
-      </p:sp>
-      <p:sp>
-        <p:nvSpPr>
-          <p:cNvPr id="42" name="TextBox 41">
-            <a:extLst>
-              <a:ext uri="{FF2B5EF4-FFF2-40B4-BE49-F238E27FC236}">
-                <a16:creationId xmlns:a16="http://schemas.microsoft.com/office/drawing/2014/main" id="{6EC5524D-3B2F-3630-913F-BF8E66FF3BF6}"/>
-              </a:ext>
-            </a:extLst>
-          </p:cNvPr>
-          <p:cNvSpPr txBox="1"/>
+              <a:t>JavaScript Viz</a:t>
+            </a:r>
+          </a:p>
+        </p:txBody>
+      </p:sp>
+      <p:sp>
+        <p:nvSpPr>
+          <p:cNvPr id="32" name="Rectangle 31">
+            <a:extLst>
+              <a:ext uri="{FF2B5EF4-FFF2-40B4-BE49-F238E27FC236}">
+                <a16:creationId xmlns:a16="http://schemas.microsoft.com/office/drawing/2014/main" id="{0E1AA61E-50F2-2EB6-2653-25DD8FE5C5A6}"/>
+              </a:ext>
+            </a:extLst>
+          </p:cNvPr>
+          <p:cNvSpPr/>
           <p:nvPr/>
         </p:nvSpPr>
         <p:spPr>
           <a:xfrm>
-            <a:off x="8178230" y="1321356"/>
-            <a:ext cx="1153457" cy="369332"/>
+            <a:off x="6189061" y="3631669"/>
+            <a:ext cx="1097280" cy="287124"/>
           </a:xfrm>
           <a:prstGeom prst="rect">
             <a:avLst/>
           </a:prstGeom>
           <a:solidFill>
-            <a:srgbClr val="FFFF00"/>
+            <a:schemeClr val="bg2">
+              <a:lumMod val="90000"/>
+            </a:schemeClr>
           </a:solidFill>
         </p:spPr>
-        <p:txBody>
-          <a:bodyPr wrap="none" rtlCol="0">
-            <a:spAutoFit/>
-          </a:bodyPr>
-          <a:lstStyle/>
-          <a:p>
-            <a:r>
-              <a:rPr lang="en-US" dirty="0"/>
-              <a:t>Speaker: ?</a:t>
-            </a:r>
-          </a:p>
-        </p:txBody>
-      </p:sp>
+        <p:style>
+          <a:lnRef idx="2">
+            <a:schemeClr val="accent1">
+              <a:shade val="15000"/>
+            </a:schemeClr>
+          </a:lnRef>
+          <a:fillRef idx="1">
+            <a:schemeClr val="accent1"/>
+          </a:fillRef>
+          <a:effectRef idx="0">
+            <a:schemeClr val="accent1"/>
+          </a:effectRef>
+          <a:fontRef idx="minor">
+            <a:schemeClr val="lt1"/>
+          </a:fontRef>
+        </p:style>
+        <p:txBody>
+          <a:bodyPr rtlCol="0" anchor="ctr"/>
+          <a:lstStyle/>
+          <a:p>
+            <a:pPr algn="ctr"/>
+            <a:r>
+              <a:rPr lang="en-US" sz="1100" dirty="0">
+                <a:solidFill>
+                  <a:sysClr val="windowText" lastClr="000000"/>
+                </a:solidFill>
+              </a:rPr>
+              <a:t>Data (JSON)</a:t>
+            </a:r>
+          </a:p>
+        </p:txBody>
+      </p:sp>
+      <p:sp>
+        <p:nvSpPr>
+          <p:cNvPr id="33" name="Rectangle 32">
+            <a:extLst>
+              <a:ext uri="{FF2B5EF4-FFF2-40B4-BE49-F238E27FC236}">
+                <a16:creationId xmlns:a16="http://schemas.microsoft.com/office/drawing/2014/main" id="{129AD1B5-0FEB-0A20-6E35-198DAAA08320}"/>
+              </a:ext>
+            </a:extLst>
+          </p:cNvPr>
+          <p:cNvSpPr/>
+          <p:nvPr/>
+        </p:nvSpPr>
+        <p:spPr>
+          <a:xfrm>
+            <a:off x="6189061" y="4161151"/>
+            <a:ext cx="1097280" cy="287124"/>
+          </a:xfrm>
+          <a:prstGeom prst="rect">
+            <a:avLst/>
+          </a:prstGeom>
+          <a:solidFill>
+            <a:schemeClr val="bg2">
+              <a:lumMod val="90000"/>
+            </a:schemeClr>
+          </a:solidFill>
+        </p:spPr>
+        <p:style>
+          <a:lnRef idx="2">
+            <a:schemeClr val="accent1">
+              <a:shade val="15000"/>
+            </a:schemeClr>
+          </a:lnRef>
+          <a:fillRef idx="1">
+            <a:schemeClr val="accent1"/>
+          </a:fillRef>
+          <a:effectRef idx="0">
+            <a:schemeClr val="accent1"/>
+          </a:effectRef>
+          <a:fontRef idx="minor">
+            <a:schemeClr val="lt1"/>
+          </a:fontRef>
+        </p:style>
+        <p:txBody>
+          <a:bodyPr rtlCol="0" anchor="ctr"/>
+          <a:lstStyle/>
+          <a:p>
+            <a:pPr algn="ctr"/>
+            <a:r>
+              <a:rPr lang="en-US" sz="1100" dirty="0">
+                <a:solidFill>
+                  <a:sysClr val="windowText" lastClr="000000"/>
+                </a:solidFill>
+              </a:rPr>
+              <a:t>API (Flask)</a:t>
+            </a:r>
+          </a:p>
+        </p:txBody>
+      </p:sp>
+      <p:cxnSp>
+        <p:nvCxnSpPr>
+          <p:cNvPr id="34" name="Straight Arrow Connector 33">
+            <a:extLst>
+              <a:ext uri="{FF2B5EF4-FFF2-40B4-BE49-F238E27FC236}">
+                <a16:creationId xmlns:a16="http://schemas.microsoft.com/office/drawing/2014/main" id="{C554F5C2-F282-B61A-FB9F-7C30E65A4EA6}"/>
+              </a:ext>
+            </a:extLst>
+          </p:cNvPr>
+          <p:cNvCxnSpPr>
+            <a:cxnSpLocks/>
+            <a:stCxn id="17" idx="1"/>
+            <a:endCxn id="31" idx="3"/>
+          </p:cNvCxnSpPr>
+          <p:nvPr/>
+        </p:nvCxnSpPr>
+        <p:spPr>
+          <a:xfrm flipH="1">
+            <a:off x="7286341" y="5855822"/>
+            <a:ext cx="2674020" cy="0"/>
+          </a:xfrm>
+          <a:prstGeom prst="straightConnector1">
+            <a:avLst/>
+          </a:prstGeom>
+          <a:ln>
+            <a:tailEnd type="triangle"/>
+          </a:ln>
+        </p:spPr>
+        <p:style>
+          <a:lnRef idx="1">
+            <a:schemeClr val="accent1"/>
+          </a:lnRef>
+          <a:fillRef idx="0">
+            <a:schemeClr val="accent1"/>
+          </a:fillRef>
+          <a:effectRef idx="0">
+            <a:schemeClr val="accent1"/>
+          </a:effectRef>
+          <a:fontRef idx="minor">
+            <a:schemeClr val="tx1"/>
+          </a:fontRef>
+        </p:style>
+      </p:cxnSp>
+      <p:cxnSp>
+        <p:nvCxnSpPr>
+          <p:cNvPr id="35" name="Straight Arrow Connector 34">
+            <a:extLst>
+              <a:ext uri="{FF2B5EF4-FFF2-40B4-BE49-F238E27FC236}">
+                <a16:creationId xmlns:a16="http://schemas.microsoft.com/office/drawing/2014/main" id="{687602FF-AE7D-CDE9-3735-BCA35F60B8B9}"/>
+              </a:ext>
+            </a:extLst>
+          </p:cNvPr>
+          <p:cNvCxnSpPr>
+            <a:cxnSpLocks/>
+            <a:endCxn id="33" idx="0"/>
+          </p:cNvCxnSpPr>
+          <p:nvPr/>
+        </p:nvCxnSpPr>
+        <p:spPr>
+          <a:xfrm>
+            <a:off x="6737701" y="3918793"/>
+            <a:ext cx="0" cy="242358"/>
+          </a:xfrm>
+          <a:prstGeom prst="straightConnector1">
+            <a:avLst/>
+          </a:prstGeom>
+          <a:ln>
+            <a:tailEnd type="triangle"/>
+          </a:ln>
+        </p:spPr>
+        <p:style>
+          <a:lnRef idx="1">
+            <a:schemeClr val="accent1"/>
+          </a:lnRef>
+          <a:fillRef idx="0">
+            <a:schemeClr val="accent1"/>
+          </a:fillRef>
+          <a:effectRef idx="0">
+            <a:schemeClr val="accent1"/>
+          </a:effectRef>
+          <a:fontRef idx="minor">
+            <a:schemeClr val="tx1"/>
+          </a:fontRef>
+        </p:style>
+      </p:cxnSp>
+      <p:cxnSp>
+        <p:nvCxnSpPr>
+          <p:cNvPr id="36" name="Straight Arrow Connector 35">
+            <a:extLst>
+              <a:ext uri="{FF2B5EF4-FFF2-40B4-BE49-F238E27FC236}">
+                <a16:creationId xmlns:a16="http://schemas.microsoft.com/office/drawing/2014/main" id="{4B0612CC-24CC-5442-4E23-4DCB8A099664}"/>
+              </a:ext>
+            </a:extLst>
+          </p:cNvPr>
+          <p:cNvCxnSpPr>
+            <a:cxnSpLocks/>
+            <a:endCxn id="30" idx="0"/>
+          </p:cNvCxnSpPr>
+          <p:nvPr/>
+        </p:nvCxnSpPr>
+        <p:spPr>
+          <a:xfrm>
+            <a:off x="6737701" y="4448275"/>
+            <a:ext cx="1" cy="331349"/>
+          </a:xfrm>
+          <a:prstGeom prst="straightConnector1">
+            <a:avLst/>
+          </a:prstGeom>
+          <a:ln>
+            <a:tailEnd type="triangle"/>
+          </a:ln>
+        </p:spPr>
+        <p:style>
+          <a:lnRef idx="1">
+            <a:schemeClr val="accent1"/>
+          </a:lnRef>
+          <a:fillRef idx="0">
+            <a:schemeClr val="accent1"/>
+          </a:fillRef>
+          <a:effectRef idx="0">
+            <a:schemeClr val="accent1"/>
+          </a:effectRef>
+          <a:fontRef idx="minor">
+            <a:schemeClr val="tx1"/>
+          </a:fontRef>
+        </p:style>
+      </p:cxnSp>
+      <p:cxnSp>
+        <p:nvCxnSpPr>
+          <p:cNvPr id="37" name="Straight Arrow Connector 36">
+            <a:extLst>
+              <a:ext uri="{FF2B5EF4-FFF2-40B4-BE49-F238E27FC236}">
+                <a16:creationId xmlns:a16="http://schemas.microsoft.com/office/drawing/2014/main" id="{8B769554-4594-B219-114D-013704745A63}"/>
+              </a:ext>
+            </a:extLst>
+          </p:cNvPr>
+          <p:cNvCxnSpPr>
+            <a:cxnSpLocks/>
+            <a:endCxn id="32" idx="3"/>
+          </p:cNvCxnSpPr>
+          <p:nvPr/>
+        </p:nvCxnSpPr>
+        <p:spPr>
+          <a:xfrm flipH="1">
+            <a:off x="7286341" y="3741778"/>
+            <a:ext cx="889777" cy="33453"/>
+          </a:xfrm>
+          <a:prstGeom prst="straightConnector1">
+            <a:avLst/>
+          </a:prstGeom>
+          <a:ln>
+            <a:tailEnd type="triangle"/>
+          </a:ln>
+        </p:spPr>
+        <p:style>
+          <a:lnRef idx="1">
+            <a:schemeClr val="accent1"/>
+          </a:lnRef>
+          <a:fillRef idx="0">
+            <a:schemeClr val="accent1"/>
+          </a:fillRef>
+          <a:effectRef idx="0">
+            <a:schemeClr val="accent1"/>
+          </a:effectRef>
+          <a:fontRef idx="minor">
+            <a:schemeClr val="tx1"/>
+          </a:fontRef>
+        </p:style>
+      </p:cxnSp>
+      <p:graphicFrame>
+        <p:nvGraphicFramePr>
+          <p:cNvPr id="40" name="Table 40">
+            <a:extLst>
+              <a:ext uri="{FF2B5EF4-FFF2-40B4-BE49-F238E27FC236}">
+                <a16:creationId xmlns:a16="http://schemas.microsoft.com/office/drawing/2014/main" id="{C8A8A70D-4949-78B1-C632-B1CD6DC13FBA}"/>
+              </a:ext>
+            </a:extLst>
+          </p:cNvPr>
+          <p:cNvGraphicFramePr>
+            <a:graphicFrameLocks noGrp="1"/>
+          </p:cNvGraphicFramePr>
+          <p:nvPr>
+            <p:extLst>
+              <p:ext uri="{D42A27DB-BD31-4B8C-83A1-F6EECF244321}">
+                <p14:modId xmlns:p14="http://schemas.microsoft.com/office/powerpoint/2010/main" val="4258417058"/>
+              </p:ext>
+            </p:extLst>
+          </p:nvPr>
+        </p:nvGraphicFramePr>
+        <p:xfrm>
+          <a:off x="4905053" y="390418"/>
+          <a:ext cx="6519812" cy="1429869"/>
+        </p:xfrm>
+        <a:graphic>
+          <a:graphicData uri="http://schemas.openxmlformats.org/drawingml/2006/table">
+            <a:tbl>
+              <a:tblPr firstRow="1" bandRow="1">
+                <a:tableStyleId>{5C22544A-7EE6-4342-B048-85BDC9FD1C3A}</a:tableStyleId>
+              </a:tblPr>
+              <a:tblGrid>
+                <a:gridCol w="1629953">
+                  <a:extLst>
+                    <a:ext uri="{9D8B030D-6E8A-4147-A177-3AD203B41FA5}">
+                      <a16:colId xmlns:a16="http://schemas.microsoft.com/office/drawing/2014/main" val="888022083"/>
+                    </a:ext>
+                  </a:extLst>
+                </a:gridCol>
+                <a:gridCol w="1629953">
+                  <a:extLst>
+                    <a:ext uri="{9D8B030D-6E8A-4147-A177-3AD203B41FA5}">
+                      <a16:colId xmlns:a16="http://schemas.microsoft.com/office/drawing/2014/main" val="3565646232"/>
+                    </a:ext>
+                  </a:extLst>
+                </a:gridCol>
+                <a:gridCol w="1629953">
+                  <a:extLst>
+                    <a:ext uri="{9D8B030D-6E8A-4147-A177-3AD203B41FA5}">
+                      <a16:colId xmlns:a16="http://schemas.microsoft.com/office/drawing/2014/main" val="2621763903"/>
+                    </a:ext>
+                  </a:extLst>
+                </a:gridCol>
+                <a:gridCol w="1629953">
+                  <a:extLst>
+                    <a:ext uri="{9D8B030D-6E8A-4147-A177-3AD203B41FA5}">
+                      <a16:colId xmlns:a16="http://schemas.microsoft.com/office/drawing/2014/main" val="1524814960"/>
+                    </a:ext>
+                  </a:extLst>
+                </a:gridCol>
+              </a:tblGrid>
+              <a:tr h="335374">
+                <a:tc gridSpan="2">
+                  <a:txBody>
+                    <a:bodyPr/>
+                    <a:lstStyle/>
+                    <a:p>
+                      <a:r>
+                        <a:rPr lang="en-US" dirty="0">
+                          <a:solidFill>
+                            <a:schemeClr val="bg2">
+                              <a:lumMod val="50000"/>
+                            </a:schemeClr>
+                          </a:solidFill>
+                        </a:rPr>
+                        <a:t>Tech</a:t>
+                      </a:r>
+                    </a:p>
+                  </a:txBody>
+                  <a:tcPr>
+                    <a:lnL w="12700" cmpd="sng">
+                      <a:noFill/>
+                    </a:lnL>
+                    <a:lnR w="12700" cap="flat" cmpd="sng" algn="ctr">
+                      <a:solidFill>
+                        <a:schemeClr val="bg2">
+                          <a:lumMod val="75000"/>
+                        </a:schemeClr>
+                      </a:solidFill>
+                      <a:prstDash val="solid"/>
+                      <a:round/>
+                      <a:headEnd type="none" w="med" len="med"/>
+                      <a:tailEnd type="none" w="med" len="med"/>
+                    </a:lnR>
+                    <a:lnT w="12700" cmpd="sng">
+                      <a:noFill/>
+                    </a:lnT>
+                    <a:lnB w="12700" cap="flat" cmpd="sng" algn="ctr">
+                      <a:solidFill>
+                        <a:schemeClr val="bg2">
+                          <a:lumMod val="75000"/>
+                        </a:schemeClr>
+                      </a:solidFill>
+                      <a:prstDash val="solid"/>
+                      <a:round/>
+                      <a:headEnd type="none" w="med" len="med"/>
+                      <a:tailEnd type="none" w="med" len="med"/>
+                    </a:lnB>
+                    <a:lnTlToBr w="12700" cmpd="sng">
+                      <a:noFill/>
+                      <a:prstDash val="solid"/>
+                    </a:lnTlToBr>
+                    <a:lnBlToTr w="12700" cmpd="sng">
+                      <a:noFill/>
+                      <a:prstDash val="solid"/>
+                    </a:lnBlToTr>
+                    <a:noFill/>
+                  </a:tcPr>
+                </a:tc>
+                <a:tc hMerge="1">
+                  <a:txBody>
+                    <a:bodyPr/>
+                    <a:lstStyle/>
+                    <a:p>
+                      <a:endParaRPr lang="en-US" dirty="0"/>
+                    </a:p>
+                  </a:txBody>
+                  <a:tcPr/>
+                </a:tc>
+                <a:tc gridSpan="2">
+                  <a:txBody>
+                    <a:bodyPr/>
+                    <a:lstStyle/>
+                    <a:p>
+                      <a:r>
+                        <a:rPr lang="en-US" dirty="0">
+                          <a:solidFill>
+                            <a:schemeClr val="bg2">
+                              <a:lumMod val="50000"/>
+                            </a:schemeClr>
+                          </a:solidFill>
+                        </a:rPr>
+                        <a:t>Services</a:t>
+                      </a:r>
+                    </a:p>
+                  </a:txBody>
+                  <a:tcPr>
+                    <a:lnL w="12700" cap="flat" cmpd="sng" algn="ctr">
+                      <a:solidFill>
+                        <a:schemeClr val="bg2">
+                          <a:lumMod val="75000"/>
+                        </a:schemeClr>
+                      </a:solidFill>
+                      <a:prstDash val="solid"/>
+                      <a:round/>
+                      <a:headEnd type="none" w="med" len="med"/>
+                      <a:tailEnd type="none" w="med" len="med"/>
+                    </a:lnL>
+                    <a:lnR w="12700" cmpd="sng">
+                      <a:noFill/>
+                    </a:lnR>
+                    <a:lnT w="12700" cmpd="sng">
+                      <a:noFill/>
+                    </a:lnT>
+                    <a:lnB w="12700" cap="flat" cmpd="sng" algn="ctr">
+                      <a:solidFill>
+                        <a:schemeClr val="bg2">
+                          <a:lumMod val="75000"/>
+                        </a:schemeClr>
+                      </a:solidFill>
+                      <a:prstDash val="solid"/>
+                      <a:round/>
+                      <a:headEnd type="none" w="med" len="med"/>
+                      <a:tailEnd type="none" w="med" len="med"/>
+                    </a:lnB>
+                    <a:lnTlToBr w="12700" cmpd="sng">
+                      <a:noFill/>
+                      <a:prstDash val="solid"/>
+                    </a:lnTlToBr>
+                    <a:lnBlToTr w="12700" cmpd="sng">
+                      <a:noFill/>
+                      <a:prstDash val="solid"/>
+                    </a:lnBlToTr>
+                    <a:noFill/>
+                  </a:tcPr>
+                </a:tc>
+                <a:tc hMerge="1">
+                  <a:txBody>
+                    <a:bodyPr/>
+                    <a:lstStyle/>
+                    <a:p>
+                      <a:endParaRPr lang="en-US" dirty="0"/>
+                    </a:p>
+                  </a:txBody>
+                  <a:tcPr/>
+                </a:tc>
+                <a:extLst>
+                  <a:ext uri="{0D108BD9-81ED-4DB2-BD59-A6C34878D82A}">
+                    <a16:rowId xmlns:a16="http://schemas.microsoft.com/office/drawing/2014/main" val="1692039877"/>
+                  </a:ext>
+                </a:extLst>
+              </a:tr>
+              <a:tr h="1064109">
+                <a:tc>
+                  <a:txBody>
+                    <a:bodyPr/>
+                    <a:lstStyle/>
+                    <a:p>
+                      <a:r>
+                        <a:rPr lang="en-US" sz="1200" dirty="0">
+                          <a:solidFill>
+                            <a:schemeClr val="bg2">
+                              <a:lumMod val="50000"/>
+                            </a:schemeClr>
+                          </a:solidFill>
+                        </a:rPr>
+                        <a:t>Python</a:t>
+                      </a:r>
+                    </a:p>
+                    <a:p>
+                      <a:r>
+                        <a:rPr lang="en-US" sz="1200" dirty="0">
+                          <a:solidFill>
+                            <a:schemeClr val="bg2">
+                              <a:lumMod val="50000"/>
+                            </a:schemeClr>
+                          </a:solidFill>
+                        </a:rPr>
+                        <a:t>JavaScript</a:t>
+                      </a:r>
+                    </a:p>
+                    <a:p>
+                      <a:r>
+                        <a:rPr lang="en-US" sz="1200" dirty="0">
+                          <a:solidFill>
+                            <a:schemeClr val="bg2">
+                              <a:lumMod val="50000"/>
+                            </a:schemeClr>
+                          </a:solidFill>
+                        </a:rPr>
+                        <a:t>MySQL</a:t>
+                      </a:r>
+                    </a:p>
+                    <a:p>
+                      <a:r>
+                        <a:rPr lang="en-US" sz="1200" dirty="0">
+                          <a:solidFill>
+                            <a:schemeClr val="bg2">
+                              <a:lumMod val="50000"/>
+                            </a:schemeClr>
+                          </a:solidFill>
+                        </a:rPr>
+                        <a:t>HTML</a:t>
+                      </a:r>
+                    </a:p>
+                  </a:txBody>
+                  <a:tcPr>
+                    <a:lnL w="12700" cmpd="sng">
+                      <a:noFill/>
+                    </a:lnL>
+                    <a:lnR w="12700" cmpd="sng">
+                      <a:noFill/>
+                    </a:lnR>
+                    <a:lnT w="12700" cap="flat" cmpd="sng" algn="ctr">
+                      <a:solidFill>
+                        <a:schemeClr val="bg2">
+                          <a:lumMod val="75000"/>
+                        </a:schemeClr>
+                      </a:solidFill>
+                      <a:prstDash val="solid"/>
+                      <a:round/>
+                      <a:headEnd type="none" w="med" len="med"/>
+                      <a:tailEnd type="none" w="med" len="med"/>
+                    </a:lnT>
+                    <a:lnB w="12700" cmpd="sng">
+                      <a:noFill/>
+                    </a:lnB>
+                    <a:lnTlToBr w="12700" cmpd="sng">
+                      <a:noFill/>
+                      <a:prstDash val="solid"/>
+                    </a:lnTlToBr>
+                    <a:lnBlToTr w="12700" cmpd="sng">
+                      <a:noFill/>
+                      <a:prstDash val="solid"/>
+                    </a:lnBlToTr>
+                    <a:noFill/>
+                  </a:tcPr>
+                </a:tc>
+                <a:tc>
+                  <a:txBody>
+                    <a:bodyPr/>
+                    <a:lstStyle/>
+                    <a:p>
+                      <a:r>
+                        <a:rPr lang="en-US" sz="1200" dirty="0">
+                          <a:solidFill>
+                            <a:schemeClr val="bg2">
+                              <a:lumMod val="50000"/>
+                            </a:schemeClr>
+                          </a:solidFill>
+                        </a:rPr>
+                        <a:t>Docker compose / Docker Desktop</a:t>
+                      </a:r>
+                    </a:p>
+                    <a:p>
+                      <a:r>
+                        <a:rPr lang="en-US" sz="1200" dirty="0">
+                          <a:solidFill>
+                            <a:schemeClr val="bg2">
+                              <a:lumMod val="50000"/>
+                            </a:schemeClr>
+                          </a:solidFill>
+                        </a:rPr>
+                        <a:t>Flask</a:t>
+                      </a:r>
+                    </a:p>
+                    <a:p>
+                      <a:r>
+                        <a:rPr lang="en-US" sz="1200" dirty="0" err="1">
+                          <a:solidFill>
+                            <a:schemeClr val="bg2">
+                              <a:lumMod val="50000"/>
+                            </a:schemeClr>
+                          </a:solidFill>
+                        </a:rPr>
+                        <a:t>BeautifulSoup</a:t>
+                      </a:r>
+                      <a:endParaRPr lang="en-US" sz="1200" dirty="0">
+                        <a:solidFill>
+                          <a:schemeClr val="bg2">
+                            <a:lumMod val="50000"/>
+                          </a:schemeClr>
+                        </a:solidFill>
+                      </a:endParaRPr>
+                    </a:p>
+                  </a:txBody>
+                  <a:tcPr>
+                    <a:lnL w="12700" cmpd="sng">
+                      <a:noFill/>
+                    </a:lnL>
+                    <a:lnR w="12700" cap="flat" cmpd="sng" algn="ctr">
+                      <a:solidFill>
+                        <a:schemeClr val="bg2">
+                          <a:lumMod val="75000"/>
+                        </a:schemeClr>
+                      </a:solidFill>
+                      <a:prstDash val="solid"/>
+                      <a:round/>
+                      <a:headEnd type="none" w="med" len="med"/>
+                      <a:tailEnd type="none" w="med" len="med"/>
+                    </a:lnR>
+                    <a:lnT w="12700" cap="flat" cmpd="sng" algn="ctr">
+                      <a:solidFill>
+                        <a:schemeClr val="bg2">
+                          <a:lumMod val="75000"/>
+                        </a:schemeClr>
+                      </a:solidFill>
+                      <a:prstDash val="solid"/>
+                      <a:round/>
+                      <a:headEnd type="none" w="med" len="med"/>
+                      <a:tailEnd type="none" w="med" len="med"/>
+                    </a:lnT>
+                    <a:lnB w="12700" cmpd="sng">
+                      <a:noFill/>
+                    </a:lnB>
+                    <a:lnTlToBr w="12700" cmpd="sng">
+                      <a:noFill/>
+                      <a:prstDash val="solid"/>
+                    </a:lnTlToBr>
+                    <a:lnBlToTr w="12700" cmpd="sng">
+                      <a:noFill/>
+                      <a:prstDash val="solid"/>
+                    </a:lnBlToTr>
+                    <a:noFill/>
+                  </a:tcPr>
+                </a:tc>
+                <a:tc>
+                  <a:txBody>
+                    <a:bodyPr/>
+                    <a:lstStyle/>
+                    <a:p>
+                      <a:r>
+                        <a:rPr lang="en-US" sz="1200" dirty="0">
+                          <a:solidFill>
+                            <a:schemeClr val="bg2">
+                              <a:lumMod val="50000"/>
+                            </a:schemeClr>
+                          </a:solidFill>
+                        </a:rPr>
+                        <a:t>GitHub</a:t>
+                      </a:r>
+                    </a:p>
+                    <a:p>
+                      <a:r>
+                        <a:rPr lang="en-US" sz="1200" dirty="0">
+                          <a:solidFill>
+                            <a:schemeClr val="bg2">
+                              <a:lumMod val="50000"/>
+                            </a:schemeClr>
+                          </a:solidFill>
+                        </a:rPr>
+                        <a:t>AWS (RDS, Lambda, API Gateway)</a:t>
+                      </a:r>
+                    </a:p>
+                    <a:p>
+                      <a:r>
+                        <a:rPr lang="en-US" sz="1200" dirty="0" err="1">
+                          <a:solidFill>
+                            <a:schemeClr val="bg2">
+                              <a:lumMod val="50000"/>
+                            </a:schemeClr>
+                          </a:solidFill>
+                        </a:rPr>
+                        <a:t>MySQLWorkBench</a:t>
+                      </a:r>
+                      <a:endParaRPr lang="en-US" sz="1200" dirty="0">
+                        <a:solidFill>
+                          <a:schemeClr val="bg2">
+                            <a:lumMod val="50000"/>
+                          </a:schemeClr>
+                        </a:solidFill>
+                      </a:endParaRPr>
+                    </a:p>
+                  </a:txBody>
+                  <a:tcPr>
+                    <a:lnL w="12700" cap="flat" cmpd="sng" algn="ctr">
+                      <a:solidFill>
+                        <a:schemeClr val="bg2">
+                          <a:lumMod val="75000"/>
+                        </a:schemeClr>
+                      </a:solidFill>
+                      <a:prstDash val="solid"/>
+                      <a:round/>
+                      <a:headEnd type="none" w="med" len="med"/>
+                      <a:tailEnd type="none" w="med" len="med"/>
+                    </a:lnL>
+                    <a:lnR w="12700" cmpd="sng">
+                      <a:noFill/>
+                    </a:lnR>
+                    <a:lnT w="12700" cap="flat" cmpd="sng" algn="ctr">
+                      <a:solidFill>
+                        <a:schemeClr val="bg2">
+                          <a:lumMod val="75000"/>
+                        </a:schemeClr>
+                      </a:solidFill>
+                      <a:prstDash val="solid"/>
+                      <a:round/>
+                      <a:headEnd type="none" w="med" len="med"/>
+                      <a:tailEnd type="none" w="med" len="med"/>
+                    </a:lnT>
+                    <a:lnB w="12700" cmpd="sng">
+                      <a:noFill/>
+                    </a:lnB>
+                    <a:lnTlToBr w="12700" cmpd="sng">
+                      <a:noFill/>
+                      <a:prstDash val="solid"/>
+                    </a:lnTlToBr>
+                    <a:lnBlToTr w="12700" cmpd="sng">
+                      <a:noFill/>
+                      <a:prstDash val="solid"/>
+                    </a:lnBlToTr>
+                    <a:noFill/>
+                  </a:tcPr>
+                </a:tc>
+                <a:tc>
+                  <a:txBody>
+                    <a:bodyPr/>
+                    <a:lstStyle/>
+                    <a:p>
+                      <a:endParaRPr lang="en-US" sz="1200" dirty="0">
+                        <a:solidFill>
+                          <a:schemeClr val="bg2">
+                            <a:lumMod val="50000"/>
+                          </a:schemeClr>
+                        </a:solidFill>
+                      </a:endParaRPr>
+                    </a:p>
+                  </a:txBody>
+                  <a:tcPr>
+                    <a:lnL w="12700" cmpd="sng">
+                      <a:noFill/>
+                    </a:lnL>
+                    <a:lnR w="12700" cmpd="sng">
+                      <a:noFill/>
+                    </a:lnR>
+                    <a:lnT w="12700" cap="flat" cmpd="sng" algn="ctr">
+                      <a:solidFill>
+                        <a:schemeClr val="bg2">
+                          <a:lumMod val="75000"/>
+                        </a:schemeClr>
+                      </a:solidFill>
+                      <a:prstDash val="solid"/>
+                      <a:round/>
+                      <a:headEnd type="none" w="med" len="med"/>
+                      <a:tailEnd type="none" w="med" len="med"/>
+                    </a:lnT>
+                    <a:lnB w="12700" cmpd="sng">
+                      <a:noFill/>
+                    </a:lnB>
+                    <a:lnTlToBr w="12700" cmpd="sng">
+                      <a:noFill/>
+                      <a:prstDash val="solid"/>
+                    </a:lnTlToBr>
+                    <a:lnBlToTr w="12700" cmpd="sng">
+                      <a:noFill/>
+                      <a:prstDash val="solid"/>
+                    </a:lnBlToTr>
+                    <a:noFill/>
+                  </a:tcPr>
+                </a:tc>
+                <a:extLst>
+                  <a:ext uri="{0D108BD9-81ED-4DB2-BD59-A6C34878D82A}">
+                    <a16:rowId xmlns:a16="http://schemas.microsoft.com/office/drawing/2014/main" val="1516398342"/>
+                  </a:ext>
+                </a:extLst>
+              </a:tr>
+            </a:tbl>
+          </a:graphicData>
+        </a:graphic>
+      </p:graphicFrame>
     </p:spTree>
     <p:extLst>
       <p:ext uri="{BB962C8B-B14F-4D97-AF65-F5344CB8AC3E}">
-        <p14:creationId xmlns:p14="http://schemas.microsoft.com/office/powerpoint/2010/main" val="3223421633"/>
+        <p14:creationId xmlns:p14="http://schemas.microsoft.com/office/powerpoint/2010/main" val="434464024"/>
       </p:ext>
     </p:extLst>
   </p:cSld>
@@ -4905,6 +7373,14 @@
 <file path=ppt/slides/slide4.xml><?xml version="1.0" encoding="utf-8"?>
 <p:sld xmlns:a="http://schemas.openxmlformats.org/drawingml/2006/main" xmlns:r="http://schemas.openxmlformats.org/officeDocument/2006/relationships" xmlns:p="http://schemas.openxmlformats.org/presentationml/2006/main">
   <p:cSld>
+    <p:bg>
+      <p:bgPr>
+        <a:solidFill>
+          <a:schemeClr val="bg1"/>
+        </a:solidFill>
+        <a:effectLst/>
+      </p:bgPr>
+    </p:bg>
     <p:spTree>
       <p:nvGrpSpPr>
         <p:cNvPr id="1" name=""/>
@@ -4919,105 +7395,717 @@
           <a:chExt cx="0" cy="0"/>
         </a:xfrm>
       </p:grpSpPr>
-      <p:sp>
-        <p:nvSpPr>
-          <p:cNvPr id="2" name="Title 1">
-            <a:extLst>
-              <a:ext uri="{FF2B5EF4-FFF2-40B4-BE49-F238E27FC236}">
-                <a16:creationId xmlns:a16="http://schemas.microsoft.com/office/drawing/2014/main" id="{2F593DAD-33FC-DF05-CF02-E3A4353BB434}"/>
-              </a:ext>
-            </a:extLst>
-          </p:cNvPr>
-          <p:cNvSpPr>
-            <a:spLocks noGrp="1"/>
-          </p:cNvSpPr>
-          <p:nvPr>
-            <p:ph type="title"/>
-          </p:nvPr>
-        </p:nvSpPr>
-        <p:spPr/>
-        <p:txBody>
-          <a:bodyPr/>
-          <a:lstStyle/>
-          <a:p>
-            <a:r>
-              <a:rPr lang="en-US" dirty="0"/>
-              <a:t>Demo</a:t>
-            </a:r>
-          </a:p>
-        </p:txBody>
-      </p:sp>
-      <p:sp>
-        <p:nvSpPr>
-          <p:cNvPr id="3" name="Text Placeholder 2">
-            <a:extLst>
-              <a:ext uri="{FF2B5EF4-FFF2-40B4-BE49-F238E27FC236}">
-                <a16:creationId xmlns:a16="http://schemas.microsoft.com/office/drawing/2014/main" id="{30A6C6DC-B5B9-90A1-25BF-E759AE633367}"/>
-              </a:ext>
-            </a:extLst>
-          </p:cNvPr>
-          <p:cNvSpPr>
-            <a:spLocks noGrp="1"/>
-          </p:cNvSpPr>
-          <p:nvPr>
-            <p:ph type="body" idx="1"/>
-          </p:nvPr>
-        </p:nvSpPr>
-        <p:spPr/>
-        <p:txBody>
-          <a:bodyPr/>
-          <a:lstStyle/>
-          <a:p>
-            <a:r>
-              <a:rPr lang="en-US" dirty="0"/>
-              <a:t>See what we built</a:t>
-            </a:r>
-          </a:p>
-        </p:txBody>
-      </p:sp>
-      <p:sp>
-        <p:nvSpPr>
-          <p:cNvPr id="4" name="TextBox 3">
-            <a:extLst>
-              <a:ext uri="{FF2B5EF4-FFF2-40B4-BE49-F238E27FC236}">
-                <a16:creationId xmlns:a16="http://schemas.microsoft.com/office/drawing/2014/main" id="{CE192C7C-03F8-C2F6-A99E-DED1356DF683}"/>
-              </a:ext>
-            </a:extLst>
-          </p:cNvPr>
-          <p:cNvSpPr txBox="1"/>
-          <p:nvPr/>
+      <p:sp useBgFill="1">
+        <p:nvSpPr>
+          <p:cNvPr id="8" name="Rectangle 7">
+            <a:extLst>
+              <a:ext uri="{FF2B5EF4-FFF2-40B4-BE49-F238E27FC236}">
+                <a16:creationId xmlns:a16="http://schemas.microsoft.com/office/drawing/2014/main" id="{09588DA8-065E-4F6F-8EFD-43104AB2E0CF}"/>
+              </a:ext>
+              <a:ext uri="{C183D7F6-B498-43B3-948B-1728B52AA6E4}">
+                <adec:decorative xmlns:adec="http://schemas.microsoft.com/office/drawing/2017/decorative" val="1"/>
+              </a:ext>
+            </a:extLst>
+          </p:cNvPr>
+          <p:cNvSpPr>
+            <a:spLocks noGrp="1" noRot="1" noChangeAspect="1" noMove="1" noResize="1" noEditPoints="1" noAdjustHandles="1" noChangeArrowheads="1" noChangeShapeType="1" noTextEdit="1"/>
+          </p:cNvSpPr>
+          <p:nvPr>
+            <p:extLst>
+              <p:ext uri="{386F3935-93C4-4BCD-93E2-E3B085C9AB24}">
+                <p16:designElem xmlns:p16="http://schemas.microsoft.com/office/powerpoint/2015/main" val="1"/>
+              </p:ext>
+            </p:extLst>
+          </p:nvPr>
         </p:nvSpPr>
         <p:spPr>
           <a:xfrm>
-            <a:off x="359006" y="298174"/>
-            <a:ext cx="1589063" cy="307777"/>
+            <a:off x="0" y="0"/>
+            <a:ext cx="12192000" cy="6858000"/>
           </a:xfrm>
           <a:prstGeom prst="rect">
             <a:avLst/>
           </a:prstGeom>
-          <a:solidFill>
-            <a:srgbClr val="FFFF00"/>
-          </a:solidFill>
+          <a:ln w="12700" cap="flat" cmpd="sng" algn="ctr">
+            <a:noFill/>
+            <a:prstDash val="solid"/>
+            <a:miter lim="800000"/>
+          </a:ln>
+          <a:effectLst/>
+          <a:extLst>
+            <a:ext uri="{91240B29-F687-4F45-9708-019B960494DF}">
+              <a14:hiddenLine xmlns:a14="http://schemas.microsoft.com/office/drawing/2010/main" w="12700" cap="flat" cmpd="sng" algn="ctr">
+                <a:solidFill>
+                  <a:schemeClr val="accent1">
+                    <a:shade val="50000"/>
+                  </a:schemeClr>
+                </a:solidFill>
+                <a:prstDash val="solid"/>
+                <a:miter lim="800000"/>
+              </a14:hiddenLine>
+            </a:ext>
+          </a:extLst>
         </p:spPr>
-        <p:txBody>
-          <a:bodyPr wrap="square" rtlCol="0">
-            <a:spAutoFit/>
+        <p:style>
+          <a:lnRef idx="2">
+            <a:schemeClr val="accent1">
+              <a:shade val="50000"/>
+            </a:schemeClr>
+          </a:lnRef>
+          <a:fillRef idx="1">
+            <a:schemeClr val="accent1"/>
+          </a:fillRef>
+          <a:effectRef idx="0">
+            <a:schemeClr val="accent1"/>
+          </a:effectRef>
+          <a:fontRef idx="minor">
+            <a:schemeClr val="lt1"/>
+          </a:fontRef>
+        </p:style>
+        <p:txBody>
+          <a:bodyPr rtlCol="0" anchor="ctr"/>
+          <a:lstStyle/>
+          <a:p>
+            <a:pPr algn="ctr"/>
+            <a:endParaRPr lang="en-US"/>
+          </a:p>
+        </p:txBody>
+      </p:sp>
+      <p:sp useBgFill="1">
+        <p:nvSpPr>
+          <p:cNvPr id="10" name="Rectangle 9">
+            <a:extLst>
+              <a:ext uri="{FF2B5EF4-FFF2-40B4-BE49-F238E27FC236}">
+                <a16:creationId xmlns:a16="http://schemas.microsoft.com/office/drawing/2014/main" id="{C4285719-470E-454C-AF62-8323075F1F5B}"/>
+              </a:ext>
+              <a:ext uri="{C183D7F6-B498-43B3-948B-1728B52AA6E4}">
+                <adec:decorative xmlns:adec="http://schemas.microsoft.com/office/drawing/2017/decorative" val="1"/>
+              </a:ext>
+            </a:extLst>
+          </p:cNvPr>
+          <p:cNvSpPr>
+            <a:spLocks noGrp="1" noRot="1" noChangeAspect="1" noMove="1" noResize="1" noEditPoints="1" noAdjustHandles="1" noChangeArrowheads="1" noChangeShapeType="1" noTextEdit="1"/>
+          </p:cNvSpPr>
+          <p:nvPr>
+            <p:extLst>
+              <p:ext uri="{386F3935-93C4-4BCD-93E2-E3B085C9AB24}">
+                <p16:designElem xmlns:p16="http://schemas.microsoft.com/office/powerpoint/2015/main" val="1"/>
+              </p:ext>
+            </p:extLst>
+          </p:nvPr>
+        </p:nvSpPr>
+        <p:spPr>
+          <a:xfrm>
+            <a:off x="0" y="0"/>
+            <a:ext cx="12188952" cy="6858000"/>
+          </a:xfrm>
+          <a:prstGeom prst="rect">
+            <a:avLst/>
+          </a:prstGeom>
+          <a:ln w="12700" cap="flat" cmpd="sng" algn="ctr">
+            <a:noFill/>
+            <a:prstDash val="solid"/>
+            <a:miter lim="800000"/>
+          </a:ln>
+          <a:effectLst/>
+          <a:extLst>
+            <a:ext uri="{91240B29-F687-4F45-9708-019B960494DF}">
+              <a14:hiddenLine xmlns:a14="http://schemas.microsoft.com/office/drawing/2010/main" w="12700" cap="flat" cmpd="sng" algn="ctr">
+                <a:solidFill>
+                  <a:schemeClr val="accent1">
+                    <a:shade val="50000"/>
+                  </a:schemeClr>
+                </a:solidFill>
+                <a:prstDash val="solid"/>
+                <a:miter lim="800000"/>
+              </a14:hiddenLine>
+            </a:ext>
+          </a:extLst>
+        </p:spPr>
+        <p:style>
+          <a:lnRef idx="2">
+            <a:schemeClr val="accent1">
+              <a:shade val="50000"/>
+            </a:schemeClr>
+          </a:lnRef>
+          <a:fillRef idx="1">
+            <a:schemeClr val="accent1"/>
+          </a:fillRef>
+          <a:effectRef idx="0">
+            <a:schemeClr val="accent1"/>
+          </a:effectRef>
+          <a:fontRef idx="minor">
+            <a:schemeClr val="lt1"/>
+          </a:fontRef>
+        </p:style>
+        <p:txBody>
+          <a:bodyPr rtlCol="0" anchor="ctr"/>
+          <a:lstStyle/>
+          <a:p>
+            <a:pPr algn="ctr"/>
+            <a:endParaRPr lang="en-US"/>
+          </a:p>
+        </p:txBody>
+      </p:sp>
+      <p:sp>
+        <p:nvSpPr>
+          <p:cNvPr id="12" name="Rectangle 11">
+            <a:extLst>
+              <a:ext uri="{FF2B5EF4-FFF2-40B4-BE49-F238E27FC236}">
+                <a16:creationId xmlns:a16="http://schemas.microsoft.com/office/drawing/2014/main" id="{CD9FE4EF-C4D8-49A0-B2FF-81D8DB7D8A24}"/>
+              </a:ext>
+              <a:ext uri="{C183D7F6-B498-43B3-948B-1728B52AA6E4}">
+                <adec:decorative xmlns:adec="http://schemas.microsoft.com/office/drawing/2017/decorative" val="1"/>
+              </a:ext>
+            </a:extLst>
+          </p:cNvPr>
+          <p:cNvSpPr>
+            <a:spLocks noGrp="1" noRot="1" noChangeAspect="1" noMove="1" noResize="1" noEditPoints="1" noAdjustHandles="1" noChangeArrowheads="1" noChangeShapeType="1" noTextEdit="1"/>
+          </p:cNvSpPr>
+          <p:nvPr>
+            <p:extLst>
+              <p:ext uri="{386F3935-93C4-4BCD-93E2-E3B085C9AB24}">
+                <p16:designElem xmlns:p16="http://schemas.microsoft.com/office/powerpoint/2015/main" val="1"/>
+              </p:ext>
+            </p:extLst>
+          </p:nvPr>
+        </p:nvSpPr>
+        <p:spPr>
+          <a:xfrm rot="5400000" flipH="1">
+            <a:off x="-1410084" y="1410082"/>
+            <a:ext cx="6858000" cy="4037836"/>
+          </a:xfrm>
+          <a:prstGeom prst="rect">
+            <a:avLst/>
+          </a:prstGeom>
+          <a:gradFill>
+            <a:gsLst>
+              <a:gs pos="8000">
+                <a:srgbClr val="000000"/>
+              </a:gs>
+              <a:gs pos="100000">
+                <a:schemeClr val="accent1">
+                  <a:lumMod val="75000"/>
+                </a:schemeClr>
+              </a:gs>
+            </a:gsLst>
+            <a:lin ang="3000000" scaled="0"/>
+          </a:gradFill>
+          <a:ln>
+            <a:noFill/>
+          </a:ln>
+        </p:spPr>
+        <p:style>
+          <a:lnRef idx="2">
+            <a:schemeClr val="accent1">
+              <a:shade val="50000"/>
+            </a:schemeClr>
+          </a:lnRef>
+          <a:fillRef idx="1">
+            <a:schemeClr val="accent1"/>
+          </a:fillRef>
+          <a:effectRef idx="0">
+            <a:schemeClr val="accent1"/>
+          </a:effectRef>
+          <a:fontRef idx="minor">
+            <a:schemeClr val="lt1"/>
+          </a:fontRef>
+        </p:style>
+        <p:txBody>
+          <a:bodyPr rtlCol="0" anchor="ctr"/>
+          <a:lstStyle/>
+          <a:p>
+            <a:pPr algn="ctr"/>
+            <a:endParaRPr lang="en-US"/>
+          </a:p>
+        </p:txBody>
+      </p:sp>
+      <p:sp>
+        <p:nvSpPr>
+          <p:cNvPr id="14" name="Rectangle 13">
+            <a:extLst>
+              <a:ext uri="{FF2B5EF4-FFF2-40B4-BE49-F238E27FC236}">
+                <a16:creationId xmlns:a16="http://schemas.microsoft.com/office/drawing/2014/main" id="{4300840D-0A0B-4512-BACA-B439D5B9C57C}"/>
+              </a:ext>
+              <a:ext uri="{C183D7F6-B498-43B3-948B-1728B52AA6E4}">
+                <adec:decorative xmlns:adec="http://schemas.microsoft.com/office/drawing/2017/decorative" val="1"/>
+              </a:ext>
+            </a:extLst>
+          </p:cNvPr>
+          <p:cNvSpPr>
+            <a:spLocks noGrp="1" noRot="1" noChangeAspect="1" noMove="1" noResize="1" noEditPoints="1" noAdjustHandles="1" noChangeArrowheads="1" noChangeShapeType="1" noTextEdit="1"/>
+          </p:cNvSpPr>
+          <p:nvPr>
+            <p:extLst>
+              <p:ext uri="{386F3935-93C4-4BCD-93E2-E3B085C9AB24}">
+                <p16:designElem xmlns:p16="http://schemas.microsoft.com/office/powerpoint/2015/main" val="1"/>
+              </p:ext>
+            </p:extLst>
+          </p:nvPr>
+        </p:nvSpPr>
+        <p:spPr>
+          <a:xfrm rot="5400000" flipH="1">
+            <a:off x="-1410085" y="1420219"/>
+            <a:ext cx="6857999" cy="4037839"/>
+          </a:xfrm>
+          <a:prstGeom prst="rect">
+            <a:avLst/>
+          </a:prstGeom>
+          <a:gradFill>
+            <a:gsLst>
+              <a:gs pos="0">
+                <a:srgbClr val="000000">
+                  <a:alpha val="0"/>
+                </a:srgbClr>
+              </a:gs>
+              <a:gs pos="99000">
+                <a:schemeClr val="accent1">
+                  <a:alpha val="46000"/>
+                </a:schemeClr>
+              </a:gs>
+            </a:gsLst>
+            <a:lin ang="1800000" scaled="0"/>
+          </a:gradFill>
+          <a:ln>
+            <a:noFill/>
+          </a:ln>
+        </p:spPr>
+        <p:style>
+          <a:lnRef idx="2">
+            <a:schemeClr val="accent1">
+              <a:shade val="50000"/>
+            </a:schemeClr>
+          </a:lnRef>
+          <a:fillRef idx="1">
+            <a:schemeClr val="accent1"/>
+          </a:fillRef>
+          <a:effectRef idx="0">
+            <a:schemeClr val="accent1"/>
+          </a:effectRef>
+          <a:fontRef idx="minor">
+            <a:schemeClr val="lt1"/>
+          </a:fontRef>
+        </p:style>
+        <p:txBody>
+          <a:bodyPr rtlCol="0" anchor="ctr"/>
+          <a:lstStyle/>
+          <a:p>
+            <a:pPr algn="ctr"/>
+            <a:endParaRPr lang="en-US"/>
+          </a:p>
+        </p:txBody>
+      </p:sp>
+      <p:sp>
+        <p:nvSpPr>
+          <p:cNvPr id="16" name="Rectangle 15">
+            <a:extLst>
+              <a:ext uri="{FF2B5EF4-FFF2-40B4-BE49-F238E27FC236}">
+                <a16:creationId xmlns:a16="http://schemas.microsoft.com/office/drawing/2014/main" id="{D2B78728-A580-49A7-84F9-6EF6F583ADE0}"/>
+              </a:ext>
+              <a:ext uri="{C183D7F6-B498-43B3-948B-1728B52AA6E4}">
+                <adec:decorative xmlns:adec="http://schemas.microsoft.com/office/drawing/2017/decorative" val="1"/>
+              </a:ext>
+            </a:extLst>
+          </p:cNvPr>
+          <p:cNvSpPr>
+            <a:spLocks noGrp="1" noRot="1" noChangeAspect="1" noMove="1" noResize="1" noEditPoints="1" noAdjustHandles="1" noChangeArrowheads="1" noChangeShapeType="1" noTextEdit="1"/>
+          </p:cNvSpPr>
+          <p:nvPr>
+            <p:extLst>
+              <p:ext uri="{386F3935-93C4-4BCD-93E2-E3B085C9AB24}">
+                <p16:designElem xmlns:p16="http://schemas.microsoft.com/office/powerpoint/2015/main" val="1"/>
+              </p:ext>
+            </p:extLst>
+          </p:nvPr>
+        </p:nvSpPr>
+        <p:spPr>
+          <a:xfrm rot="5400000" flipH="1">
+            <a:off x="767923" y="3588085"/>
+            <a:ext cx="2501979" cy="4037841"/>
+          </a:xfrm>
+          <a:prstGeom prst="rect">
+            <a:avLst/>
+          </a:prstGeom>
+          <a:gradFill>
+            <a:gsLst>
+              <a:gs pos="2000">
+                <a:schemeClr val="accent1">
+                  <a:alpha val="29000"/>
+                </a:schemeClr>
+              </a:gs>
+              <a:gs pos="100000">
+                <a:srgbClr val="000000">
+                  <a:alpha val="30000"/>
+                </a:srgbClr>
+              </a:gs>
+            </a:gsLst>
+            <a:lin ang="7800000" scaled="0"/>
+          </a:gradFill>
+          <a:ln>
+            <a:noFill/>
+          </a:ln>
+        </p:spPr>
+        <p:style>
+          <a:lnRef idx="2">
+            <a:schemeClr val="accent1">
+              <a:shade val="50000"/>
+            </a:schemeClr>
+          </a:lnRef>
+          <a:fillRef idx="1">
+            <a:schemeClr val="accent1"/>
+          </a:fillRef>
+          <a:effectRef idx="0">
+            <a:schemeClr val="accent1"/>
+          </a:effectRef>
+          <a:fontRef idx="minor">
+            <a:schemeClr val="lt1"/>
+          </a:fontRef>
+        </p:style>
+        <p:txBody>
+          <a:bodyPr rtlCol="0" anchor="ctr"/>
+          <a:lstStyle/>
+          <a:p>
+            <a:pPr algn="ctr"/>
+            <a:endParaRPr lang="en-US" dirty="0"/>
+          </a:p>
+        </p:txBody>
+      </p:sp>
+      <p:sp>
+        <p:nvSpPr>
+          <p:cNvPr id="18" name="Freeform: Shape 17">
+            <a:extLst>
+              <a:ext uri="{FF2B5EF4-FFF2-40B4-BE49-F238E27FC236}">
+                <a16:creationId xmlns:a16="http://schemas.microsoft.com/office/drawing/2014/main" id="{38FAA1A1-D861-433F-88FA-1E9D6FD31D11}"/>
+              </a:ext>
+              <a:ext uri="{C183D7F6-B498-43B3-948B-1728B52AA6E4}">
+                <adec:decorative xmlns:adec="http://schemas.microsoft.com/office/drawing/2017/decorative" val="1"/>
+              </a:ext>
+            </a:extLst>
+          </p:cNvPr>
+          <p:cNvSpPr>
+            <a:spLocks noGrp="1" noRot="1" noChangeAspect="1" noMove="1" noResize="1" noEditPoints="1" noAdjustHandles="1" noChangeArrowheads="1" noChangeShapeType="1" noTextEdit="1"/>
+          </p:cNvSpPr>
+          <p:nvPr>
+            <p:extLst>
+              <p:ext uri="{386F3935-93C4-4BCD-93E2-E3B085C9AB24}">
+                <p16:designElem xmlns:p16="http://schemas.microsoft.com/office/powerpoint/2015/main" val="1"/>
+              </p:ext>
+            </p:extLst>
+          </p:nvPr>
+        </p:nvSpPr>
+        <p:spPr>
+          <a:xfrm rot="20635413">
+            <a:off x="-501737" y="969718"/>
+            <a:ext cx="3900357" cy="4178958"/>
+          </a:xfrm>
+          <a:custGeom>
+            <a:avLst/>
+            <a:gdLst>
+              <a:gd name="connsiteX0" fmla="*/ 2432225 w 3900357"/>
+              <a:gd name="connsiteY0" fmla="*/ 93939 h 4178958"/>
+              <a:gd name="connsiteX1" fmla="*/ 3900357 w 3900357"/>
+              <a:gd name="connsiteY1" fmla="*/ 2089479 h 4178958"/>
+              <a:gd name="connsiteX2" fmla="*/ 1810878 w 3900357"/>
+              <a:gd name="connsiteY2" fmla="*/ 4178958 h 4178958"/>
+              <a:gd name="connsiteX3" fmla="*/ 78249 w 3900357"/>
+              <a:gd name="connsiteY3" fmla="*/ 3257727 h 4178958"/>
+              <a:gd name="connsiteX4" fmla="*/ 0 w 3900357"/>
+              <a:gd name="connsiteY4" fmla="*/ 3128923 h 4178958"/>
+              <a:gd name="connsiteX5" fmla="*/ 831324 w 3900357"/>
+              <a:gd name="connsiteY5" fmla="*/ 244281 h 4178958"/>
+              <a:gd name="connsiteX6" fmla="*/ 997559 w 3900357"/>
+              <a:gd name="connsiteY6" fmla="*/ 164202 h 4178958"/>
+              <a:gd name="connsiteX7" fmla="*/ 1810878 w 3900357"/>
+              <a:gd name="connsiteY7" fmla="*/ 0 h 4178958"/>
+              <a:gd name="connsiteX8" fmla="*/ 2432225 w 3900357"/>
+              <a:gd name="connsiteY8" fmla="*/ 93939 h 4178958"/>
+            </a:gdLst>
+            <a:ahLst/>
+            <a:cxnLst>
+              <a:cxn ang="0">
+                <a:pos x="connsiteX0" y="connsiteY0"/>
+              </a:cxn>
+              <a:cxn ang="0">
+                <a:pos x="connsiteX1" y="connsiteY1"/>
+              </a:cxn>
+              <a:cxn ang="0">
+                <a:pos x="connsiteX2" y="connsiteY2"/>
+              </a:cxn>
+              <a:cxn ang="0">
+                <a:pos x="connsiteX3" y="connsiteY3"/>
+              </a:cxn>
+              <a:cxn ang="0">
+                <a:pos x="connsiteX4" y="connsiteY4"/>
+              </a:cxn>
+              <a:cxn ang="0">
+                <a:pos x="connsiteX5" y="connsiteY5"/>
+              </a:cxn>
+              <a:cxn ang="0">
+                <a:pos x="connsiteX6" y="connsiteY6"/>
+              </a:cxn>
+              <a:cxn ang="0">
+                <a:pos x="connsiteX7" y="connsiteY7"/>
+              </a:cxn>
+              <a:cxn ang="0">
+                <a:pos x="connsiteX8" y="connsiteY8"/>
+              </a:cxn>
+            </a:cxnLst>
+            <a:rect l="l" t="t" r="r" b="b"/>
+            <a:pathLst>
+              <a:path w="3900357" h="4178958">
+                <a:moveTo>
+                  <a:pt x="2432225" y="93939"/>
+                </a:moveTo>
+                <a:cubicBezTo>
+                  <a:pt x="3282786" y="358491"/>
+                  <a:pt x="3900357" y="1151865"/>
+                  <a:pt x="3900357" y="2089479"/>
+                </a:cubicBezTo>
+                <a:cubicBezTo>
+                  <a:pt x="3900357" y="3243466"/>
+                  <a:pt x="2964865" y="4178958"/>
+                  <a:pt x="1810878" y="4178958"/>
+                </a:cubicBezTo>
+                <a:cubicBezTo>
+                  <a:pt x="1089636" y="4178958"/>
+                  <a:pt x="453744" y="3813531"/>
+                  <a:pt x="78249" y="3257727"/>
+                </a:cubicBezTo>
+                <a:lnTo>
+                  <a:pt x="0" y="3128923"/>
+                </a:lnTo>
+                <a:lnTo>
+                  <a:pt x="831324" y="244281"/>
+                </a:lnTo>
+                <a:lnTo>
+                  <a:pt x="997559" y="164202"/>
+                </a:lnTo>
+                <a:cubicBezTo>
+                  <a:pt x="1247540" y="58468"/>
+                  <a:pt x="1522381" y="0"/>
+                  <a:pt x="1810878" y="0"/>
+                </a:cubicBezTo>
+                <a:cubicBezTo>
+                  <a:pt x="2027251" y="0"/>
+                  <a:pt x="2235942" y="32888"/>
+                  <a:pt x="2432225" y="93939"/>
+                </a:cubicBezTo>
+                <a:close/>
+              </a:path>
+            </a:pathLst>
+          </a:custGeom>
+          <a:gradFill>
+            <a:gsLst>
+              <a:gs pos="29000">
+                <a:srgbClr val="000000">
+                  <a:alpha val="0"/>
+                </a:srgbClr>
+              </a:gs>
+              <a:gs pos="100000">
+                <a:schemeClr val="accent1">
+                  <a:alpha val="43000"/>
+                </a:schemeClr>
+              </a:gs>
+            </a:gsLst>
+            <a:lin ang="1800000" scaled="0"/>
+          </a:gradFill>
+          <a:ln>
+            <a:noFill/>
+          </a:ln>
+        </p:spPr>
+        <p:style>
+          <a:lnRef idx="2">
+            <a:schemeClr val="accent1">
+              <a:shade val="50000"/>
+            </a:schemeClr>
+          </a:lnRef>
+          <a:fillRef idx="1">
+            <a:schemeClr val="accent1"/>
+          </a:fillRef>
+          <a:effectRef idx="0">
+            <a:schemeClr val="accent1"/>
+          </a:effectRef>
+          <a:fontRef idx="minor">
+            <a:schemeClr val="lt1"/>
+          </a:fontRef>
+        </p:style>
+        <p:txBody>
+          <a:bodyPr wrap="square" rtlCol="0" anchor="ctr">
+            <a:noAutofit/>
           </a:bodyPr>
           <a:lstStyle/>
           <a:p>
-            <a:r>
-              <a:rPr lang="en-US" sz="1400" dirty="0"/>
-              <a:t>Speaker: Montana</a:t>
-            </a:r>
+            <a:pPr algn="ctr"/>
+            <a:endParaRPr lang="en-US" dirty="0"/>
+          </a:p>
+        </p:txBody>
+      </p:sp>
+      <p:sp>
+        <p:nvSpPr>
+          <p:cNvPr id="20" name="Rectangle 19">
+            <a:extLst>
+              <a:ext uri="{FF2B5EF4-FFF2-40B4-BE49-F238E27FC236}">
+                <a16:creationId xmlns:a16="http://schemas.microsoft.com/office/drawing/2014/main" id="{8D71EDA1-87BF-4D5D-AB79-F346FD19278A}"/>
+              </a:ext>
+              <a:ext uri="{C183D7F6-B498-43B3-948B-1728B52AA6E4}">
+                <adec:decorative xmlns:adec="http://schemas.microsoft.com/office/drawing/2017/decorative" val="1"/>
+              </a:ext>
+            </a:extLst>
+          </p:cNvPr>
+          <p:cNvSpPr>
+            <a:spLocks noGrp="1" noRot="1" noChangeAspect="1" noMove="1" noResize="1" noEditPoints="1" noAdjustHandles="1" noChangeArrowheads="1" noChangeShapeType="1" noTextEdit="1"/>
+          </p:cNvSpPr>
+          <p:nvPr>
+            <p:extLst>
+              <p:ext uri="{386F3935-93C4-4BCD-93E2-E3B085C9AB24}">
+                <p16:designElem xmlns:p16="http://schemas.microsoft.com/office/powerpoint/2015/main" val="1"/>
+              </p:ext>
+            </p:extLst>
+          </p:nvPr>
+        </p:nvSpPr>
+        <p:spPr>
+          <a:xfrm rot="5400000" flipH="1">
+            <a:off x="-1410093" y="1399943"/>
+            <a:ext cx="6858003" cy="4037835"/>
+          </a:xfrm>
+          <a:prstGeom prst="rect">
+            <a:avLst/>
+          </a:prstGeom>
+          <a:gradFill>
+            <a:gsLst>
+              <a:gs pos="0">
+                <a:srgbClr val="000000">
+                  <a:alpha val="0"/>
+                </a:srgbClr>
+              </a:gs>
+              <a:gs pos="99000">
+                <a:schemeClr val="accent1">
+                  <a:lumMod val="60000"/>
+                  <a:lumOff val="40000"/>
+                  <a:alpha val="11000"/>
+                </a:schemeClr>
+              </a:gs>
+            </a:gsLst>
+            <a:lin ang="7200000" scaled="0"/>
+          </a:gradFill>
+          <a:ln>
+            <a:noFill/>
+          </a:ln>
+        </p:spPr>
+        <p:style>
+          <a:lnRef idx="2">
+            <a:schemeClr val="accent1">
+              <a:shade val="50000"/>
+            </a:schemeClr>
+          </a:lnRef>
+          <a:fillRef idx="1">
+            <a:schemeClr val="accent1"/>
+          </a:fillRef>
+          <a:effectRef idx="0">
+            <a:schemeClr val="accent1"/>
+          </a:effectRef>
+          <a:fontRef idx="minor">
+            <a:schemeClr val="lt1"/>
+          </a:fontRef>
+        </p:style>
+        <p:txBody>
+          <a:bodyPr rtlCol="0" anchor="ctr"/>
+          <a:lstStyle/>
+          <a:p>
+            <a:pPr algn="ctr"/>
+            <a:endParaRPr lang="en-US"/>
+          </a:p>
+        </p:txBody>
+      </p:sp>
+      <p:sp>
+        <p:nvSpPr>
+          <p:cNvPr id="2" name="Title 1">
+            <a:extLst>
+              <a:ext uri="{FF2B5EF4-FFF2-40B4-BE49-F238E27FC236}">
+                <a16:creationId xmlns:a16="http://schemas.microsoft.com/office/drawing/2014/main" id="{1B33EFAB-174D-49F4-E60F-24AE706874A6}"/>
+              </a:ext>
+            </a:extLst>
+          </p:cNvPr>
+          <p:cNvSpPr>
+            <a:spLocks noGrp="1"/>
+          </p:cNvSpPr>
+          <p:nvPr>
+            <p:ph type="title"/>
+          </p:nvPr>
+        </p:nvSpPr>
+        <p:spPr>
+          <a:xfrm>
+            <a:off x="466722" y="586855"/>
+            <a:ext cx="3201366" cy="3387497"/>
+          </a:xfrm>
+        </p:spPr>
+        <p:txBody>
+          <a:bodyPr anchor="b">
+            <a:normAutofit/>
+          </a:bodyPr>
+          <a:lstStyle/>
+          <a:p>
+            <a:pPr algn="r"/>
+            <a:r>
+              <a:rPr lang="en-US" sz="4000" dirty="0">
+                <a:solidFill>
+                  <a:srgbClr val="FFFFFF"/>
+                </a:solidFill>
+              </a:rPr>
+              <a:t>Demo</a:t>
+            </a:r>
+            <a:br>
+              <a:rPr lang="en-US" sz="4000" dirty="0">
+                <a:solidFill>
+                  <a:srgbClr val="FFFFFF"/>
+                </a:solidFill>
+              </a:rPr>
+            </a:br>
+            <a:r>
+              <a:rPr lang="en-US" sz="1400" dirty="0">
+                <a:solidFill>
+                  <a:schemeClr val="bg2">
+                    <a:lumMod val="75000"/>
+                  </a:schemeClr>
+                </a:solidFill>
+              </a:rPr>
+              <a:t>Locally hosted, functional webpage</a:t>
+            </a:r>
+            <a:br>
+              <a:rPr lang="en-US" sz="1400" dirty="0">
+                <a:solidFill>
+                  <a:schemeClr val="bg2">
+                    <a:lumMod val="75000"/>
+                  </a:schemeClr>
+                </a:solidFill>
+              </a:rPr>
+            </a:br>
+            <a:r>
+              <a:rPr lang="en-US" sz="1400" dirty="0">
+                <a:solidFill>
+                  <a:schemeClr val="bg2">
+                    <a:lumMod val="75000"/>
+                  </a:schemeClr>
+                </a:solidFill>
+              </a:rPr>
+              <a:t>Running Docker</a:t>
+            </a:r>
+            <a:endParaRPr lang="en-US" sz="4000" dirty="0">
+              <a:solidFill>
+                <a:schemeClr val="bg2">
+                  <a:lumMod val="75000"/>
+                </a:schemeClr>
+              </a:solidFill>
+            </a:endParaRPr>
           </a:p>
         </p:txBody>
       </p:sp>
       <p:pic>
         <p:nvPicPr>
-          <p:cNvPr id="8" name="Picture 7" descr="A screenshot of a graph&#10;&#10;Description automatically generated">
-            <a:extLst>
-              <a:ext uri="{FF2B5EF4-FFF2-40B4-BE49-F238E27FC236}">
-                <a16:creationId xmlns:a16="http://schemas.microsoft.com/office/drawing/2014/main" id="{33F9911E-0EE6-573C-3DB2-8160ECFC86BE}"/>
+          <p:cNvPr id="6" name="Picture 5" descr="A screenshot of a graph&#10;&#10;Description automatically generated">
+            <a:extLst>
+              <a:ext uri="{FF2B5EF4-FFF2-40B4-BE49-F238E27FC236}">
+                <a16:creationId xmlns:a16="http://schemas.microsoft.com/office/drawing/2014/main" id="{CD16C465-8E23-2ABD-2CF1-821C76CF3476}"/>
               </a:ext>
             </a:extLst>
           </p:cNvPr>
@@ -5034,8 +8122,8 @@
         </p:blipFill>
         <p:spPr>
           <a:xfrm>
-            <a:off x="5266908" y="241393"/>
-            <a:ext cx="6770975" cy="6375213"/>
+            <a:off x="4809308" y="365125"/>
+            <a:ext cx="6544492" cy="6161968"/>
           </a:xfrm>
           <a:prstGeom prst="rect">
             <a:avLst/>
@@ -5045,7 +8133,7 @@
     </p:spTree>
     <p:extLst>
       <p:ext uri="{BB962C8B-B14F-4D97-AF65-F5344CB8AC3E}">
-        <p14:creationId xmlns:p14="http://schemas.microsoft.com/office/powerpoint/2010/main" val="1861151022"/>
+        <p14:creationId xmlns:p14="http://schemas.microsoft.com/office/powerpoint/2010/main" val="4287060109"/>
       </p:ext>
     </p:extLst>
   </p:cSld>
@@ -5058,6 +8146,14 @@
 <file path=ppt/slides/slide5.xml><?xml version="1.0" encoding="utf-8"?>
 <p:sld xmlns:a="http://schemas.openxmlformats.org/drawingml/2006/main" xmlns:r="http://schemas.openxmlformats.org/officeDocument/2006/relationships" xmlns:p="http://schemas.openxmlformats.org/presentationml/2006/main">
   <p:cSld>
+    <p:bg>
+      <p:bgPr>
+        <a:solidFill>
+          <a:schemeClr val="bg1"/>
+        </a:solidFill>
+        <a:effectLst/>
+      </p:bgPr>
+    </p:bg>
     <p:spTree>
       <p:nvGrpSpPr>
         <p:cNvPr id="1" name=""/>
@@ -5072,148 +8168,786 @@
           <a:chExt cx="0" cy="0"/>
         </a:xfrm>
       </p:grpSpPr>
-      <p:sp>
-        <p:nvSpPr>
-          <p:cNvPr id="4" name="Title 3">
-            <a:extLst>
-              <a:ext uri="{FF2B5EF4-FFF2-40B4-BE49-F238E27FC236}">
-                <a16:creationId xmlns:a16="http://schemas.microsoft.com/office/drawing/2014/main" id="{D8EC01C9-5ACF-7114-DE68-7899CD09153C}"/>
-              </a:ext>
-            </a:extLst>
-          </p:cNvPr>
-          <p:cNvSpPr>
-            <a:spLocks noGrp="1"/>
-          </p:cNvSpPr>
-          <p:nvPr>
-            <p:ph type="title"/>
-          </p:nvPr>
-        </p:nvSpPr>
-        <p:spPr/>
-        <p:txBody>
-          <a:bodyPr/>
-          <a:lstStyle/>
-          <a:p>
-            <a:r>
-              <a:rPr lang="en-US" dirty="0"/>
-              <a:t>Challenges</a:t>
-            </a:r>
-          </a:p>
-        </p:txBody>
-      </p:sp>
-      <p:sp>
-        <p:nvSpPr>
-          <p:cNvPr id="5" name="Content Placeholder 4">
-            <a:extLst>
-              <a:ext uri="{FF2B5EF4-FFF2-40B4-BE49-F238E27FC236}">
-                <a16:creationId xmlns:a16="http://schemas.microsoft.com/office/drawing/2014/main" id="{5B49C419-8540-BBDE-6C59-4B8FF1C6D6A7}"/>
-              </a:ext>
-            </a:extLst>
-          </p:cNvPr>
-          <p:cNvSpPr>
-            <a:spLocks noGrp="1"/>
-          </p:cNvSpPr>
-          <p:nvPr>
-            <p:ph idx="1"/>
-          </p:nvPr>
-        </p:nvSpPr>
-        <p:spPr/>
-        <p:txBody>
-          <a:bodyPr/>
-          <a:lstStyle/>
-          <a:p>
-            <a:r>
-              <a:rPr lang="en-US" dirty="0"/>
-              <a:t>Data:</a:t>
-            </a:r>
-          </a:p>
-          <a:p>
-            <a:pPr lvl="1"/>
-            <a:r>
-              <a:rPr lang="en-US" dirty="0"/>
-              <a:t>…</a:t>
-            </a:r>
-          </a:p>
-          <a:p>
-            <a:r>
-              <a:rPr lang="en-US" dirty="0"/>
-              <a:t>Tech:</a:t>
-            </a:r>
-          </a:p>
-          <a:p>
-            <a:pPr lvl="1"/>
-            <a:r>
-              <a:rPr lang="en-US" dirty="0"/>
-              <a:t>…</a:t>
-            </a:r>
-          </a:p>
-          <a:p>
-            <a:r>
-              <a:rPr lang="en-US" dirty="0"/>
-              <a:t>Services:</a:t>
-            </a:r>
-          </a:p>
-          <a:p>
-            <a:pPr lvl="1"/>
-            <a:r>
-              <a:rPr lang="en-US" dirty="0"/>
-              <a:t>CORS on AWS API Gateway</a:t>
-            </a:r>
-          </a:p>
-          <a:p>
-            <a:pPr lvl="1"/>
-            <a:r>
-              <a:rPr lang="en-US" dirty="0"/>
-              <a:t>Yahoo broke </a:t>
-            </a:r>
-            <a:r>
-              <a:rPr lang="en-US" dirty="0" err="1"/>
-              <a:t>yFinance</a:t>
-            </a:r>
-            <a:endParaRPr lang="en-US" dirty="0"/>
-          </a:p>
-        </p:txBody>
-      </p:sp>
-      <p:sp>
-        <p:nvSpPr>
-          <p:cNvPr id="6" name="TextBox 5">
-            <a:extLst>
-              <a:ext uri="{FF2B5EF4-FFF2-40B4-BE49-F238E27FC236}">
-                <a16:creationId xmlns:a16="http://schemas.microsoft.com/office/drawing/2014/main" id="{ABAF1727-3BB3-0390-102F-49B21D6185C3}"/>
-              </a:ext>
-            </a:extLst>
-          </p:cNvPr>
-          <p:cNvSpPr txBox="1"/>
-          <p:nvPr/>
+      <p:sp useBgFill="1">
+        <p:nvSpPr>
+          <p:cNvPr id="8" name="Rectangle 7">
+            <a:extLst>
+              <a:ext uri="{FF2B5EF4-FFF2-40B4-BE49-F238E27FC236}">
+                <a16:creationId xmlns:a16="http://schemas.microsoft.com/office/drawing/2014/main" id="{09588DA8-065E-4F6F-8EFD-43104AB2E0CF}"/>
+              </a:ext>
+              <a:ext uri="{C183D7F6-B498-43B3-948B-1728B52AA6E4}">
+                <adec:decorative xmlns:adec="http://schemas.microsoft.com/office/drawing/2017/decorative" val="1"/>
+              </a:ext>
+            </a:extLst>
+          </p:cNvPr>
+          <p:cNvSpPr>
+            <a:spLocks noGrp="1" noRot="1" noChangeAspect="1" noMove="1" noResize="1" noEditPoints="1" noAdjustHandles="1" noChangeArrowheads="1" noChangeShapeType="1" noTextEdit="1"/>
+          </p:cNvSpPr>
+          <p:nvPr>
+            <p:extLst>
+              <p:ext uri="{386F3935-93C4-4BCD-93E2-E3B085C9AB24}">
+                <p16:designElem xmlns:p16="http://schemas.microsoft.com/office/powerpoint/2015/main" val="1"/>
+              </p:ext>
+            </p:extLst>
+          </p:nvPr>
         </p:nvSpPr>
         <p:spPr>
           <a:xfrm>
-            <a:off x="8178230" y="1321356"/>
-            <a:ext cx="1153457" cy="369332"/>
+            <a:off x="0" y="0"/>
+            <a:ext cx="12192000" cy="6858000"/>
           </a:xfrm>
           <a:prstGeom prst="rect">
             <a:avLst/>
           </a:prstGeom>
-          <a:solidFill>
-            <a:srgbClr val="FFFF00"/>
-          </a:solidFill>
+          <a:ln w="12700" cap="flat" cmpd="sng" algn="ctr">
+            <a:noFill/>
+            <a:prstDash val="solid"/>
+            <a:miter lim="800000"/>
+          </a:ln>
+          <a:effectLst/>
+          <a:extLst>
+            <a:ext uri="{91240B29-F687-4F45-9708-019B960494DF}">
+              <a14:hiddenLine xmlns:a14="http://schemas.microsoft.com/office/drawing/2010/main" w="12700" cap="flat" cmpd="sng" algn="ctr">
+                <a:solidFill>
+                  <a:schemeClr val="accent1">
+                    <a:shade val="50000"/>
+                  </a:schemeClr>
+                </a:solidFill>
+                <a:prstDash val="solid"/>
+                <a:miter lim="800000"/>
+              </a14:hiddenLine>
+            </a:ext>
+          </a:extLst>
         </p:spPr>
-        <p:txBody>
-          <a:bodyPr wrap="none" rtlCol="0">
-            <a:spAutoFit/>
+        <p:style>
+          <a:lnRef idx="2">
+            <a:schemeClr val="accent1">
+              <a:shade val="50000"/>
+            </a:schemeClr>
+          </a:lnRef>
+          <a:fillRef idx="1">
+            <a:schemeClr val="accent1"/>
+          </a:fillRef>
+          <a:effectRef idx="0">
+            <a:schemeClr val="accent1"/>
+          </a:effectRef>
+          <a:fontRef idx="minor">
+            <a:schemeClr val="lt1"/>
+          </a:fontRef>
+        </p:style>
+        <p:txBody>
+          <a:bodyPr rtlCol="0" anchor="ctr"/>
+          <a:lstStyle/>
+          <a:p>
+            <a:pPr algn="ctr"/>
+            <a:endParaRPr lang="en-US"/>
+          </a:p>
+        </p:txBody>
+      </p:sp>
+      <p:sp useBgFill="1">
+        <p:nvSpPr>
+          <p:cNvPr id="10" name="Rectangle 9">
+            <a:extLst>
+              <a:ext uri="{FF2B5EF4-FFF2-40B4-BE49-F238E27FC236}">
+                <a16:creationId xmlns:a16="http://schemas.microsoft.com/office/drawing/2014/main" id="{C4285719-470E-454C-AF62-8323075F1F5B}"/>
+              </a:ext>
+              <a:ext uri="{C183D7F6-B498-43B3-948B-1728B52AA6E4}">
+                <adec:decorative xmlns:adec="http://schemas.microsoft.com/office/drawing/2017/decorative" val="1"/>
+              </a:ext>
+            </a:extLst>
+          </p:cNvPr>
+          <p:cNvSpPr>
+            <a:spLocks noGrp="1" noRot="1" noChangeAspect="1" noMove="1" noResize="1" noEditPoints="1" noAdjustHandles="1" noChangeArrowheads="1" noChangeShapeType="1" noTextEdit="1"/>
+          </p:cNvSpPr>
+          <p:nvPr>
+            <p:extLst>
+              <p:ext uri="{386F3935-93C4-4BCD-93E2-E3B085C9AB24}">
+                <p16:designElem xmlns:p16="http://schemas.microsoft.com/office/powerpoint/2015/main" val="1"/>
+              </p:ext>
+            </p:extLst>
+          </p:nvPr>
+        </p:nvSpPr>
+        <p:spPr>
+          <a:xfrm>
+            <a:off x="0" y="0"/>
+            <a:ext cx="12188952" cy="6858000"/>
+          </a:xfrm>
+          <a:prstGeom prst="rect">
+            <a:avLst/>
+          </a:prstGeom>
+          <a:ln w="12700" cap="flat" cmpd="sng" algn="ctr">
+            <a:noFill/>
+            <a:prstDash val="solid"/>
+            <a:miter lim="800000"/>
+          </a:ln>
+          <a:effectLst/>
+          <a:extLst>
+            <a:ext uri="{91240B29-F687-4F45-9708-019B960494DF}">
+              <a14:hiddenLine xmlns:a14="http://schemas.microsoft.com/office/drawing/2010/main" w="12700" cap="flat" cmpd="sng" algn="ctr">
+                <a:solidFill>
+                  <a:schemeClr val="accent1">
+                    <a:shade val="50000"/>
+                  </a:schemeClr>
+                </a:solidFill>
+                <a:prstDash val="solid"/>
+                <a:miter lim="800000"/>
+              </a14:hiddenLine>
+            </a:ext>
+          </a:extLst>
+        </p:spPr>
+        <p:style>
+          <a:lnRef idx="2">
+            <a:schemeClr val="accent1">
+              <a:shade val="50000"/>
+            </a:schemeClr>
+          </a:lnRef>
+          <a:fillRef idx="1">
+            <a:schemeClr val="accent1"/>
+          </a:fillRef>
+          <a:effectRef idx="0">
+            <a:schemeClr val="accent1"/>
+          </a:effectRef>
+          <a:fontRef idx="minor">
+            <a:schemeClr val="lt1"/>
+          </a:fontRef>
+        </p:style>
+        <p:txBody>
+          <a:bodyPr rtlCol="0" anchor="ctr"/>
+          <a:lstStyle/>
+          <a:p>
+            <a:pPr algn="ctr"/>
+            <a:endParaRPr lang="en-US"/>
+          </a:p>
+        </p:txBody>
+      </p:sp>
+      <p:sp>
+        <p:nvSpPr>
+          <p:cNvPr id="12" name="Rectangle 11">
+            <a:extLst>
+              <a:ext uri="{FF2B5EF4-FFF2-40B4-BE49-F238E27FC236}">
+                <a16:creationId xmlns:a16="http://schemas.microsoft.com/office/drawing/2014/main" id="{CD9FE4EF-C4D8-49A0-B2FF-81D8DB7D8A24}"/>
+              </a:ext>
+              <a:ext uri="{C183D7F6-B498-43B3-948B-1728B52AA6E4}">
+                <adec:decorative xmlns:adec="http://schemas.microsoft.com/office/drawing/2017/decorative" val="1"/>
+              </a:ext>
+            </a:extLst>
+          </p:cNvPr>
+          <p:cNvSpPr>
+            <a:spLocks noGrp="1" noRot="1" noChangeAspect="1" noMove="1" noResize="1" noEditPoints="1" noAdjustHandles="1" noChangeArrowheads="1" noChangeShapeType="1" noTextEdit="1"/>
+          </p:cNvSpPr>
+          <p:nvPr>
+            <p:extLst>
+              <p:ext uri="{386F3935-93C4-4BCD-93E2-E3B085C9AB24}">
+                <p16:designElem xmlns:p16="http://schemas.microsoft.com/office/powerpoint/2015/main" val="1"/>
+              </p:ext>
+            </p:extLst>
+          </p:nvPr>
+        </p:nvSpPr>
+        <p:spPr>
+          <a:xfrm rot="5400000" flipH="1">
+            <a:off x="-1410084" y="1410082"/>
+            <a:ext cx="6858000" cy="4037836"/>
+          </a:xfrm>
+          <a:prstGeom prst="rect">
+            <a:avLst/>
+          </a:prstGeom>
+          <a:gradFill>
+            <a:gsLst>
+              <a:gs pos="8000">
+                <a:srgbClr val="000000"/>
+              </a:gs>
+              <a:gs pos="100000">
+                <a:schemeClr val="accent1">
+                  <a:lumMod val="75000"/>
+                </a:schemeClr>
+              </a:gs>
+            </a:gsLst>
+            <a:lin ang="3000000" scaled="0"/>
+          </a:gradFill>
+          <a:ln>
+            <a:noFill/>
+          </a:ln>
+        </p:spPr>
+        <p:style>
+          <a:lnRef idx="2">
+            <a:schemeClr val="accent1">
+              <a:shade val="50000"/>
+            </a:schemeClr>
+          </a:lnRef>
+          <a:fillRef idx="1">
+            <a:schemeClr val="accent1"/>
+          </a:fillRef>
+          <a:effectRef idx="0">
+            <a:schemeClr val="accent1"/>
+          </a:effectRef>
+          <a:fontRef idx="minor">
+            <a:schemeClr val="lt1"/>
+          </a:fontRef>
+        </p:style>
+        <p:txBody>
+          <a:bodyPr rtlCol="0" anchor="ctr"/>
+          <a:lstStyle/>
+          <a:p>
+            <a:pPr algn="ctr"/>
+            <a:endParaRPr lang="en-US"/>
+          </a:p>
+        </p:txBody>
+      </p:sp>
+      <p:sp>
+        <p:nvSpPr>
+          <p:cNvPr id="14" name="Rectangle 13">
+            <a:extLst>
+              <a:ext uri="{FF2B5EF4-FFF2-40B4-BE49-F238E27FC236}">
+                <a16:creationId xmlns:a16="http://schemas.microsoft.com/office/drawing/2014/main" id="{4300840D-0A0B-4512-BACA-B439D5B9C57C}"/>
+              </a:ext>
+              <a:ext uri="{C183D7F6-B498-43B3-948B-1728B52AA6E4}">
+                <adec:decorative xmlns:adec="http://schemas.microsoft.com/office/drawing/2017/decorative" val="1"/>
+              </a:ext>
+            </a:extLst>
+          </p:cNvPr>
+          <p:cNvSpPr>
+            <a:spLocks noGrp="1" noRot="1" noChangeAspect="1" noMove="1" noResize="1" noEditPoints="1" noAdjustHandles="1" noChangeArrowheads="1" noChangeShapeType="1" noTextEdit="1"/>
+          </p:cNvSpPr>
+          <p:nvPr>
+            <p:extLst>
+              <p:ext uri="{386F3935-93C4-4BCD-93E2-E3B085C9AB24}">
+                <p16:designElem xmlns:p16="http://schemas.microsoft.com/office/powerpoint/2015/main" val="1"/>
+              </p:ext>
+            </p:extLst>
+          </p:nvPr>
+        </p:nvSpPr>
+        <p:spPr>
+          <a:xfrm rot="5400000" flipH="1">
+            <a:off x="-1410085" y="1420219"/>
+            <a:ext cx="6857999" cy="4037839"/>
+          </a:xfrm>
+          <a:prstGeom prst="rect">
+            <a:avLst/>
+          </a:prstGeom>
+          <a:gradFill>
+            <a:gsLst>
+              <a:gs pos="0">
+                <a:srgbClr val="000000">
+                  <a:alpha val="0"/>
+                </a:srgbClr>
+              </a:gs>
+              <a:gs pos="99000">
+                <a:schemeClr val="accent1">
+                  <a:alpha val="46000"/>
+                </a:schemeClr>
+              </a:gs>
+            </a:gsLst>
+            <a:lin ang="1800000" scaled="0"/>
+          </a:gradFill>
+          <a:ln>
+            <a:noFill/>
+          </a:ln>
+        </p:spPr>
+        <p:style>
+          <a:lnRef idx="2">
+            <a:schemeClr val="accent1">
+              <a:shade val="50000"/>
+            </a:schemeClr>
+          </a:lnRef>
+          <a:fillRef idx="1">
+            <a:schemeClr val="accent1"/>
+          </a:fillRef>
+          <a:effectRef idx="0">
+            <a:schemeClr val="accent1"/>
+          </a:effectRef>
+          <a:fontRef idx="minor">
+            <a:schemeClr val="lt1"/>
+          </a:fontRef>
+        </p:style>
+        <p:txBody>
+          <a:bodyPr rtlCol="0" anchor="ctr"/>
+          <a:lstStyle/>
+          <a:p>
+            <a:pPr algn="ctr"/>
+            <a:endParaRPr lang="en-US"/>
+          </a:p>
+        </p:txBody>
+      </p:sp>
+      <p:sp>
+        <p:nvSpPr>
+          <p:cNvPr id="16" name="Rectangle 15">
+            <a:extLst>
+              <a:ext uri="{FF2B5EF4-FFF2-40B4-BE49-F238E27FC236}">
+                <a16:creationId xmlns:a16="http://schemas.microsoft.com/office/drawing/2014/main" id="{D2B78728-A580-49A7-84F9-6EF6F583ADE0}"/>
+              </a:ext>
+              <a:ext uri="{C183D7F6-B498-43B3-948B-1728B52AA6E4}">
+                <adec:decorative xmlns:adec="http://schemas.microsoft.com/office/drawing/2017/decorative" val="1"/>
+              </a:ext>
+            </a:extLst>
+          </p:cNvPr>
+          <p:cNvSpPr>
+            <a:spLocks noGrp="1" noRot="1" noChangeAspect="1" noMove="1" noResize="1" noEditPoints="1" noAdjustHandles="1" noChangeArrowheads="1" noChangeShapeType="1" noTextEdit="1"/>
+          </p:cNvSpPr>
+          <p:nvPr>
+            <p:extLst>
+              <p:ext uri="{386F3935-93C4-4BCD-93E2-E3B085C9AB24}">
+                <p16:designElem xmlns:p16="http://schemas.microsoft.com/office/powerpoint/2015/main" val="1"/>
+              </p:ext>
+            </p:extLst>
+          </p:nvPr>
+        </p:nvSpPr>
+        <p:spPr>
+          <a:xfrm rot="5400000" flipH="1">
+            <a:off x="767923" y="3588085"/>
+            <a:ext cx="2501979" cy="4037841"/>
+          </a:xfrm>
+          <a:prstGeom prst="rect">
+            <a:avLst/>
+          </a:prstGeom>
+          <a:gradFill>
+            <a:gsLst>
+              <a:gs pos="2000">
+                <a:schemeClr val="accent1">
+                  <a:alpha val="29000"/>
+                </a:schemeClr>
+              </a:gs>
+              <a:gs pos="100000">
+                <a:srgbClr val="000000">
+                  <a:alpha val="30000"/>
+                </a:srgbClr>
+              </a:gs>
+            </a:gsLst>
+            <a:lin ang="7800000" scaled="0"/>
+          </a:gradFill>
+          <a:ln>
+            <a:noFill/>
+          </a:ln>
+        </p:spPr>
+        <p:style>
+          <a:lnRef idx="2">
+            <a:schemeClr val="accent1">
+              <a:shade val="50000"/>
+            </a:schemeClr>
+          </a:lnRef>
+          <a:fillRef idx="1">
+            <a:schemeClr val="accent1"/>
+          </a:fillRef>
+          <a:effectRef idx="0">
+            <a:schemeClr val="accent1"/>
+          </a:effectRef>
+          <a:fontRef idx="minor">
+            <a:schemeClr val="lt1"/>
+          </a:fontRef>
+        </p:style>
+        <p:txBody>
+          <a:bodyPr rtlCol="0" anchor="ctr"/>
+          <a:lstStyle/>
+          <a:p>
+            <a:pPr algn="ctr"/>
+            <a:endParaRPr lang="en-US" dirty="0"/>
+          </a:p>
+        </p:txBody>
+      </p:sp>
+      <p:sp>
+        <p:nvSpPr>
+          <p:cNvPr id="18" name="Freeform: Shape 17">
+            <a:extLst>
+              <a:ext uri="{FF2B5EF4-FFF2-40B4-BE49-F238E27FC236}">
+                <a16:creationId xmlns:a16="http://schemas.microsoft.com/office/drawing/2014/main" id="{38FAA1A1-D861-433F-88FA-1E9D6FD31D11}"/>
+              </a:ext>
+              <a:ext uri="{C183D7F6-B498-43B3-948B-1728B52AA6E4}">
+                <adec:decorative xmlns:adec="http://schemas.microsoft.com/office/drawing/2017/decorative" val="1"/>
+              </a:ext>
+            </a:extLst>
+          </p:cNvPr>
+          <p:cNvSpPr>
+            <a:spLocks noGrp="1" noRot="1" noChangeAspect="1" noMove="1" noResize="1" noEditPoints="1" noAdjustHandles="1" noChangeArrowheads="1" noChangeShapeType="1" noTextEdit="1"/>
+          </p:cNvSpPr>
+          <p:nvPr>
+            <p:extLst>
+              <p:ext uri="{386F3935-93C4-4BCD-93E2-E3B085C9AB24}">
+                <p16:designElem xmlns:p16="http://schemas.microsoft.com/office/powerpoint/2015/main" val="1"/>
+              </p:ext>
+            </p:extLst>
+          </p:nvPr>
+        </p:nvSpPr>
+        <p:spPr>
+          <a:xfrm rot="20635413">
+            <a:off x="-501737" y="969718"/>
+            <a:ext cx="3900357" cy="4178958"/>
+          </a:xfrm>
+          <a:custGeom>
+            <a:avLst/>
+            <a:gdLst>
+              <a:gd name="connsiteX0" fmla="*/ 2432225 w 3900357"/>
+              <a:gd name="connsiteY0" fmla="*/ 93939 h 4178958"/>
+              <a:gd name="connsiteX1" fmla="*/ 3900357 w 3900357"/>
+              <a:gd name="connsiteY1" fmla="*/ 2089479 h 4178958"/>
+              <a:gd name="connsiteX2" fmla="*/ 1810878 w 3900357"/>
+              <a:gd name="connsiteY2" fmla="*/ 4178958 h 4178958"/>
+              <a:gd name="connsiteX3" fmla="*/ 78249 w 3900357"/>
+              <a:gd name="connsiteY3" fmla="*/ 3257727 h 4178958"/>
+              <a:gd name="connsiteX4" fmla="*/ 0 w 3900357"/>
+              <a:gd name="connsiteY4" fmla="*/ 3128923 h 4178958"/>
+              <a:gd name="connsiteX5" fmla="*/ 831324 w 3900357"/>
+              <a:gd name="connsiteY5" fmla="*/ 244281 h 4178958"/>
+              <a:gd name="connsiteX6" fmla="*/ 997559 w 3900357"/>
+              <a:gd name="connsiteY6" fmla="*/ 164202 h 4178958"/>
+              <a:gd name="connsiteX7" fmla="*/ 1810878 w 3900357"/>
+              <a:gd name="connsiteY7" fmla="*/ 0 h 4178958"/>
+              <a:gd name="connsiteX8" fmla="*/ 2432225 w 3900357"/>
+              <a:gd name="connsiteY8" fmla="*/ 93939 h 4178958"/>
+            </a:gdLst>
+            <a:ahLst/>
+            <a:cxnLst>
+              <a:cxn ang="0">
+                <a:pos x="connsiteX0" y="connsiteY0"/>
+              </a:cxn>
+              <a:cxn ang="0">
+                <a:pos x="connsiteX1" y="connsiteY1"/>
+              </a:cxn>
+              <a:cxn ang="0">
+                <a:pos x="connsiteX2" y="connsiteY2"/>
+              </a:cxn>
+              <a:cxn ang="0">
+                <a:pos x="connsiteX3" y="connsiteY3"/>
+              </a:cxn>
+              <a:cxn ang="0">
+                <a:pos x="connsiteX4" y="connsiteY4"/>
+              </a:cxn>
+              <a:cxn ang="0">
+                <a:pos x="connsiteX5" y="connsiteY5"/>
+              </a:cxn>
+              <a:cxn ang="0">
+                <a:pos x="connsiteX6" y="connsiteY6"/>
+              </a:cxn>
+              <a:cxn ang="0">
+                <a:pos x="connsiteX7" y="connsiteY7"/>
+              </a:cxn>
+              <a:cxn ang="0">
+                <a:pos x="connsiteX8" y="connsiteY8"/>
+              </a:cxn>
+            </a:cxnLst>
+            <a:rect l="l" t="t" r="r" b="b"/>
+            <a:pathLst>
+              <a:path w="3900357" h="4178958">
+                <a:moveTo>
+                  <a:pt x="2432225" y="93939"/>
+                </a:moveTo>
+                <a:cubicBezTo>
+                  <a:pt x="3282786" y="358491"/>
+                  <a:pt x="3900357" y="1151865"/>
+                  <a:pt x="3900357" y="2089479"/>
+                </a:cubicBezTo>
+                <a:cubicBezTo>
+                  <a:pt x="3900357" y="3243466"/>
+                  <a:pt x="2964865" y="4178958"/>
+                  <a:pt x="1810878" y="4178958"/>
+                </a:cubicBezTo>
+                <a:cubicBezTo>
+                  <a:pt x="1089636" y="4178958"/>
+                  <a:pt x="453744" y="3813531"/>
+                  <a:pt x="78249" y="3257727"/>
+                </a:cubicBezTo>
+                <a:lnTo>
+                  <a:pt x="0" y="3128923"/>
+                </a:lnTo>
+                <a:lnTo>
+                  <a:pt x="831324" y="244281"/>
+                </a:lnTo>
+                <a:lnTo>
+                  <a:pt x="997559" y="164202"/>
+                </a:lnTo>
+                <a:cubicBezTo>
+                  <a:pt x="1247540" y="58468"/>
+                  <a:pt x="1522381" y="0"/>
+                  <a:pt x="1810878" y="0"/>
+                </a:cubicBezTo>
+                <a:cubicBezTo>
+                  <a:pt x="2027251" y="0"/>
+                  <a:pt x="2235942" y="32888"/>
+                  <a:pt x="2432225" y="93939"/>
+                </a:cubicBezTo>
+                <a:close/>
+              </a:path>
+            </a:pathLst>
+          </a:custGeom>
+          <a:gradFill>
+            <a:gsLst>
+              <a:gs pos="29000">
+                <a:srgbClr val="000000">
+                  <a:alpha val="0"/>
+                </a:srgbClr>
+              </a:gs>
+              <a:gs pos="100000">
+                <a:schemeClr val="accent1">
+                  <a:alpha val="43000"/>
+                </a:schemeClr>
+              </a:gs>
+            </a:gsLst>
+            <a:lin ang="1800000" scaled="0"/>
+          </a:gradFill>
+          <a:ln>
+            <a:noFill/>
+          </a:ln>
+        </p:spPr>
+        <p:style>
+          <a:lnRef idx="2">
+            <a:schemeClr val="accent1">
+              <a:shade val="50000"/>
+            </a:schemeClr>
+          </a:lnRef>
+          <a:fillRef idx="1">
+            <a:schemeClr val="accent1"/>
+          </a:fillRef>
+          <a:effectRef idx="0">
+            <a:schemeClr val="accent1"/>
+          </a:effectRef>
+          <a:fontRef idx="minor">
+            <a:schemeClr val="lt1"/>
+          </a:fontRef>
+        </p:style>
+        <p:txBody>
+          <a:bodyPr wrap="square" rtlCol="0" anchor="ctr">
+            <a:noAutofit/>
           </a:bodyPr>
           <a:lstStyle/>
           <a:p>
-            <a:r>
-              <a:rPr lang="en-US" dirty="0"/>
-              <a:t>Speaker: ?</a:t>
-            </a:r>
+            <a:pPr algn="ctr"/>
+            <a:endParaRPr lang="en-US" dirty="0"/>
+          </a:p>
+        </p:txBody>
+      </p:sp>
+      <p:sp>
+        <p:nvSpPr>
+          <p:cNvPr id="20" name="Rectangle 19">
+            <a:extLst>
+              <a:ext uri="{FF2B5EF4-FFF2-40B4-BE49-F238E27FC236}">
+                <a16:creationId xmlns:a16="http://schemas.microsoft.com/office/drawing/2014/main" id="{8D71EDA1-87BF-4D5D-AB79-F346FD19278A}"/>
+              </a:ext>
+              <a:ext uri="{C183D7F6-B498-43B3-948B-1728B52AA6E4}">
+                <adec:decorative xmlns:adec="http://schemas.microsoft.com/office/drawing/2017/decorative" val="1"/>
+              </a:ext>
+            </a:extLst>
+          </p:cNvPr>
+          <p:cNvSpPr>
+            <a:spLocks noGrp="1" noRot="1" noChangeAspect="1" noMove="1" noResize="1" noEditPoints="1" noAdjustHandles="1" noChangeArrowheads="1" noChangeShapeType="1" noTextEdit="1"/>
+          </p:cNvSpPr>
+          <p:nvPr>
+            <p:extLst>
+              <p:ext uri="{386F3935-93C4-4BCD-93E2-E3B085C9AB24}">
+                <p16:designElem xmlns:p16="http://schemas.microsoft.com/office/powerpoint/2015/main" val="1"/>
+              </p:ext>
+            </p:extLst>
+          </p:nvPr>
+        </p:nvSpPr>
+        <p:spPr>
+          <a:xfrm rot="5400000" flipH="1">
+            <a:off x="-1410093" y="1399943"/>
+            <a:ext cx="6858003" cy="4037835"/>
+          </a:xfrm>
+          <a:prstGeom prst="rect">
+            <a:avLst/>
+          </a:prstGeom>
+          <a:gradFill>
+            <a:gsLst>
+              <a:gs pos="0">
+                <a:srgbClr val="000000">
+                  <a:alpha val="0"/>
+                </a:srgbClr>
+              </a:gs>
+              <a:gs pos="99000">
+                <a:schemeClr val="accent1">
+                  <a:lumMod val="60000"/>
+                  <a:lumOff val="40000"/>
+                  <a:alpha val="11000"/>
+                </a:schemeClr>
+              </a:gs>
+            </a:gsLst>
+            <a:lin ang="7200000" scaled="0"/>
+          </a:gradFill>
+          <a:ln>
+            <a:noFill/>
+          </a:ln>
+        </p:spPr>
+        <p:style>
+          <a:lnRef idx="2">
+            <a:schemeClr val="accent1">
+              <a:shade val="50000"/>
+            </a:schemeClr>
+          </a:lnRef>
+          <a:fillRef idx="1">
+            <a:schemeClr val="accent1"/>
+          </a:fillRef>
+          <a:effectRef idx="0">
+            <a:schemeClr val="accent1"/>
+          </a:effectRef>
+          <a:fontRef idx="minor">
+            <a:schemeClr val="lt1"/>
+          </a:fontRef>
+        </p:style>
+        <p:txBody>
+          <a:bodyPr rtlCol="0" anchor="ctr"/>
+          <a:lstStyle/>
+          <a:p>
+            <a:pPr algn="ctr"/>
+            <a:endParaRPr lang="en-US"/>
+          </a:p>
+        </p:txBody>
+      </p:sp>
+      <p:sp>
+        <p:nvSpPr>
+          <p:cNvPr id="2" name="Title 1">
+            <a:extLst>
+              <a:ext uri="{FF2B5EF4-FFF2-40B4-BE49-F238E27FC236}">
+                <a16:creationId xmlns:a16="http://schemas.microsoft.com/office/drawing/2014/main" id="{1B33EFAB-174D-49F4-E60F-24AE706874A6}"/>
+              </a:ext>
+            </a:extLst>
+          </p:cNvPr>
+          <p:cNvSpPr>
+            <a:spLocks noGrp="1"/>
+          </p:cNvSpPr>
+          <p:nvPr>
+            <p:ph type="title"/>
+          </p:nvPr>
+        </p:nvSpPr>
+        <p:spPr>
+          <a:xfrm>
+            <a:off x="466722" y="586855"/>
+            <a:ext cx="3201366" cy="3387497"/>
+          </a:xfrm>
+        </p:spPr>
+        <p:txBody>
+          <a:bodyPr anchor="b">
+            <a:normAutofit/>
+          </a:bodyPr>
+          <a:lstStyle/>
+          <a:p>
+            <a:pPr algn="r"/>
+            <a:r>
+              <a:rPr lang="en-US" sz="4000" dirty="0">
+                <a:solidFill>
+                  <a:srgbClr val="FFFFFF"/>
+                </a:solidFill>
+              </a:rPr>
+              <a:t>Challenges</a:t>
+            </a:r>
+          </a:p>
+        </p:txBody>
+      </p:sp>
+      <p:sp>
+        <p:nvSpPr>
+          <p:cNvPr id="3" name="Subtitle 2">
+            <a:extLst>
+              <a:ext uri="{FF2B5EF4-FFF2-40B4-BE49-F238E27FC236}">
+                <a16:creationId xmlns:a16="http://schemas.microsoft.com/office/drawing/2014/main" id="{34AB84BC-FFC7-8563-382A-72B33BDFB636}"/>
+              </a:ext>
+            </a:extLst>
+          </p:cNvPr>
+          <p:cNvSpPr>
+            <a:spLocks noGrp="1"/>
+          </p:cNvSpPr>
+          <p:nvPr>
+            <p:ph idx="1"/>
+          </p:nvPr>
+        </p:nvSpPr>
+        <p:spPr>
+          <a:xfrm>
+            <a:off x="4810259" y="649480"/>
+            <a:ext cx="6555347" cy="5546047"/>
+          </a:xfrm>
+        </p:spPr>
+        <p:txBody>
+          <a:bodyPr anchor="ctr">
+            <a:normAutofit/>
+          </a:bodyPr>
+          <a:lstStyle/>
+          <a:p>
+            <a:pPr marL="0" indent="0">
+              <a:buNone/>
+            </a:pPr>
+            <a:r>
+              <a:rPr lang="en-US" sz="2000" dirty="0"/>
+              <a:t>Data:</a:t>
+            </a:r>
+          </a:p>
+          <a:p>
+            <a:r>
+              <a:rPr lang="en-US" sz="2000" dirty="0"/>
+              <a:t>Finding existing tools to get what we wanted</a:t>
+            </a:r>
+          </a:p>
+          <a:p>
+            <a:r>
+              <a:rPr lang="en-US" sz="2000" dirty="0"/>
+              <a:t>Scraping 3</a:t>
+            </a:r>
+            <a:r>
+              <a:rPr lang="en-US" sz="2000" baseline="30000" dirty="0"/>
+              <a:t>rd</a:t>
+            </a:r>
+            <a:r>
+              <a:rPr lang="en-US" sz="2000" dirty="0"/>
+              <a:t> party website</a:t>
+            </a:r>
+          </a:p>
+          <a:p>
+            <a:endParaRPr lang="en-US" sz="2000" dirty="0"/>
+          </a:p>
+          <a:p>
+            <a:pPr marL="0" indent="0">
+              <a:buNone/>
+            </a:pPr>
+            <a:r>
+              <a:rPr lang="en-US" sz="2000" dirty="0"/>
+              <a:t>Tech:</a:t>
+            </a:r>
+          </a:p>
+          <a:p>
+            <a:r>
+              <a:rPr lang="en-US" sz="2000" dirty="0"/>
+              <a:t>Yahoo updated their Finance API &amp; broke </a:t>
+            </a:r>
+            <a:r>
+              <a:rPr lang="en-US" sz="2000" dirty="0" err="1"/>
+              <a:t>yFinance</a:t>
+            </a:r>
+            <a:endParaRPr lang="en-US" sz="2000" dirty="0"/>
+          </a:p>
+          <a:p>
+            <a:r>
+              <a:rPr lang="en-US" sz="2000" dirty="0"/>
+              <a:t>Community fixed it</a:t>
+            </a:r>
+          </a:p>
+          <a:p>
+            <a:endParaRPr lang="en-US" sz="2000" dirty="0"/>
+          </a:p>
+          <a:p>
+            <a:pPr marL="0" indent="0">
+              <a:buNone/>
+            </a:pPr>
+            <a:r>
+              <a:rPr lang="en-US" sz="2000" dirty="0"/>
+              <a:t>Services:</a:t>
+            </a:r>
+          </a:p>
+          <a:p>
+            <a:r>
+              <a:rPr lang="en-US" sz="2000" dirty="0"/>
+              <a:t>CORS issues with API Gateway</a:t>
+            </a:r>
+          </a:p>
+          <a:p>
+            <a:pPr marL="0" indent="0">
+              <a:buNone/>
+            </a:pPr>
+            <a:endParaRPr lang="en-US" sz="2000" dirty="0"/>
+          </a:p>
+          <a:p>
+            <a:endParaRPr lang="en-US" sz="2000" dirty="0"/>
           </a:p>
         </p:txBody>
       </p:sp>
     </p:spTree>
     <p:extLst>
       <p:ext uri="{BB962C8B-B14F-4D97-AF65-F5344CB8AC3E}">
-        <p14:creationId xmlns:p14="http://schemas.microsoft.com/office/powerpoint/2010/main" val="1729556270"/>
+        <p14:creationId xmlns:p14="http://schemas.microsoft.com/office/powerpoint/2010/main" val="2320352152"/>
       </p:ext>
     </p:extLst>
   </p:cSld>
